--- a/University project 2012-2013/hierarchyClass.pptx
+++ b/University project 2012-2013/hierarchyClass.pptx
@@ -5,7 +5,7 @@
     <p:sldMasterId id="2147483648" r:id="rId1"/>
   </p:sldMasterIdLst>
   <p:sldIdLst>
-    <p:sldId id="256" r:id="rId2"/>
+    <p:sldId id="257" r:id="rId2"/>
   </p:sldIdLst>
   <p:sldSz cx="9144000" cy="6858000" type="screen4x3"/>
   <p:notesSz cx="6858000" cy="9144000"/>
@@ -857,7 +857,7 @@
 <file path=ppt/diagrams/data1.xml><?xml version="1.0" encoding="utf-8"?>
 <dgm:dataModel xmlns:dgm="http://schemas.openxmlformats.org/drawingml/2006/diagram" xmlns:a="http://schemas.openxmlformats.org/drawingml/2006/main">
   <dgm:ptLst>
-    <dgm:pt modelId="{7E55B6FB-3A45-B645-9AD0-3E5E332D710B}" type="doc">
+    <dgm:pt modelId="{8A2B51A3-C97E-FC49-8A62-F5918C09B322}" type="doc">
       <dgm:prSet loTypeId="urn:microsoft.com/office/officeart/2005/8/layout/orgChart1" loCatId="" qsTypeId="urn:microsoft.com/office/officeart/2005/8/quickstyle/simple2" qsCatId="simple" csTypeId="urn:microsoft.com/office/officeart/2005/8/colors/accent1_2" csCatId="accent1" phldr="1"/>
       <dgm:spPr/>
       <dgm:t>
@@ -868,34 +868,83 @@
         </a:p>
       </dgm:t>
     </dgm:pt>
-    <dgm:pt modelId="{0E529B02-F889-2C4F-A4F2-305ECF03A710}">
-      <dgm:prSet phldrT="[Text]" custT="1"/>
+    <dgm:pt modelId="{467AFAD3-3293-3D46-A0BA-6C22C7B0CA39}">
+      <dgm:prSet phldrT="[Text]"/>
       <dgm:spPr/>
       <dgm:t>
         <a:bodyPr/>
         <a:lstStyle/>
         <a:p>
           <a:r>
-            <a:rPr lang="en-US" sz="1500" dirty="0" smtClean="0"/>
+            <a:rPr lang="en-US" dirty="0" smtClean="0"/>
+            <a:t>World</a:t>
+          </a:r>
+        </a:p>
+        <a:p>
+          <a:r>
+            <a:rPr lang="en-US" dirty="0" smtClean="0"/>
+            <a:t>-x</a:t>
+          </a:r>
+        </a:p>
+        <a:p>
+          <a:r>
+            <a:rPr lang="en-US" smtClean="0"/>
+            <a:t>-y</a:t>
+          </a:r>
+          <a:endParaRPr lang="en-US" dirty="0"/>
+        </a:p>
+      </dgm:t>
+    </dgm:pt>
+    <dgm:pt modelId="{925E7F86-A5A7-B44D-A3D6-48DC9F1F3D1F}" type="parTrans" cxnId="{481CA1F7-9D6D-2845-AFF2-BF57AE77523A}">
+      <dgm:prSet/>
+      <dgm:spPr/>
+      <dgm:t>
+        <a:bodyPr/>
+        <a:lstStyle/>
+        <a:p>
+          <a:endParaRPr lang="en-US"/>
+        </a:p>
+      </dgm:t>
+    </dgm:pt>
+    <dgm:pt modelId="{997CB188-47B2-994C-9F2A-ADEC4B710915}" type="sibTrans" cxnId="{481CA1F7-9D6D-2845-AFF2-BF57AE77523A}">
+      <dgm:prSet/>
+      <dgm:spPr/>
+      <dgm:t>
+        <a:bodyPr/>
+        <a:lstStyle/>
+        <a:p>
+          <a:endParaRPr lang="en-US"/>
+        </a:p>
+      </dgm:t>
+    </dgm:pt>
+    <dgm:pt modelId="{673242DF-07A2-8748-B2D5-0236CAC6D457}" type="asst">
+      <dgm:prSet phldrT="[Text]"/>
+      <dgm:spPr/>
+      <dgm:t>
+        <a:bodyPr/>
+        <a:lstStyle/>
+        <a:p>
+          <a:r>
+            <a:rPr lang="en-US" dirty="0" smtClean="0"/>
             <a:t>Vehicles</a:t>
           </a:r>
         </a:p>
         <a:p>
           <a:r>
-            <a:rPr lang="en-US" sz="1200" dirty="0" smtClean="0"/>
+            <a:rPr lang="en-US" dirty="0" smtClean="0"/>
             <a:t>-x</a:t>
           </a:r>
         </a:p>
         <a:p>
           <a:r>
-            <a:rPr lang="en-US" sz="1200" dirty="0" smtClean="0"/>
+            <a:rPr lang="en-US" dirty="0" smtClean="0"/>
             <a:t>-y</a:t>
           </a:r>
-          <a:endParaRPr lang="en-US" sz="1200" dirty="0"/>
+          <a:endParaRPr lang="en-US" dirty="0"/>
         </a:p>
       </dgm:t>
     </dgm:pt>
-    <dgm:pt modelId="{FB94FFFD-A0B1-CF40-84A3-D66C94BE93F7}" type="parTrans" cxnId="{9DA6E73B-EA1F-624F-A298-D16847280244}">
+    <dgm:pt modelId="{7DFC9F20-3DBD-1E4B-B02C-F5EA2049B44A}" type="parTrans" cxnId="{155DE851-23D8-CD4C-B967-CD18E432D100}">
       <dgm:prSet/>
       <dgm:spPr/>
       <dgm:t>
@@ -906,7 +955,7 @@
         </a:p>
       </dgm:t>
     </dgm:pt>
-    <dgm:pt modelId="{6CF816D6-D08E-0C49-A6AA-7511EA132B68}" type="sibTrans" cxnId="{9DA6E73B-EA1F-624F-A298-D16847280244}">
+    <dgm:pt modelId="{CBC37A29-9B42-A647-983C-7398D036B9C2}" type="sibTrans" cxnId="{155DE851-23D8-CD4C-B967-CD18E432D100}">
       <dgm:prSet/>
       <dgm:spPr/>
       <dgm:t>
@@ -917,8 +966,8 @@
         </a:p>
       </dgm:t>
     </dgm:pt>
-    <dgm:pt modelId="{20B66E31-72BD-5644-9F23-DA053E253F59}">
-      <dgm:prSet phldrT="[Text]"/>
+    <dgm:pt modelId="{3A901571-79DA-5C4D-8BFB-28BEF5C723F1}" type="asst">
+      <dgm:prSet/>
       <dgm:spPr/>
       <dgm:t>
         <a:bodyPr/>
@@ -926,21 +975,312 @@
         <a:p>
           <a:r>
             <a:rPr lang="en-US" dirty="0" smtClean="0"/>
-            <a:t>Air(</a:t>
+            <a:t>Fire</a:t>
+          </a:r>
+        </a:p>
+        <a:p>
+          <a:r>
+            <a:rPr lang="en-US" dirty="0" smtClean="0"/>
+            <a:t>-x</a:t>
+          </a:r>
+        </a:p>
+        <a:p>
+          <a:r>
+            <a:rPr lang="en-US" dirty="0" smtClean="0"/>
+            <a:t>-y</a:t>
+          </a:r>
+          <a:endParaRPr lang="en-US" dirty="0"/>
+        </a:p>
+      </dgm:t>
+    </dgm:pt>
+    <dgm:pt modelId="{DF1DEEE5-8706-B444-B3B0-0D41B811858C}" type="parTrans" cxnId="{25AB082E-58B8-544F-AB0F-B6DAB174DDAC}">
+      <dgm:prSet/>
+      <dgm:spPr/>
+      <dgm:t>
+        <a:bodyPr/>
+        <a:lstStyle/>
+        <a:p>
+          <a:endParaRPr lang="en-US"/>
+        </a:p>
+      </dgm:t>
+    </dgm:pt>
+    <dgm:pt modelId="{CC1BE171-B464-2B47-83F9-16066DB22BEB}" type="sibTrans" cxnId="{25AB082E-58B8-544F-AB0F-B6DAB174DDAC}">
+      <dgm:prSet/>
+      <dgm:spPr/>
+      <dgm:t>
+        <a:bodyPr/>
+        <a:lstStyle/>
+        <a:p>
+          <a:endParaRPr lang="en-US"/>
+        </a:p>
+      </dgm:t>
+    </dgm:pt>
+    <dgm:pt modelId="{19670FEF-BC45-D746-9F97-CBF05A5BBDA2}" type="asst">
+      <dgm:prSet/>
+      <dgm:spPr/>
+      <dgm:t>
+        <a:bodyPr/>
+        <a:lstStyle/>
+        <a:p>
+          <a:r>
+            <a:rPr lang="en-US" dirty="0" smtClean="0"/>
+            <a:t>Air</a:t>
+          </a:r>
+        </a:p>
+        <a:p>
+          <a:r>
+            <a:rPr lang="en-US" dirty="0" smtClean="0"/>
+            <a:t>-fly</a:t>
+          </a:r>
+          <a:endParaRPr lang="en-US" dirty="0"/>
+        </a:p>
+      </dgm:t>
+    </dgm:pt>
+    <dgm:pt modelId="{63FB096C-FAED-0B48-B5A7-7E85D80073EA}" type="parTrans" cxnId="{A924CA47-9DFE-604C-BBFA-16800B9E3FC7}">
+      <dgm:prSet/>
+      <dgm:spPr/>
+      <dgm:t>
+        <a:bodyPr/>
+        <a:lstStyle/>
+        <a:p>
+          <a:endParaRPr lang="en-US"/>
+        </a:p>
+      </dgm:t>
+    </dgm:pt>
+    <dgm:pt modelId="{85147861-028A-1A42-89D8-D000C6EF161D}" type="sibTrans" cxnId="{A924CA47-9DFE-604C-BBFA-16800B9E3FC7}">
+      <dgm:prSet/>
+      <dgm:spPr/>
+      <dgm:t>
+        <a:bodyPr/>
+        <a:lstStyle/>
+        <a:p>
+          <a:endParaRPr lang="en-US"/>
+        </a:p>
+      </dgm:t>
+    </dgm:pt>
+    <dgm:pt modelId="{22777756-1E50-7F46-B995-06AD726CDFB8}" type="asst">
+      <dgm:prSet/>
+      <dgm:spPr/>
+      <dgm:t>
+        <a:bodyPr/>
+        <a:lstStyle/>
+        <a:p>
+          <a:r>
+            <a:rPr lang="en-US" dirty="0" smtClean="0"/>
+            <a:t>Ground</a:t>
+          </a:r>
+        </a:p>
+        <a:p>
+          <a:r>
+            <a:rPr lang="en-US" dirty="0" smtClean="0"/>
+            <a:t>-move</a:t>
+          </a:r>
+          <a:endParaRPr lang="en-US" dirty="0"/>
+        </a:p>
+      </dgm:t>
+    </dgm:pt>
+    <dgm:pt modelId="{8B236178-5B88-1047-8F15-515197E8BF8C}" type="parTrans" cxnId="{90AF36ED-5DA2-3847-9E77-059F59D772C3}">
+      <dgm:prSet/>
+      <dgm:spPr/>
+      <dgm:t>
+        <a:bodyPr/>
+        <a:lstStyle/>
+        <a:p>
+          <a:endParaRPr lang="en-US"/>
+        </a:p>
+      </dgm:t>
+    </dgm:pt>
+    <dgm:pt modelId="{CD874E94-7A54-C748-818D-748E93595C1F}" type="sibTrans" cxnId="{90AF36ED-5DA2-3847-9E77-059F59D772C3}">
+      <dgm:prSet/>
+      <dgm:spPr/>
+      <dgm:t>
+        <a:bodyPr/>
+        <a:lstStyle/>
+        <a:p>
+          <a:endParaRPr lang="en-US"/>
+        </a:p>
+      </dgm:t>
+    </dgm:pt>
+    <dgm:pt modelId="{1AF1BAD9-3698-1C4E-82A8-125DDDF14674}" type="asst">
+      <dgm:prSet/>
+      <dgm:spPr/>
+      <dgm:t>
+        <a:bodyPr/>
+        <a:lstStyle/>
+        <a:p>
+          <a:r>
+            <a:rPr lang="en-US" dirty="0" smtClean="0"/>
+            <a:t>Plane</a:t>
+          </a:r>
+        </a:p>
+        <a:p>
+          <a:r>
+            <a:rPr lang="en-US" dirty="0" smtClean="0"/>
+            <a:t>-water </a:t>
+          </a:r>
+        </a:p>
+        <a:p>
+          <a:r>
+            <a:rPr lang="en-US" dirty="0" smtClean="0"/>
+            <a:t>-fuel</a:t>
+          </a:r>
+          <a:endParaRPr lang="en-US" dirty="0"/>
+        </a:p>
+      </dgm:t>
+    </dgm:pt>
+    <dgm:pt modelId="{CE81EA21-9DA2-E94E-A5A1-D5CE47B9A676}" type="parTrans" cxnId="{96FC5975-4D9C-3B4E-AC33-9F530E3C9BA5}">
+      <dgm:prSet/>
+      <dgm:spPr/>
+      <dgm:t>
+        <a:bodyPr/>
+        <a:lstStyle/>
+        <a:p>
+          <a:endParaRPr lang="en-US"/>
+        </a:p>
+      </dgm:t>
+    </dgm:pt>
+    <dgm:pt modelId="{5EF014CE-B8D2-9F42-A5A2-F5309283D88D}" type="sibTrans" cxnId="{96FC5975-4D9C-3B4E-AC33-9F530E3C9BA5}">
+      <dgm:prSet/>
+      <dgm:spPr/>
+      <dgm:t>
+        <a:bodyPr/>
+        <a:lstStyle/>
+        <a:p>
+          <a:endParaRPr lang="en-US"/>
+        </a:p>
+      </dgm:t>
+    </dgm:pt>
+    <dgm:pt modelId="{6DABAE79-300E-5646-B138-78FFA05A1054}" type="asst">
+      <dgm:prSet/>
+      <dgm:spPr/>
+      <dgm:t>
+        <a:bodyPr/>
+        <a:lstStyle/>
+        <a:p>
+          <a:r>
+            <a:rPr lang="en-US" dirty="0" smtClean="0"/>
+            <a:t>Helicopter</a:t>
+          </a:r>
+        </a:p>
+        <a:p>
+          <a:r>
+            <a:rPr lang="en-US" dirty="0" smtClean="0"/>
+            <a:t>-water </a:t>
+          </a:r>
+        </a:p>
+        <a:p>
+          <a:r>
+            <a:rPr lang="en-US" dirty="0" smtClean="0"/>
+            <a:t>-fuel</a:t>
+          </a:r>
+          <a:endParaRPr lang="en-US" dirty="0"/>
+        </a:p>
+      </dgm:t>
+    </dgm:pt>
+    <dgm:pt modelId="{9CCA4A74-F9FB-444C-B06A-DC3BE74AAD74}" type="parTrans" cxnId="{295C4DF2-CF49-E64C-A278-BA9DC47482C0}">
+      <dgm:prSet/>
+      <dgm:spPr/>
+      <dgm:t>
+        <a:bodyPr/>
+        <a:lstStyle/>
+        <a:p>
+          <a:endParaRPr lang="en-US"/>
+        </a:p>
+      </dgm:t>
+    </dgm:pt>
+    <dgm:pt modelId="{EF637C22-FC70-FC46-80C9-35422CCCF0D3}" type="sibTrans" cxnId="{295C4DF2-CF49-E64C-A278-BA9DC47482C0}">
+      <dgm:prSet/>
+      <dgm:spPr/>
+      <dgm:t>
+        <a:bodyPr/>
+        <a:lstStyle/>
+        <a:p>
+          <a:endParaRPr lang="en-US"/>
+        </a:p>
+      </dgm:t>
+    </dgm:pt>
+    <dgm:pt modelId="{4200AA75-0076-0447-B62A-50C1F3759849}" type="asst">
+      <dgm:prSet/>
+      <dgm:spPr/>
+      <dgm:t>
+        <a:bodyPr/>
+        <a:lstStyle/>
+        <a:p>
+          <a:r>
+            <a:rPr lang="en-US" dirty="0" smtClean="0"/>
+            <a:t>Helicopter1 …..</a:t>
+          </a:r>
+        </a:p>
+        <a:p>
+          <a:r>
+            <a:rPr lang="en-US" dirty="0" smtClean="0"/>
+            <a:t>-age</a:t>
+          </a:r>
+        </a:p>
+        <a:p>
+          <a:r>
+            <a:rPr lang="en-US" dirty="0" smtClean="0"/>
+            <a:t>-condition</a:t>
+          </a:r>
+          <a:endParaRPr lang="en-US" dirty="0"/>
+        </a:p>
+      </dgm:t>
+    </dgm:pt>
+    <dgm:pt modelId="{8903E6B9-D149-E041-958E-53EA9C078C31}" type="parTrans" cxnId="{AB5D2EEC-7CC0-2E46-AACA-6FAE6C9E401C}">
+      <dgm:prSet/>
+      <dgm:spPr/>
+      <dgm:t>
+        <a:bodyPr/>
+        <a:lstStyle/>
+        <a:p>
+          <a:endParaRPr lang="en-US"/>
+        </a:p>
+      </dgm:t>
+    </dgm:pt>
+    <dgm:pt modelId="{17B4E7C1-F319-4246-9094-7003DCC9F464}" type="sibTrans" cxnId="{AB5D2EEC-7CC0-2E46-AACA-6FAE6C9E401C}">
+      <dgm:prSet/>
+      <dgm:spPr/>
+      <dgm:t>
+        <a:bodyPr/>
+        <a:lstStyle/>
+        <a:p>
+          <a:endParaRPr lang="en-US"/>
+        </a:p>
+      </dgm:t>
+    </dgm:pt>
+    <dgm:pt modelId="{1C258DD1-042C-8B47-987F-EFC8B5530D70}" type="asst">
+      <dgm:prSet/>
+      <dgm:spPr/>
+      <dgm:t>
+        <a:bodyPr/>
+        <a:lstStyle/>
+        <a:p>
+          <a:r>
+            <a:rPr lang="en-US" dirty="0" smtClean="0"/>
+            <a:t>…..</a:t>
           </a:r>
           <a:r>
             <a:rPr lang="en-US" dirty="0" err="1" smtClean="0"/>
-            <a:t>abstractClass</a:t>
+            <a:t>HelicopterN</a:t>
           </a:r>
+          <a:endParaRPr lang="en-US" dirty="0" smtClean="0"/>
+        </a:p>
+        <a:p>
           <a:r>
             <a:rPr lang="en-US" dirty="0" smtClean="0"/>
-            <a:t> ?)</a:t>
+            <a:t>-age</a:t>
+          </a:r>
+        </a:p>
+        <a:p>
+          <a:r>
+            <a:rPr lang="en-US" dirty="0" smtClean="0"/>
+            <a:t>-condition</a:t>
           </a:r>
           <a:endParaRPr lang="en-US" dirty="0"/>
         </a:p>
       </dgm:t>
     </dgm:pt>
-    <dgm:pt modelId="{18CC90F8-FF6F-6049-A7C3-CA57D395096E}" type="parTrans" cxnId="{0CBC4A21-19CE-F34F-B63B-383E0D8A406E}">
+    <dgm:pt modelId="{6533EB45-E035-6344-BE88-164601633F7E}" type="parTrans" cxnId="{DEA63A14-7A65-D64C-8457-E255C83F2079}">
       <dgm:prSet/>
       <dgm:spPr/>
       <dgm:t>
@@ -951,7 +1291,7 @@
         </a:p>
       </dgm:t>
     </dgm:pt>
-    <dgm:pt modelId="{412AB167-60BF-134E-AC11-99EB7D998A7C}" type="sibTrans" cxnId="{0CBC4A21-19CE-F34F-B63B-383E0D8A406E}">
+    <dgm:pt modelId="{7F78C868-ADC6-C047-A729-E36714CB4D10}" type="sibTrans" cxnId="{DEA63A14-7A65-D64C-8457-E255C83F2079}">
       <dgm:prSet/>
       <dgm:spPr/>
       <dgm:t>
@@ -962,8 +1302,8 @@
         </a:p>
       </dgm:t>
     </dgm:pt>
-    <dgm:pt modelId="{5E84341D-E6CB-E040-B7B5-BB35B8C5A408}">
-      <dgm:prSet phldrT="[Text]"/>
+    <dgm:pt modelId="{BBAD8F77-5872-5747-9A3C-09BD5AA2948E}" type="asst">
+      <dgm:prSet/>
       <dgm:spPr/>
       <dgm:t>
         <a:bodyPr/>
@@ -971,21 +1311,79 @@
         <a:p>
           <a:r>
             <a:rPr lang="en-US" dirty="0" smtClean="0"/>
-            <a:t>Ground(</a:t>
+            <a:t>Plane1 ……</a:t>
+          </a:r>
+        </a:p>
+        <a:p>
+          <a:r>
+            <a:rPr lang="en-US" dirty="0" smtClean="0"/>
+            <a:t>-age</a:t>
+          </a:r>
+        </a:p>
+        <a:p>
+          <a:r>
+            <a:rPr lang="en-US" dirty="0" smtClean="0"/>
+            <a:t>-condition</a:t>
+          </a:r>
+          <a:endParaRPr lang="en-US" dirty="0"/>
+        </a:p>
+      </dgm:t>
+    </dgm:pt>
+    <dgm:pt modelId="{D0215F3B-1B7C-7B4C-8E08-6D6D8880693C}" type="parTrans" cxnId="{A03A8308-EAD9-6A46-8EA6-FFBB583A5D13}">
+      <dgm:prSet/>
+      <dgm:spPr/>
+      <dgm:t>
+        <a:bodyPr/>
+        <a:lstStyle/>
+        <a:p>
+          <a:endParaRPr lang="en-US"/>
+        </a:p>
+      </dgm:t>
+    </dgm:pt>
+    <dgm:pt modelId="{CE6B88AB-526C-1A44-8EAE-2F57F2D98196}" type="sibTrans" cxnId="{A03A8308-EAD9-6A46-8EA6-FFBB583A5D13}">
+      <dgm:prSet/>
+      <dgm:spPr/>
+      <dgm:t>
+        <a:bodyPr/>
+        <a:lstStyle/>
+        <a:p>
+          <a:endParaRPr lang="en-US"/>
+        </a:p>
+      </dgm:t>
+    </dgm:pt>
+    <dgm:pt modelId="{F417DA91-E0E4-E14E-A89B-A32865B92CCE}" type="asst">
+      <dgm:prSet/>
+      <dgm:spPr/>
+      <dgm:t>
+        <a:bodyPr/>
+        <a:lstStyle/>
+        <a:p>
+          <a:r>
+            <a:rPr lang="en-US" dirty="0" smtClean="0"/>
+            <a:t>…….</a:t>
           </a:r>
           <a:r>
             <a:rPr lang="en-US" dirty="0" err="1" smtClean="0"/>
-            <a:t>abstractClass</a:t>
+            <a:t>PlaneN</a:t>
           </a:r>
+          <a:endParaRPr lang="en-US" dirty="0" smtClean="0"/>
+        </a:p>
+        <a:p>
           <a:r>
             <a:rPr lang="en-US" dirty="0" smtClean="0"/>
-            <a:t> ?)</a:t>
+            <a:t>-age</a:t>
+          </a:r>
+        </a:p>
+        <a:p>
+          <a:r>
+            <a:rPr lang="en-US" dirty="0" smtClean="0"/>
+            <a:t>-condition</a:t>
           </a:r>
           <a:endParaRPr lang="en-US" dirty="0"/>
         </a:p>
       </dgm:t>
     </dgm:pt>
-    <dgm:pt modelId="{02F1D067-90FA-7D4F-9453-3FE5B220E958}" type="parTrans" cxnId="{39D78F71-CF73-AF49-B1AF-8AA2FD077269}">
+    <dgm:pt modelId="{820AE95E-AAE6-7E46-A0FF-433F0FD6F75D}" type="parTrans" cxnId="{5FCB578E-52BE-B543-8D25-F463A6AC83F7}">
       <dgm:prSet/>
       <dgm:spPr/>
       <dgm:t>
@@ -996,7 +1394,7 @@
         </a:p>
       </dgm:t>
     </dgm:pt>
-    <dgm:pt modelId="{7DF53E2E-CC1D-7D48-A666-E66870A451A1}" type="sibTrans" cxnId="{39D78F71-CF73-AF49-B1AF-8AA2FD077269}">
+    <dgm:pt modelId="{A6C3F4FC-BF10-DE4A-ACCD-CA8B5250DABF}" type="sibTrans" cxnId="{5FCB578E-52BE-B543-8D25-F463A6AC83F7}">
       <dgm:prSet/>
       <dgm:spPr/>
       <dgm:t>
@@ -1007,7 +1405,7 @@
         </a:p>
       </dgm:t>
     </dgm:pt>
-    <dgm:pt modelId="{1B280FCD-6B8D-074B-9030-E81A3AE289DB}">
+    <dgm:pt modelId="{6A3C98B9-3E4C-E54E-9F28-0112D9478336}" type="asst">
       <dgm:prSet/>
       <dgm:spPr/>
       <dgm:t>
@@ -1018,11 +1416,23 @@
             <a:rPr lang="en-US" dirty="0" smtClean="0"/>
             <a:t>Cars</a:t>
           </a:r>
+        </a:p>
+        <a:p>
+          <a:r>
+            <a:rPr lang="en-US" dirty="0" smtClean="0"/>
+            <a:t>-water </a:t>
+          </a:r>
+        </a:p>
+        <a:p>
+          <a:r>
+            <a:rPr lang="en-US" dirty="0" smtClean="0"/>
+            <a:t>-fuel</a:t>
+          </a:r>
           <a:endParaRPr lang="en-US" dirty="0"/>
         </a:p>
       </dgm:t>
     </dgm:pt>
-    <dgm:pt modelId="{CFB72B45-EAC5-AD44-9306-BF3E82B0ECF6}" type="parTrans" cxnId="{ED163020-8524-0E46-AAA8-6A78D8A8DA67}">
+    <dgm:pt modelId="{ECFB5F6B-C059-C148-AEAB-496F839C898C}" type="parTrans" cxnId="{6950BC52-3ED1-7048-A2FB-A026904A73F5}">
       <dgm:prSet/>
       <dgm:spPr/>
       <dgm:t>
@@ -1033,7 +1443,7 @@
         </a:p>
       </dgm:t>
     </dgm:pt>
-    <dgm:pt modelId="{0ABB84AC-3647-AE4B-9F38-61E32FA210CB}" type="sibTrans" cxnId="{ED163020-8524-0E46-AAA8-6A78D8A8DA67}">
+    <dgm:pt modelId="{F0558DC9-B9CA-7044-A7E9-93DBFCD21024}" type="sibTrans" cxnId="{6950BC52-3ED1-7048-A2FB-A026904A73F5}">
       <dgm:prSet/>
       <dgm:spPr/>
       <dgm:t>
@@ -1044,7 +1454,7 @@
         </a:p>
       </dgm:t>
     </dgm:pt>
-    <dgm:pt modelId="{D3D891F4-BE76-0A46-B975-D876B7F5B8F5}">
+    <dgm:pt modelId="{53D59C77-EEF9-EF42-B8EA-82200540187C}" type="asst">
       <dgm:prSet/>
       <dgm:spPr/>
       <dgm:t>
@@ -1055,11 +1465,23 @@
             <a:rPr lang="en-US" dirty="0" smtClean="0"/>
             <a:t>Trucks</a:t>
           </a:r>
+        </a:p>
+        <a:p>
+          <a:r>
+            <a:rPr lang="en-US" dirty="0" smtClean="0"/>
+            <a:t>-water </a:t>
+          </a:r>
+        </a:p>
+        <a:p>
+          <a:r>
+            <a:rPr lang="en-US" dirty="0" smtClean="0"/>
+            <a:t>-fuel</a:t>
+          </a:r>
           <a:endParaRPr lang="en-US" dirty="0"/>
         </a:p>
       </dgm:t>
     </dgm:pt>
-    <dgm:pt modelId="{EB01117B-2E5A-3845-A572-205C8B5BED80}" type="parTrans" cxnId="{FE7A12EE-7996-F944-84A0-4F790AFC40F9}">
+    <dgm:pt modelId="{030F8FBE-5C00-EB46-8569-74F78D6E91BD}" type="parTrans" cxnId="{080CC93B-AD59-AE4F-B9FB-2852F40B93E4}">
       <dgm:prSet/>
       <dgm:spPr/>
       <dgm:t>
@@ -1070,7 +1492,7 @@
         </a:p>
       </dgm:t>
     </dgm:pt>
-    <dgm:pt modelId="{A946045D-98CF-FF44-9556-213A0966CA1C}" type="sibTrans" cxnId="{FE7A12EE-7996-F944-84A0-4F790AFC40F9}">
+    <dgm:pt modelId="{3F2E5792-3841-D94E-BCA9-0B810794FF45}" type="sibTrans" cxnId="{080CC93B-AD59-AE4F-B9FB-2852F40B93E4}">
       <dgm:prSet/>
       <dgm:spPr/>
       <dgm:t>
@@ -1081,34 +1503,137 @@
         </a:p>
       </dgm:t>
     </dgm:pt>
-    <dgm:pt modelId="{0422570D-10AC-CC4A-90B6-FC67DA2D91EE}">
-      <dgm:prSet custT="1"/>
+    <dgm:pt modelId="{4B2391FA-3F2C-C04B-8966-CD2022A840E9}" type="asst">
+      <dgm:prSet/>
       <dgm:spPr/>
       <dgm:t>
         <a:bodyPr/>
         <a:lstStyle/>
         <a:p>
           <a:r>
-            <a:rPr lang="en-US" sz="1500" dirty="0" smtClean="0"/>
+            <a:rPr lang="en-US" dirty="0" smtClean="0"/>
+            <a:t>Car1 ……</a:t>
+          </a:r>
+        </a:p>
+        <a:p>
+          <a:r>
+            <a:rPr lang="en-US" dirty="0" smtClean="0"/>
+            <a:t>-age</a:t>
+          </a:r>
+        </a:p>
+        <a:p>
+          <a:r>
+            <a:rPr lang="en-US" dirty="0" smtClean="0"/>
+            <a:t>-condition</a:t>
+          </a:r>
+          <a:endParaRPr lang="en-US" dirty="0"/>
+        </a:p>
+      </dgm:t>
+    </dgm:pt>
+    <dgm:pt modelId="{793AA157-F286-8647-84F8-CE1F6A61DFF0}" type="parTrans" cxnId="{BBC10AD4-611A-D34F-9D2C-52531A35DFC4}">
+      <dgm:prSet/>
+      <dgm:spPr/>
+      <dgm:t>
+        <a:bodyPr/>
+        <a:lstStyle/>
+        <a:p>
+          <a:endParaRPr lang="en-US"/>
+        </a:p>
+      </dgm:t>
+    </dgm:pt>
+    <dgm:pt modelId="{92A03918-875C-3E4F-B75D-DAEEC621F99C}" type="sibTrans" cxnId="{BBC10AD4-611A-D34F-9D2C-52531A35DFC4}">
+      <dgm:prSet/>
+      <dgm:spPr/>
+      <dgm:t>
+        <a:bodyPr/>
+        <a:lstStyle/>
+        <a:p>
+          <a:endParaRPr lang="en-US"/>
+        </a:p>
+      </dgm:t>
+    </dgm:pt>
+    <dgm:pt modelId="{E2DD94BE-9924-FD4F-BD9C-EF11C2A5E1FE}" type="asst">
+      <dgm:prSet/>
+      <dgm:spPr/>
+      <dgm:t>
+        <a:bodyPr/>
+        <a:lstStyle/>
+        <a:p>
+          <a:r>
+            <a:rPr lang="en-US" dirty="0" smtClean="0"/>
+            <a:t>….. </a:t>
+          </a:r>
+          <a:r>
+            <a:rPr lang="en-US" dirty="0" err="1" smtClean="0"/>
+            <a:t>CarN</a:t>
+          </a:r>
+          <a:endParaRPr lang="en-US" dirty="0" smtClean="0"/>
+        </a:p>
+        <a:p>
+          <a:r>
+            <a:rPr lang="en-US" dirty="0" smtClean="0"/>
+            <a:t>-age</a:t>
+          </a:r>
+        </a:p>
+        <a:p>
+          <a:r>
+            <a:rPr lang="en-US" dirty="0" smtClean="0"/>
+            <a:t>-condition</a:t>
+          </a:r>
+          <a:endParaRPr lang="en-US" dirty="0"/>
+        </a:p>
+      </dgm:t>
+    </dgm:pt>
+    <dgm:pt modelId="{98149B13-83D7-4648-9C6B-C7E153C20977}" type="parTrans" cxnId="{BFAC47A2-8DA4-BE48-8F9A-CBC5E88DF7FA}">
+      <dgm:prSet/>
+      <dgm:spPr/>
+      <dgm:t>
+        <a:bodyPr/>
+        <a:lstStyle/>
+        <a:p>
+          <a:endParaRPr lang="en-US"/>
+        </a:p>
+      </dgm:t>
+    </dgm:pt>
+    <dgm:pt modelId="{946135F8-8A9B-EA40-BA88-9BC0506CE546}" type="sibTrans" cxnId="{BFAC47A2-8DA4-BE48-8F9A-CBC5E88DF7FA}">
+      <dgm:prSet/>
+      <dgm:spPr/>
+      <dgm:t>
+        <a:bodyPr/>
+        <a:lstStyle/>
+        <a:p>
+          <a:endParaRPr lang="en-US"/>
+        </a:p>
+      </dgm:t>
+    </dgm:pt>
+    <dgm:pt modelId="{575F584D-6F82-AA40-BE43-A7410514A505}" type="asst">
+      <dgm:prSet/>
+      <dgm:spPr/>
+      <dgm:t>
+        <a:bodyPr/>
+        <a:lstStyle/>
+        <a:p>
+          <a:r>
+            <a:rPr lang="en-US" dirty="0" smtClean="0"/>
             <a:t>Truck1 …..</a:t>
           </a:r>
         </a:p>
         <a:p>
           <a:r>
-            <a:rPr lang="en-US" sz="1200" dirty="0" smtClean="0"/>
+            <a:rPr lang="en-US" dirty="0" smtClean="0"/>
             <a:t>-age</a:t>
           </a:r>
         </a:p>
         <a:p>
           <a:r>
-            <a:rPr lang="en-US" sz="1200" dirty="0" smtClean="0"/>
+            <a:rPr lang="en-US" dirty="0" smtClean="0"/>
             <a:t>-condition</a:t>
           </a:r>
-          <a:endParaRPr lang="en-US" sz="1200" dirty="0"/>
+          <a:endParaRPr lang="en-US" dirty="0"/>
         </a:p>
       </dgm:t>
     </dgm:pt>
-    <dgm:pt modelId="{42C5CB5A-2BF8-7B4D-9B53-65A1DE6A77C3}" type="parTrans" cxnId="{57B21916-7C47-FB4C-8A26-5AA1EB2C9653}">
+    <dgm:pt modelId="{B5F1E37A-7C75-334A-973B-22B9796BF069}" type="parTrans" cxnId="{4A5C20E6-1B78-B643-9014-4B99E1076CF1}">
       <dgm:prSet/>
       <dgm:spPr/>
       <dgm:t>
@@ -1119,7 +1644,7 @@
         </a:p>
       </dgm:t>
     </dgm:pt>
-    <dgm:pt modelId="{1EE0D3D4-F07B-7D4D-ACCD-CEB6AFF22C69}" type="sibTrans" cxnId="{57B21916-7C47-FB4C-8A26-5AA1EB2C9653}">
+    <dgm:pt modelId="{3B81465B-1024-F645-876D-8143A04134C9}" type="sibTrans" cxnId="{4A5C20E6-1B78-B643-9014-4B99E1076CF1}">
       <dgm:prSet/>
       <dgm:spPr/>
       <dgm:t>
@@ -1130,42 +1655,39 @@
         </a:p>
       </dgm:t>
     </dgm:pt>
-    <dgm:pt modelId="{8D13685A-CF06-714A-B384-6F541A37C9EE}">
-      <dgm:prSet custT="1"/>
+    <dgm:pt modelId="{D9AA8733-1AF8-9648-9A0D-1001A8D48E0C}" type="asst">
+      <dgm:prSet/>
       <dgm:spPr/>
       <dgm:t>
         <a:bodyPr/>
         <a:lstStyle/>
         <a:p>
-          <a:pPr algn="ctr"/>
           <a:r>
-            <a:rPr lang="en-US" sz="1500" dirty="0" smtClean="0"/>
+            <a:rPr lang="en-US" dirty="0" smtClean="0"/>
             <a:t>..... </a:t>
           </a:r>
           <a:r>
-            <a:rPr lang="en-US" sz="1500" dirty="0" err="1" smtClean="0"/>
+            <a:rPr lang="en-US" dirty="0" err="1" smtClean="0"/>
             <a:t>TruckN</a:t>
           </a:r>
-          <a:endParaRPr lang="en-US" sz="1500" dirty="0" smtClean="0"/>
-        </a:p>
-        <a:p>
-          <a:pPr algn="ctr"/>
+          <a:endParaRPr lang="en-US" dirty="0" smtClean="0"/>
+        </a:p>
+        <a:p>
           <a:r>
-            <a:rPr lang="en-US" sz="1200" dirty="0" smtClean="0"/>
+            <a:rPr lang="en-US" dirty="0" smtClean="0"/>
             <a:t>-age</a:t>
           </a:r>
         </a:p>
         <a:p>
-          <a:pPr algn="ctr"/>
           <a:r>
-            <a:rPr lang="en-US" sz="1200" dirty="0" smtClean="0"/>
+            <a:rPr lang="en-US" dirty="0" smtClean="0"/>
             <a:t>-condition</a:t>
           </a:r>
-          <a:endParaRPr lang="en-US" sz="1200" dirty="0"/>
+          <a:endParaRPr lang="en-US" dirty="0"/>
         </a:p>
       </dgm:t>
     </dgm:pt>
-    <dgm:pt modelId="{60C64920-22E9-3842-910F-029BD0EA31E3}" type="parTrans" cxnId="{B743FD91-ADD1-6F49-824F-79526E9AA875}">
+    <dgm:pt modelId="{203D92FB-9ACD-0540-BEBF-95A2E242E467}" type="parTrans" cxnId="{EF19A271-0ED5-A54C-AF92-2EBFEE0035B5}">
       <dgm:prSet/>
       <dgm:spPr/>
       <dgm:t>
@@ -1176,7 +1698,7 @@
         </a:p>
       </dgm:t>
     </dgm:pt>
-    <dgm:pt modelId="{AA989667-56D2-D44A-A537-0D3C591614B9}" type="sibTrans" cxnId="{B743FD91-ADD1-6F49-824F-79526E9AA875}">
+    <dgm:pt modelId="{5583DA1A-7328-1545-8D3C-E50CB094D5DC}" type="sibTrans" cxnId="{EF19A271-0ED5-A54C-AF92-2EBFEE0035B5}">
       <dgm:prSet/>
       <dgm:spPr/>
       <dgm:t>
@@ -1187,391 +1709,8 @@
         </a:p>
       </dgm:t>
     </dgm:pt>
-    <dgm:pt modelId="{8D746040-6F12-E64B-9FDE-C6872260932E}">
-      <dgm:prSet custT="1"/>
-      <dgm:spPr/>
-      <dgm:t>
-        <a:bodyPr/>
-        <a:lstStyle/>
-        <a:p>
-          <a:r>
-            <a:rPr lang="en-US" sz="1500" dirty="0" smtClean="0"/>
-            <a:t>Car1 ……</a:t>
-          </a:r>
-        </a:p>
-        <a:p>
-          <a:r>
-            <a:rPr lang="en-US" sz="1200" dirty="0" smtClean="0"/>
-            <a:t>-age</a:t>
-          </a:r>
-        </a:p>
-        <a:p>
-          <a:r>
-            <a:rPr lang="en-US" sz="1200" dirty="0" smtClean="0"/>
-            <a:t>-condition</a:t>
-          </a:r>
-          <a:endParaRPr lang="en-US" sz="1200" dirty="0"/>
-        </a:p>
-      </dgm:t>
-    </dgm:pt>
-    <dgm:pt modelId="{AE9378F8-38E9-ED4D-B280-C499D6DCDFB8}" type="parTrans" cxnId="{A9D8F985-A91D-EA44-91CF-D95FBE2E1B8F}">
-      <dgm:prSet/>
-      <dgm:spPr/>
-      <dgm:t>
-        <a:bodyPr/>
-        <a:lstStyle/>
-        <a:p>
-          <a:endParaRPr lang="en-US"/>
-        </a:p>
-      </dgm:t>
-    </dgm:pt>
-    <dgm:pt modelId="{DD5A1AE7-0AFD-DB48-BB2F-F403F73826CA}" type="sibTrans" cxnId="{A9D8F985-A91D-EA44-91CF-D95FBE2E1B8F}">
-      <dgm:prSet/>
-      <dgm:spPr/>
-      <dgm:t>
-        <a:bodyPr/>
-        <a:lstStyle/>
-        <a:p>
-          <a:endParaRPr lang="en-US"/>
-        </a:p>
-      </dgm:t>
-    </dgm:pt>
-    <dgm:pt modelId="{FE941AE3-A040-4F4C-A45C-62C25A60431F}">
-      <dgm:prSet custT="1"/>
-      <dgm:spPr/>
-      <dgm:t>
-        <a:bodyPr/>
-        <a:lstStyle/>
-        <a:p>
-          <a:r>
-            <a:rPr lang="en-US" sz="1500" dirty="0" smtClean="0"/>
-            <a:t>….. </a:t>
-          </a:r>
-          <a:r>
-            <a:rPr lang="en-US" sz="1500" dirty="0" err="1" smtClean="0"/>
-            <a:t>CarN</a:t>
-          </a:r>
-          <a:endParaRPr lang="en-US" sz="1500" dirty="0" smtClean="0"/>
-        </a:p>
-        <a:p>
-          <a:r>
-            <a:rPr lang="en-US" sz="1200" dirty="0" smtClean="0"/>
-            <a:t>-age</a:t>
-          </a:r>
-        </a:p>
-        <a:p>
-          <a:r>
-            <a:rPr lang="en-US" sz="1200" dirty="0" smtClean="0"/>
-            <a:t>-condition</a:t>
-          </a:r>
-          <a:endParaRPr lang="en-US" sz="1200" dirty="0"/>
-        </a:p>
-      </dgm:t>
-    </dgm:pt>
-    <dgm:pt modelId="{47CCF784-9054-484A-9DBA-22A5105626C4}" type="parTrans" cxnId="{1A1E1772-7468-8645-968A-18A44108DC4E}">
-      <dgm:prSet/>
-      <dgm:spPr/>
-      <dgm:t>
-        <a:bodyPr/>
-        <a:lstStyle/>
-        <a:p>
-          <a:endParaRPr lang="en-US"/>
-        </a:p>
-      </dgm:t>
-    </dgm:pt>
-    <dgm:pt modelId="{783AC08F-E22F-E44E-B718-932514670D88}" type="sibTrans" cxnId="{1A1E1772-7468-8645-968A-18A44108DC4E}">
-      <dgm:prSet/>
-      <dgm:spPr/>
-      <dgm:t>
-        <a:bodyPr/>
-        <a:lstStyle/>
-        <a:p>
-          <a:endParaRPr lang="en-US"/>
-        </a:p>
-      </dgm:t>
-    </dgm:pt>
-    <dgm:pt modelId="{25758D81-7AFE-DA45-BEEB-C8D09118A050}">
-      <dgm:prSet/>
-      <dgm:spPr/>
-      <dgm:t>
-        <a:bodyPr/>
-        <a:lstStyle/>
-        <a:p>
-          <a:r>
-            <a:rPr lang="en-US" dirty="0" smtClean="0"/>
-            <a:t>Plane</a:t>
-          </a:r>
-          <a:endParaRPr lang="en-US" dirty="0"/>
-        </a:p>
-      </dgm:t>
-    </dgm:pt>
-    <dgm:pt modelId="{ECCBF903-FEC3-4747-B639-3B9455F48B44}" type="parTrans" cxnId="{3F2EBBA2-A523-2F48-8AFD-16DB1D7D4346}">
-      <dgm:prSet/>
-      <dgm:spPr/>
-      <dgm:t>
-        <a:bodyPr/>
-        <a:lstStyle/>
-        <a:p>
-          <a:endParaRPr lang="en-US"/>
-        </a:p>
-      </dgm:t>
-    </dgm:pt>
-    <dgm:pt modelId="{2F87C1B3-E516-EC41-BB69-963F4E42519D}" type="sibTrans" cxnId="{3F2EBBA2-A523-2F48-8AFD-16DB1D7D4346}">
-      <dgm:prSet/>
-      <dgm:spPr/>
-      <dgm:t>
-        <a:bodyPr/>
-        <a:lstStyle/>
-        <a:p>
-          <a:endParaRPr lang="en-US"/>
-        </a:p>
-      </dgm:t>
-    </dgm:pt>
-    <dgm:pt modelId="{8FE33D38-FD75-F244-9906-4EE3DE0A2A62}">
-      <dgm:prSet/>
-      <dgm:spPr/>
-      <dgm:t>
-        <a:bodyPr/>
-        <a:lstStyle/>
-        <a:p>
-          <a:r>
-            <a:rPr lang="en-US" dirty="0" smtClean="0"/>
-            <a:t>Helicopter</a:t>
-          </a:r>
-          <a:endParaRPr lang="en-US" dirty="0"/>
-        </a:p>
-      </dgm:t>
-    </dgm:pt>
-    <dgm:pt modelId="{7A1447BB-FD57-3E40-B66F-BF3E2B6272EB}" type="parTrans" cxnId="{A41AFE7E-D414-4243-B021-BBD5D3E09451}">
-      <dgm:prSet/>
-      <dgm:spPr/>
-      <dgm:t>
-        <a:bodyPr/>
-        <a:lstStyle/>
-        <a:p>
-          <a:endParaRPr lang="en-US"/>
-        </a:p>
-      </dgm:t>
-    </dgm:pt>
-    <dgm:pt modelId="{3F08005F-7074-1545-85B9-C35DB5EC4F32}" type="sibTrans" cxnId="{A41AFE7E-D414-4243-B021-BBD5D3E09451}">
-      <dgm:prSet/>
-      <dgm:spPr/>
-      <dgm:t>
-        <a:bodyPr/>
-        <a:lstStyle/>
-        <a:p>
-          <a:endParaRPr lang="en-US"/>
-        </a:p>
-      </dgm:t>
-    </dgm:pt>
-    <dgm:pt modelId="{9DF69462-43AA-1241-B8CA-93523DE66B1F}">
-      <dgm:prSet custT="1"/>
-      <dgm:spPr/>
-      <dgm:t>
-        <a:bodyPr/>
-        <a:lstStyle/>
-        <a:p>
-          <a:r>
-            <a:rPr lang="en-US" sz="1500" dirty="0" smtClean="0"/>
-            <a:t>Helicopter1 …..</a:t>
-          </a:r>
-        </a:p>
-        <a:p>
-          <a:r>
-            <a:rPr lang="en-US" sz="1200" dirty="0" smtClean="0"/>
-            <a:t>-age</a:t>
-          </a:r>
-        </a:p>
-        <a:p>
-          <a:r>
-            <a:rPr lang="en-US" sz="1200" dirty="0" smtClean="0"/>
-            <a:t>-condition</a:t>
-          </a:r>
-          <a:endParaRPr lang="en-US" sz="1200" dirty="0"/>
-        </a:p>
-      </dgm:t>
-    </dgm:pt>
-    <dgm:pt modelId="{7302839D-C026-F54C-BAE9-ACC5053E04B3}" type="parTrans" cxnId="{AA938D82-0F1B-9748-A862-242C199E9483}">
-      <dgm:prSet/>
-      <dgm:spPr/>
-      <dgm:t>
-        <a:bodyPr/>
-        <a:lstStyle/>
-        <a:p>
-          <a:endParaRPr lang="en-US"/>
-        </a:p>
-      </dgm:t>
-    </dgm:pt>
-    <dgm:pt modelId="{2CDAFA75-3965-3346-A0D2-4F11F302CA9A}" type="sibTrans" cxnId="{AA938D82-0F1B-9748-A862-242C199E9483}">
-      <dgm:prSet/>
-      <dgm:spPr/>
-      <dgm:t>
-        <a:bodyPr/>
-        <a:lstStyle/>
-        <a:p>
-          <a:endParaRPr lang="en-US"/>
-        </a:p>
-      </dgm:t>
-    </dgm:pt>
-    <dgm:pt modelId="{FFE2D5D6-8B29-344A-9A29-D4E26A0B934E}">
-      <dgm:prSet custT="1"/>
-      <dgm:spPr/>
-      <dgm:t>
-        <a:bodyPr/>
-        <a:lstStyle/>
-        <a:p>
-          <a:r>
-            <a:rPr lang="en-US" sz="1500" dirty="0" smtClean="0"/>
-            <a:t>…..</a:t>
-          </a:r>
-          <a:r>
-            <a:rPr lang="en-US" sz="1500" dirty="0" err="1" smtClean="0"/>
-            <a:t>HelicopterN</a:t>
-          </a:r>
-          <a:endParaRPr lang="en-US" sz="1500" dirty="0" smtClean="0"/>
-        </a:p>
-        <a:p>
-          <a:r>
-            <a:rPr lang="en-US" sz="1200" dirty="0" smtClean="0"/>
-            <a:t>-age</a:t>
-          </a:r>
-        </a:p>
-        <a:p>
-          <a:r>
-            <a:rPr lang="en-US" sz="1200" dirty="0" smtClean="0"/>
-            <a:t>-condition</a:t>
-          </a:r>
-          <a:endParaRPr lang="en-US" sz="1200" dirty="0"/>
-        </a:p>
-      </dgm:t>
-    </dgm:pt>
-    <dgm:pt modelId="{B0BE182D-2A41-E547-A5E1-07BFD6445A63}" type="parTrans" cxnId="{0B80714E-7888-294B-BA47-8685E454A20D}">
-      <dgm:prSet/>
-      <dgm:spPr/>
-      <dgm:t>
-        <a:bodyPr/>
-        <a:lstStyle/>
-        <a:p>
-          <a:endParaRPr lang="en-US"/>
-        </a:p>
-      </dgm:t>
-    </dgm:pt>
-    <dgm:pt modelId="{19E59CA0-83C3-DE4E-B42D-8F57F960D87E}" type="sibTrans" cxnId="{0B80714E-7888-294B-BA47-8685E454A20D}">
-      <dgm:prSet/>
-      <dgm:spPr/>
-      <dgm:t>
-        <a:bodyPr/>
-        <a:lstStyle/>
-        <a:p>
-          <a:endParaRPr lang="en-US"/>
-        </a:p>
-      </dgm:t>
-    </dgm:pt>
-    <dgm:pt modelId="{C6047794-0295-ED49-86D7-40CEE7F37F32}">
-      <dgm:prSet custT="1"/>
-      <dgm:spPr/>
-      <dgm:t>
-        <a:bodyPr/>
-        <a:lstStyle/>
-        <a:p>
-          <a:r>
-            <a:rPr lang="en-US" sz="1500" dirty="0" smtClean="0"/>
-            <a:t>Plane1 ……</a:t>
-          </a:r>
-        </a:p>
-        <a:p>
-          <a:r>
-            <a:rPr lang="en-US" sz="1200" dirty="0" smtClean="0"/>
-            <a:t>-age</a:t>
-          </a:r>
-        </a:p>
-        <a:p>
-          <a:r>
-            <a:rPr lang="en-US" sz="1200" dirty="0" smtClean="0"/>
-            <a:t>-condition</a:t>
-          </a:r>
-          <a:endParaRPr lang="en-US" sz="1200" dirty="0"/>
-        </a:p>
-      </dgm:t>
-    </dgm:pt>
-    <dgm:pt modelId="{6FE0B9F0-E080-F346-A66D-2D2AB94CFF7D}" type="parTrans" cxnId="{C157A786-450C-7540-8DC7-49ED7D82986B}">
-      <dgm:prSet/>
-      <dgm:spPr/>
-      <dgm:t>
-        <a:bodyPr/>
-        <a:lstStyle/>
-        <a:p>
-          <a:endParaRPr lang="en-US"/>
-        </a:p>
-      </dgm:t>
-    </dgm:pt>
-    <dgm:pt modelId="{D9178CD7-C0CA-8B4E-8C7C-5F6C396514CE}" type="sibTrans" cxnId="{C157A786-450C-7540-8DC7-49ED7D82986B}">
-      <dgm:prSet/>
-      <dgm:spPr/>
-      <dgm:t>
-        <a:bodyPr/>
-        <a:lstStyle/>
-        <a:p>
-          <a:endParaRPr lang="en-US"/>
-        </a:p>
-      </dgm:t>
-    </dgm:pt>
-    <dgm:pt modelId="{0AD4DF23-E10D-8A44-8138-8EF890595BE8}">
-      <dgm:prSet custT="1"/>
-      <dgm:spPr/>
-      <dgm:t>
-        <a:bodyPr/>
-        <a:lstStyle/>
-        <a:p>
-          <a:r>
-            <a:rPr lang="en-US" sz="1500" dirty="0" smtClean="0"/>
-            <a:t>…….</a:t>
-          </a:r>
-          <a:r>
-            <a:rPr lang="en-US" sz="1500" dirty="0" err="1" smtClean="0"/>
-            <a:t>PlaneN</a:t>
-          </a:r>
-          <a:endParaRPr lang="en-US" sz="1500" dirty="0" smtClean="0"/>
-        </a:p>
-        <a:p>
-          <a:r>
-            <a:rPr lang="en-US" sz="1200" dirty="0" smtClean="0"/>
-            <a:t>-age</a:t>
-          </a:r>
-        </a:p>
-        <a:p>
-          <a:r>
-            <a:rPr lang="en-US" sz="1200" dirty="0" smtClean="0"/>
-            <a:t>-condition</a:t>
-          </a:r>
-          <a:endParaRPr lang="en-US" sz="1200" dirty="0"/>
-        </a:p>
-      </dgm:t>
-    </dgm:pt>
-    <dgm:pt modelId="{A1A0FA00-CBA1-C647-AA27-0F48444F1E9E}" type="parTrans" cxnId="{E0DB31AF-ACD2-EF44-84FE-C5001879CE66}">
-      <dgm:prSet/>
-      <dgm:spPr/>
-      <dgm:t>
-        <a:bodyPr/>
-        <a:lstStyle/>
-        <a:p>
-          <a:endParaRPr lang="en-US"/>
-        </a:p>
-      </dgm:t>
-    </dgm:pt>
-    <dgm:pt modelId="{05916FB1-7724-6A45-A6D1-20FAFD31DD4B}" type="sibTrans" cxnId="{E0DB31AF-ACD2-EF44-84FE-C5001879CE66}">
-      <dgm:prSet/>
-      <dgm:spPr/>
-      <dgm:t>
-        <a:bodyPr/>
-        <a:lstStyle/>
-        <a:p>
-          <a:endParaRPr lang="en-US"/>
-        </a:p>
-      </dgm:t>
-    </dgm:pt>
-    <dgm:pt modelId="{0F1459A8-0ACB-954C-BFD0-E63601BF2EF2}" type="pres">
-      <dgm:prSet presAssocID="{7E55B6FB-3A45-B645-9AD0-3E5E332D710B}" presName="hierChild1" presStyleCnt="0">
+    <dgm:pt modelId="{DC5C075B-9145-A048-96AD-68835CB2DDEC}" type="pres">
+      <dgm:prSet presAssocID="{8A2B51A3-C97E-FC49-8A62-F5918C09B322}" presName="hierChild1" presStyleCnt="0">
         <dgm:presLayoutVars>
           <dgm:orgChart val="1"/>
           <dgm:chPref val="1"/>
@@ -1590,20 +1729,20 @@
         </a:p>
       </dgm:t>
     </dgm:pt>
-    <dgm:pt modelId="{BDC0E17E-99EB-DD44-AB1A-4115D54394BD}" type="pres">
-      <dgm:prSet presAssocID="{0E529B02-F889-2C4F-A4F2-305ECF03A710}" presName="hierRoot1" presStyleCnt="0">
+    <dgm:pt modelId="{68527431-E4D5-564C-A741-8CCF9A4B3B70}" type="pres">
+      <dgm:prSet presAssocID="{467AFAD3-3293-3D46-A0BA-6C22C7B0CA39}" presName="hierRoot1" presStyleCnt="0">
         <dgm:presLayoutVars>
           <dgm:hierBranch val="init"/>
         </dgm:presLayoutVars>
       </dgm:prSet>
       <dgm:spPr/>
     </dgm:pt>
-    <dgm:pt modelId="{9E2A225A-9F9B-854E-8F46-35832D653522}" type="pres">
-      <dgm:prSet presAssocID="{0E529B02-F889-2C4F-A4F2-305ECF03A710}" presName="rootComposite1" presStyleCnt="0"/>
-      <dgm:spPr/>
-    </dgm:pt>
-    <dgm:pt modelId="{8A896361-BFD2-BC4B-8C51-8BE9045FDF7A}" type="pres">
-      <dgm:prSet presAssocID="{0E529B02-F889-2C4F-A4F2-305ECF03A710}" presName="rootText1" presStyleLbl="node0" presStyleIdx="0" presStyleCnt="1">
+    <dgm:pt modelId="{3A50D0EA-1279-B349-AE63-57034CE05EF1}" type="pres">
+      <dgm:prSet presAssocID="{467AFAD3-3293-3D46-A0BA-6C22C7B0CA39}" presName="rootComposite1" presStyleCnt="0"/>
+      <dgm:spPr/>
+    </dgm:pt>
+    <dgm:pt modelId="{9D595FDA-2978-644A-ABD3-DDD82FA168FB}" type="pres">
+      <dgm:prSet presAssocID="{467AFAD3-3293-3D46-A0BA-6C22C7B0CA39}" presName="rootText1" presStyleLbl="node0" presStyleIdx="0" presStyleCnt="1">
         <dgm:presLayoutVars>
           <dgm:chPref val="3"/>
         </dgm:presLayoutVars>
@@ -1617,8 +1756,8 @@
         </a:p>
       </dgm:t>
     </dgm:pt>
-    <dgm:pt modelId="{51B0D0B4-0CBD-1249-B51C-D6B0E8640ACC}" type="pres">
-      <dgm:prSet presAssocID="{0E529B02-F889-2C4F-A4F2-305ECF03A710}" presName="rootConnector1" presStyleLbl="node1" presStyleIdx="0" presStyleCnt="0"/>
+    <dgm:pt modelId="{BCAB86C5-20B8-144B-8D79-F3C6E61C19FB}" type="pres">
+      <dgm:prSet presAssocID="{467AFAD3-3293-3D46-A0BA-6C22C7B0CA39}" presName="rootConnector1" presStyleLbl="node1" presStyleIdx="0" presStyleCnt="0"/>
       <dgm:spPr/>
       <dgm:t>
         <a:bodyPr/>
@@ -1628,12 +1767,16 @@
         </a:p>
       </dgm:t>
     </dgm:pt>
-    <dgm:pt modelId="{1435717E-05A9-3443-8F6F-18A99111BCEC}" type="pres">
-      <dgm:prSet presAssocID="{0E529B02-F889-2C4F-A4F2-305ECF03A710}" presName="hierChild2" presStyleCnt="0"/>
-      <dgm:spPr/>
-    </dgm:pt>
-    <dgm:pt modelId="{9FD97A98-5551-8E42-9551-242017FCE71D}" type="pres">
-      <dgm:prSet presAssocID="{18CC90F8-FF6F-6049-A7C3-CA57D395096E}" presName="Name37" presStyleLbl="parChTrans1D2" presStyleIdx="0" presStyleCnt="2"/>
+    <dgm:pt modelId="{E7515C35-FCFA-8048-A9E9-F8EED80F537B}" type="pres">
+      <dgm:prSet presAssocID="{467AFAD3-3293-3D46-A0BA-6C22C7B0CA39}" presName="hierChild2" presStyleCnt="0"/>
+      <dgm:spPr/>
+    </dgm:pt>
+    <dgm:pt modelId="{1313E5F4-9273-BF40-9443-FC8CA7BCED2D}" type="pres">
+      <dgm:prSet presAssocID="{467AFAD3-3293-3D46-A0BA-6C22C7B0CA39}" presName="hierChild3" presStyleCnt="0"/>
+      <dgm:spPr/>
+    </dgm:pt>
+    <dgm:pt modelId="{6FB136FC-0718-1B4C-AAEE-29D4A2CC5EE5}" type="pres">
+      <dgm:prSet presAssocID="{7DFC9F20-3DBD-1E4B-B02C-F5EA2049B44A}" presName="Name111" presStyleLbl="parChTrans1D2" presStyleIdx="0" presStyleCnt="2"/>
       <dgm:spPr/>
       <dgm:t>
         <a:bodyPr/>
@@ -1643,20 +1786,20 @@
         </a:p>
       </dgm:t>
     </dgm:pt>
-    <dgm:pt modelId="{5A61AA6F-8C21-7041-BFA0-7FE1AC8A8EBA}" type="pres">
-      <dgm:prSet presAssocID="{20B66E31-72BD-5644-9F23-DA053E253F59}" presName="hierRoot2" presStyleCnt="0">
+    <dgm:pt modelId="{0D93C17C-FE3E-E94B-99A1-E0F5F775F4D0}" type="pres">
+      <dgm:prSet presAssocID="{673242DF-07A2-8748-B2D5-0236CAC6D457}" presName="hierRoot3" presStyleCnt="0">
         <dgm:presLayoutVars>
           <dgm:hierBranch val="init"/>
         </dgm:presLayoutVars>
       </dgm:prSet>
       <dgm:spPr/>
     </dgm:pt>
-    <dgm:pt modelId="{A4F0534A-BC90-C042-98F8-9958D026967F}" type="pres">
-      <dgm:prSet presAssocID="{20B66E31-72BD-5644-9F23-DA053E253F59}" presName="rootComposite" presStyleCnt="0"/>
-      <dgm:spPr/>
-    </dgm:pt>
-    <dgm:pt modelId="{F7874140-0CAF-5449-8A11-F0E202604FD6}" type="pres">
-      <dgm:prSet presAssocID="{20B66E31-72BD-5644-9F23-DA053E253F59}" presName="rootText" presStyleLbl="node2" presStyleIdx="0" presStyleCnt="2">
+    <dgm:pt modelId="{311EA16E-B353-054F-A218-343210D4B9BA}" type="pres">
+      <dgm:prSet presAssocID="{673242DF-07A2-8748-B2D5-0236CAC6D457}" presName="rootComposite3" presStyleCnt="0"/>
+      <dgm:spPr/>
+    </dgm:pt>
+    <dgm:pt modelId="{F5775107-CCCA-CD4D-B179-09C029FD0160}" type="pres">
+      <dgm:prSet presAssocID="{673242DF-07A2-8748-B2D5-0236CAC6D457}" presName="rootText3" presStyleLbl="asst1" presStyleIdx="0" presStyleCnt="16">
         <dgm:presLayoutVars>
           <dgm:chPref val="3"/>
         </dgm:presLayoutVars>
@@ -1670,8 +1813,8 @@
         </a:p>
       </dgm:t>
     </dgm:pt>
-    <dgm:pt modelId="{C7441A9C-F34A-9749-A3A7-6AD557A22C83}" type="pres">
-      <dgm:prSet presAssocID="{20B66E31-72BD-5644-9F23-DA053E253F59}" presName="rootConnector" presStyleLbl="node2" presStyleIdx="0" presStyleCnt="2"/>
+    <dgm:pt modelId="{1D4D2E3D-E6C3-BC4A-B579-8400A1AFD758}" type="pres">
+      <dgm:prSet presAssocID="{673242DF-07A2-8748-B2D5-0236CAC6D457}" presName="rootConnector3" presStyleLbl="asst1" presStyleIdx="0" presStyleCnt="16"/>
       <dgm:spPr/>
       <dgm:t>
         <a:bodyPr/>
@@ -1681,12 +1824,16 @@
         </a:p>
       </dgm:t>
     </dgm:pt>
-    <dgm:pt modelId="{0FC788B1-B345-B746-9DB7-0DF09D258BE4}" type="pres">
-      <dgm:prSet presAssocID="{20B66E31-72BD-5644-9F23-DA053E253F59}" presName="hierChild4" presStyleCnt="0"/>
-      <dgm:spPr/>
-    </dgm:pt>
-    <dgm:pt modelId="{F84516CE-3C4B-9349-A408-F5488B9DB1D9}" type="pres">
-      <dgm:prSet presAssocID="{ECCBF903-FEC3-4747-B639-3B9455F48B44}" presName="Name37" presStyleLbl="parChTrans1D3" presStyleIdx="0" presStyleCnt="4"/>
+    <dgm:pt modelId="{4660C9CA-44BC-7440-A4D3-47790784D14D}" type="pres">
+      <dgm:prSet presAssocID="{673242DF-07A2-8748-B2D5-0236CAC6D457}" presName="hierChild6" presStyleCnt="0"/>
+      <dgm:spPr/>
+    </dgm:pt>
+    <dgm:pt modelId="{E9B0E80F-BC9D-644C-81A8-E22FB5308733}" type="pres">
+      <dgm:prSet presAssocID="{673242DF-07A2-8748-B2D5-0236CAC6D457}" presName="hierChild7" presStyleCnt="0"/>
+      <dgm:spPr/>
+    </dgm:pt>
+    <dgm:pt modelId="{CE3CEA21-640C-7C40-9007-2EE58E05AC6C}" type="pres">
+      <dgm:prSet presAssocID="{63FB096C-FAED-0B48-B5A7-7E85D80073EA}" presName="Name111" presStyleLbl="parChTrans1D3" presStyleIdx="0" presStyleCnt="2"/>
       <dgm:spPr/>
       <dgm:t>
         <a:bodyPr/>
@@ -1696,20 +1843,20 @@
         </a:p>
       </dgm:t>
     </dgm:pt>
-    <dgm:pt modelId="{EAAA0795-3DD3-6946-9F0E-020DDBA4B16B}" type="pres">
-      <dgm:prSet presAssocID="{25758D81-7AFE-DA45-BEEB-C8D09118A050}" presName="hierRoot2" presStyleCnt="0">
+    <dgm:pt modelId="{53EC2CA8-0015-304D-946D-BDF7C28B8327}" type="pres">
+      <dgm:prSet presAssocID="{19670FEF-BC45-D746-9F97-CBF05A5BBDA2}" presName="hierRoot3" presStyleCnt="0">
         <dgm:presLayoutVars>
           <dgm:hierBranch val="init"/>
         </dgm:presLayoutVars>
       </dgm:prSet>
       <dgm:spPr/>
     </dgm:pt>
-    <dgm:pt modelId="{1208987C-B0DD-BA4A-92A8-6CA137C8101E}" type="pres">
-      <dgm:prSet presAssocID="{25758D81-7AFE-DA45-BEEB-C8D09118A050}" presName="rootComposite" presStyleCnt="0"/>
-      <dgm:spPr/>
-    </dgm:pt>
-    <dgm:pt modelId="{59BF2708-A71C-B24B-91C4-7B6586B34316}" type="pres">
-      <dgm:prSet presAssocID="{25758D81-7AFE-DA45-BEEB-C8D09118A050}" presName="rootText" presStyleLbl="node3" presStyleIdx="0" presStyleCnt="4">
+    <dgm:pt modelId="{3457AFE8-82C5-034C-9139-440636E5B5B1}" type="pres">
+      <dgm:prSet presAssocID="{19670FEF-BC45-D746-9F97-CBF05A5BBDA2}" presName="rootComposite3" presStyleCnt="0"/>
+      <dgm:spPr/>
+    </dgm:pt>
+    <dgm:pt modelId="{DBAEEE53-CD50-484D-8A44-02F9DE19D7A8}" type="pres">
+      <dgm:prSet presAssocID="{19670FEF-BC45-D746-9F97-CBF05A5BBDA2}" presName="rootText3" presStyleLbl="asst1" presStyleIdx="1" presStyleCnt="16">
         <dgm:presLayoutVars>
           <dgm:chPref val="3"/>
         </dgm:presLayoutVars>
@@ -1723,8 +1870,8 @@
         </a:p>
       </dgm:t>
     </dgm:pt>
-    <dgm:pt modelId="{99C71DCA-6102-0D44-ADEA-D4B765A2D8D4}" type="pres">
-      <dgm:prSet presAssocID="{25758D81-7AFE-DA45-BEEB-C8D09118A050}" presName="rootConnector" presStyleLbl="node3" presStyleIdx="0" presStyleCnt="4"/>
+    <dgm:pt modelId="{264FB3D9-A143-594F-B8E9-D5FC2076CDB9}" type="pres">
+      <dgm:prSet presAssocID="{19670FEF-BC45-D746-9F97-CBF05A5BBDA2}" presName="rootConnector3" presStyleLbl="asst1" presStyleIdx="1" presStyleCnt="16"/>
       <dgm:spPr/>
       <dgm:t>
         <a:bodyPr/>
@@ -1734,12 +1881,16 @@
         </a:p>
       </dgm:t>
     </dgm:pt>
-    <dgm:pt modelId="{645F53BC-3C93-6A40-908F-C6F4C404B335}" type="pres">
-      <dgm:prSet presAssocID="{25758D81-7AFE-DA45-BEEB-C8D09118A050}" presName="hierChild4" presStyleCnt="0"/>
-      <dgm:spPr/>
-    </dgm:pt>
-    <dgm:pt modelId="{572D9688-9644-F24C-B170-8500A408C725}" type="pres">
-      <dgm:prSet presAssocID="{6FE0B9F0-E080-F346-A66D-2D2AB94CFF7D}" presName="Name37" presStyleLbl="parChTrans1D4" presStyleIdx="0" presStyleCnt="8"/>
+    <dgm:pt modelId="{1A16830D-35B2-4D49-8002-65979C44B6BE}" type="pres">
+      <dgm:prSet presAssocID="{19670FEF-BC45-D746-9F97-CBF05A5BBDA2}" presName="hierChild6" presStyleCnt="0"/>
+      <dgm:spPr/>
+    </dgm:pt>
+    <dgm:pt modelId="{7636465C-3BD7-CB4C-A7CA-161D0C46B527}" type="pres">
+      <dgm:prSet presAssocID="{19670FEF-BC45-D746-9F97-CBF05A5BBDA2}" presName="hierChild7" presStyleCnt="0"/>
+      <dgm:spPr/>
+    </dgm:pt>
+    <dgm:pt modelId="{70AB6EBE-BC8F-5C4F-A4CA-B20C66055145}" type="pres">
+      <dgm:prSet presAssocID="{CE81EA21-9DA2-E94E-A5A1-D5CE47B9A676}" presName="Name111" presStyleLbl="parChTrans1D4" presStyleIdx="0" presStyleCnt="12"/>
       <dgm:spPr/>
       <dgm:t>
         <a:bodyPr/>
@@ -1749,20 +1900,20 @@
         </a:p>
       </dgm:t>
     </dgm:pt>
-    <dgm:pt modelId="{4D8FDACC-8D84-364D-BAA8-B5E2FB648C4D}" type="pres">
-      <dgm:prSet presAssocID="{C6047794-0295-ED49-86D7-40CEE7F37F32}" presName="hierRoot2" presStyleCnt="0">
+    <dgm:pt modelId="{1F22ED20-9BDC-FF48-A5D7-50304974CF3A}" type="pres">
+      <dgm:prSet presAssocID="{1AF1BAD9-3698-1C4E-82A8-125DDDF14674}" presName="hierRoot3" presStyleCnt="0">
         <dgm:presLayoutVars>
           <dgm:hierBranch val="init"/>
         </dgm:presLayoutVars>
       </dgm:prSet>
       <dgm:spPr/>
     </dgm:pt>
-    <dgm:pt modelId="{0A4AC87F-BC0C-E74E-AFAA-D6BB4BBB2251}" type="pres">
-      <dgm:prSet presAssocID="{C6047794-0295-ED49-86D7-40CEE7F37F32}" presName="rootComposite" presStyleCnt="0"/>
-      <dgm:spPr/>
-    </dgm:pt>
-    <dgm:pt modelId="{30528875-2FA9-7A43-812C-F5207B3DA35C}" type="pres">
-      <dgm:prSet presAssocID="{C6047794-0295-ED49-86D7-40CEE7F37F32}" presName="rootText" presStyleLbl="node4" presStyleIdx="0" presStyleCnt="8">
+    <dgm:pt modelId="{79C52C6B-0DDA-7040-B30C-EA000B9959F1}" type="pres">
+      <dgm:prSet presAssocID="{1AF1BAD9-3698-1C4E-82A8-125DDDF14674}" presName="rootComposite3" presStyleCnt="0"/>
+      <dgm:spPr/>
+    </dgm:pt>
+    <dgm:pt modelId="{DAADDBCF-1B61-AC4A-A4F4-FA1D9F05F2E7}" type="pres">
+      <dgm:prSet presAssocID="{1AF1BAD9-3698-1C4E-82A8-125DDDF14674}" presName="rootText3" presStyleLbl="asst1" presStyleIdx="2" presStyleCnt="16">
         <dgm:presLayoutVars>
           <dgm:chPref val="3"/>
         </dgm:presLayoutVars>
@@ -1776,8 +1927,8 @@
         </a:p>
       </dgm:t>
     </dgm:pt>
-    <dgm:pt modelId="{F424F23C-8094-474C-A2A4-120E734654AA}" type="pres">
-      <dgm:prSet presAssocID="{C6047794-0295-ED49-86D7-40CEE7F37F32}" presName="rootConnector" presStyleLbl="node4" presStyleIdx="0" presStyleCnt="8"/>
+    <dgm:pt modelId="{BE4905EA-0AE2-A442-9A73-6128FE2AF02A}" type="pres">
+      <dgm:prSet presAssocID="{1AF1BAD9-3698-1C4E-82A8-125DDDF14674}" presName="rootConnector3" presStyleLbl="asst1" presStyleIdx="2" presStyleCnt="16"/>
       <dgm:spPr/>
       <dgm:t>
         <a:bodyPr/>
@@ -1787,16 +1938,16 @@
         </a:p>
       </dgm:t>
     </dgm:pt>
-    <dgm:pt modelId="{5DEE4482-F1BA-8544-8E07-B42FD430F6A8}" type="pres">
-      <dgm:prSet presAssocID="{C6047794-0295-ED49-86D7-40CEE7F37F32}" presName="hierChild4" presStyleCnt="0"/>
-      <dgm:spPr/>
-    </dgm:pt>
-    <dgm:pt modelId="{833283A3-6BED-C641-BF47-B6971C5CCDDE}" type="pres">
-      <dgm:prSet presAssocID="{C6047794-0295-ED49-86D7-40CEE7F37F32}" presName="hierChild5" presStyleCnt="0"/>
-      <dgm:spPr/>
-    </dgm:pt>
-    <dgm:pt modelId="{AE16A76A-19E7-1A49-B006-CD828621F00F}" type="pres">
-      <dgm:prSet presAssocID="{A1A0FA00-CBA1-C647-AA27-0F48444F1E9E}" presName="Name37" presStyleLbl="parChTrans1D4" presStyleIdx="1" presStyleCnt="8"/>
+    <dgm:pt modelId="{892B9A06-8423-4942-8AB8-2FB9EA5C6E74}" type="pres">
+      <dgm:prSet presAssocID="{1AF1BAD9-3698-1C4E-82A8-125DDDF14674}" presName="hierChild6" presStyleCnt="0"/>
+      <dgm:spPr/>
+    </dgm:pt>
+    <dgm:pt modelId="{02C1D6BD-EC7F-0641-A74B-158F11CAD987}" type="pres">
+      <dgm:prSet presAssocID="{1AF1BAD9-3698-1C4E-82A8-125DDDF14674}" presName="hierChild7" presStyleCnt="0"/>
+      <dgm:spPr/>
+    </dgm:pt>
+    <dgm:pt modelId="{FD5C37A9-0F67-1046-A215-7EAEED073675}" type="pres">
+      <dgm:prSet presAssocID="{D0215F3B-1B7C-7B4C-8E08-6D6D8880693C}" presName="Name111" presStyleLbl="parChTrans1D4" presStyleIdx="1" presStyleCnt="12"/>
       <dgm:spPr/>
       <dgm:t>
         <a:bodyPr/>
@@ -1806,20 +1957,20 @@
         </a:p>
       </dgm:t>
     </dgm:pt>
-    <dgm:pt modelId="{29E46E74-F8CB-DA41-8A75-976DA179409A}" type="pres">
-      <dgm:prSet presAssocID="{0AD4DF23-E10D-8A44-8138-8EF890595BE8}" presName="hierRoot2" presStyleCnt="0">
+    <dgm:pt modelId="{3057A2A1-A06A-774C-849D-6437854DF7DC}" type="pres">
+      <dgm:prSet presAssocID="{BBAD8F77-5872-5747-9A3C-09BD5AA2948E}" presName="hierRoot3" presStyleCnt="0">
         <dgm:presLayoutVars>
           <dgm:hierBranch val="init"/>
         </dgm:presLayoutVars>
       </dgm:prSet>
       <dgm:spPr/>
     </dgm:pt>
-    <dgm:pt modelId="{5BEB06F3-FFD0-D445-9EA4-DACE5A2806B8}" type="pres">
-      <dgm:prSet presAssocID="{0AD4DF23-E10D-8A44-8138-8EF890595BE8}" presName="rootComposite" presStyleCnt="0"/>
-      <dgm:spPr/>
-    </dgm:pt>
-    <dgm:pt modelId="{9313986E-C68D-3741-B66E-4E51DE730B10}" type="pres">
-      <dgm:prSet presAssocID="{0AD4DF23-E10D-8A44-8138-8EF890595BE8}" presName="rootText" presStyleLbl="node4" presStyleIdx="1" presStyleCnt="8">
+    <dgm:pt modelId="{7D47943F-A66A-AC40-9ED1-5D9CAF222936}" type="pres">
+      <dgm:prSet presAssocID="{BBAD8F77-5872-5747-9A3C-09BD5AA2948E}" presName="rootComposite3" presStyleCnt="0"/>
+      <dgm:spPr/>
+    </dgm:pt>
+    <dgm:pt modelId="{7C1C094A-A447-E94A-8902-CA183FD99F0B}" type="pres">
+      <dgm:prSet presAssocID="{BBAD8F77-5872-5747-9A3C-09BD5AA2948E}" presName="rootText3" presStyleLbl="asst1" presStyleIdx="3" presStyleCnt="16">
         <dgm:presLayoutVars>
           <dgm:chPref val="3"/>
         </dgm:presLayoutVars>
@@ -1833,8 +1984,8 @@
         </a:p>
       </dgm:t>
     </dgm:pt>
-    <dgm:pt modelId="{770BCB2C-13EA-7847-B954-2DE1CE0A3E57}" type="pres">
-      <dgm:prSet presAssocID="{0AD4DF23-E10D-8A44-8138-8EF890595BE8}" presName="rootConnector" presStyleLbl="node4" presStyleIdx="1" presStyleCnt="8"/>
+    <dgm:pt modelId="{83452788-4449-1849-84A1-98A6E1C9E1C6}" type="pres">
+      <dgm:prSet presAssocID="{BBAD8F77-5872-5747-9A3C-09BD5AA2948E}" presName="rootConnector3" presStyleLbl="asst1" presStyleIdx="3" presStyleCnt="16"/>
       <dgm:spPr/>
       <dgm:t>
         <a:bodyPr/>
@@ -1844,20 +1995,16 @@
         </a:p>
       </dgm:t>
     </dgm:pt>
-    <dgm:pt modelId="{B4F7FF9F-E36C-3C42-ACA3-81362A85DFEB}" type="pres">
-      <dgm:prSet presAssocID="{0AD4DF23-E10D-8A44-8138-8EF890595BE8}" presName="hierChild4" presStyleCnt="0"/>
-      <dgm:spPr/>
-    </dgm:pt>
-    <dgm:pt modelId="{A1E23A8F-B67E-4943-BC55-8D0506AAFE89}" type="pres">
-      <dgm:prSet presAssocID="{0AD4DF23-E10D-8A44-8138-8EF890595BE8}" presName="hierChild5" presStyleCnt="0"/>
-      <dgm:spPr/>
-    </dgm:pt>
-    <dgm:pt modelId="{9BB9C57D-ABA4-3A41-9722-3D6C05FCBEA1}" type="pres">
-      <dgm:prSet presAssocID="{25758D81-7AFE-DA45-BEEB-C8D09118A050}" presName="hierChild5" presStyleCnt="0"/>
-      <dgm:spPr/>
-    </dgm:pt>
-    <dgm:pt modelId="{B1F0EF1F-382A-9447-8F23-FD0C4C2126CF}" type="pres">
-      <dgm:prSet presAssocID="{7A1447BB-FD57-3E40-B66F-BF3E2B6272EB}" presName="Name37" presStyleLbl="parChTrans1D3" presStyleIdx="1" presStyleCnt="4"/>
+    <dgm:pt modelId="{61385238-5438-564B-A4D5-6476C676E591}" type="pres">
+      <dgm:prSet presAssocID="{BBAD8F77-5872-5747-9A3C-09BD5AA2948E}" presName="hierChild6" presStyleCnt="0"/>
+      <dgm:spPr/>
+    </dgm:pt>
+    <dgm:pt modelId="{D2944635-C82C-1A45-8583-93C1115C1219}" type="pres">
+      <dgm:prSet presAssocID="{BBAD8F77-5872-5747-9A3C-09BD5AA2948E}" presName="hierChild7" presStyleCnt="0"/>
+      <dgm:spPr/>
+    </dgm:pt>
+    <dgm:pt modelId="{80E459ED-BE95-1D46-A67A-278BB9BEA342}" type="pres">
+      <dgm:prSet presAssocID="{820AE95E-AAE6-7E46-A0FF-433F0FD6F75D}" presName="Name111" presStyleLbl="parChTrans1D4" presStyleIdx="2" presStyleCnt="12"/>
       <dgm:spPr/>
       <dgm:t>
         <a:bodyPr/>
@@ -1867,20 +2014,20 @@
         </a:p>
       </dgm:t>
     </dgm:pt>
-    <dgm:pt modelId="{E522F03D-4833-5742-8D60-ECA7802B45DF}" type="pres">
-      <dgm:prSet presAssocID="{8FE33D38-FD75-F244-9906-4EE3DE0A2A62}" presName="hierRoot2" presStyleCnt="0">
+    <dgm:pt modelId="{A0C276D3-BD22-DA43-9188-D578A0386A25}" type="pres">
+      <dgm:prSet presAssocID="{F417DA91-E0E4-E14E-A89B-A32865B92CCE}" presName="hierRoot3" presStyleCnt="0">
         <dgm:presLayoutVars>
           <dgm:hierBranch val="init"/>
         </dgm:presLayoutVars>
       </dgm:prSet>
       <dgm:spPr/>
     </dgm:pt>
-    <dgm:pt modelId="{0AF420FB-F197-A349-BC31-AB5B046BF689}" type="pres">
-      <dgm:prSet presAssocID="{8FE33D38-FD75-F244-9906-4EE3DE0A2A62}" presName="rootComposite" presStyleCnt="0"/>
-      <dgm:spPr/>
-    </dgm:pt>
-    <dgm:pt modelId="{D85A0727-3D88-F14F-A4DC-7D5AF564AB75}" type="pres">
-      <dgm:prSet presAssocID="{8FE33D38-FD75-F244-9906-4EE3DE0A2A62}" presName="rootText" presStyleLbl="node3" presStyleIdx="1" presStyleCnt="4">
+    <dgm:pt modelId="{4AD2E642-E934-6946-BF20-8C122FCF52CC}" type="pres">
+      <dgm:prSet presAssocID="{F417DA91-E0E4-E14E-A89B-A32865B92CCE}" presName="rootComposite3" presStyleCnt="0"/>
+      <dgm:spPr/>
+    </dgm:pt>
+    <dgm:pt modelId="{51E65A21-1844-ED4C-921C-3B476A3328F8}" type="pres">
+      <dgm:prSet presAssocID="{F417DA91-E0E4-E14E-A89B-A32865B92CCE}" presName="rootText3" presStyleLbl="asst1" presStyleIdx="4" presStyleCnt="16">
         <dgm:presLayoutVars>
           <dgm:chPref val="3"/>
         </dgm:presLayoutVars>
@@ -1894,8 +2041,8 @@
         </a:p>
       </dgm:t>
     </dgm:pt>
-    <dgm:pt modelId="{B466E655-C63D-9144-B429-A76F86FEE820}" type="pres">
-      <dgm:prSet presAssocID="{8FE33D38-FD75-F244-9906-4EE3DE0A2A62}" presName="rootConnector" presStyleLbl="node3" presStyleIdx="1" presStyleCnt="4"/>
+    <dgm:pt modelId="{C44EA6AB-DBBB-BF42-B953-260216B3C540}" type="pres">
+      <dgm:prSet presAssocID="{F417DA91-E0E4-E14E-A89B-A32865B92CCE}" presName="rootConnector3" presStyleLbl="asst1" presStyleIdx="4" presStyleCnt="16"/>
       <dgm:spPr/>
       <dgm:t>
         <a:bodyPr/>
@@ -1905,12 +2052,16 @@
         </a:p>
       </dgm:t>
     </dgm:pt>
-    <dgm:pt modelId="{BBFF26EA-CBC5-3445-81BF-BA2646A847CE}" type="pres">
-      <dgm:prSet presAssocID="{8FE33D38-FD75-F244-9906-4EE3DE0A2A62}" presName="hierChild4" presStyleCnt="0"/>
-      <dgm:spPr/>
-    </dgm:pt>
-    <dgm:pt modelId="{C1A5ED5B-F9D9-D248-A87C-BAEC45BFEB86}" type="pres">
-      <dgm:prSet presAssocID="{7302839D-C026-F54C-BAE9-ACC5053E04B3}" presName="Name37" presStyleLbl="parChTrans1D4" presStyleIdx="2" presStyleCnt="8"/>
+    <dgm:pt modelId="{66BDB072-4D9C-444C-A5A1-2A4380193D96}" type="pres">
+      <dgm:prSet presAssocID="{F417DA91-E0E4-E14E-A89B-A32865B92CCE}" presName="hierChild6" presStyleCnt="0"/>
+      <dgm:spPr/>
+    </dgm:pt>
+    <dgm:pt modelId="{A08F9416-6091-6E4B-B213-E2BDCADA5C8C}" type="pres">
+      <dgm:prSet presAssocID="{F417DA91-E0E4-E14E-A89B-A32865B92CCE}" presName="hierChild7" presStyleCnt="0"/>
+      <dgm:spPr/>
+    </dgm:pt>
+    <dgm:pt modelId="{42ECA393-5D05-E346-8740-9BEEB76D3D52}" type="pres">
+      <dgm:prSet presAssocID="{9CCA4A74-F9FB-444C-B06A-DC3BE74AAD74}" presName="Name111" presStyleLbl="parChTrans1D4" presStyleIdx="3" presStyleCnt="12"/>
       <dgm:spPr/>
       <dgm:t>
         <a:bodyPr/>
@@ -1920,20 +2071,20 @@
         </a:p>
       </dgm:t>
     </dgm:pt>
-    <dgm:pt modelId="{CCC7288E-7C96-8E49-B305-E338F04B4487}" type="pres">
-      <dgm:prSet presAssocID="{9DF69462-43AA-1241-B8CA-93523DE66B1F}" presName="hierRoot2" presStyleCnt="0">
+    <dgm:pt modelId="{37D798F5-61D6-274F-BC4A-699EEAAADC4B}" type="pres">
+      <dgm:prSet presAssocID="{6DABAE79-300E-5646-B138-78FFA05A1054}" presName="hierRoot3" presStyleCnt="0">
         <dgm:presLayoutVars>
           <dgm:hierBranch val="init"/>
         </dgm:presLayoutVars>
       </dgm:prSet>
       <dgm:spPr/>
     </dgm:pt>
-    <dgm:pt modelId="{5C833E22-9F6E-CB41-B127-9BD6A8AEFAE5}" type="pres">
-      <dgm:prSet presAssocID="{9DF69462-43AA-1241-B8CA-93523DE66B1F}" presName="rootComposite" presStyleCnt="0"/>
-      <dgm:spPr/>
-    </dgm:pt>
-    <dgm:pt modelId="{C82180CD-AF04-BB4E-A875-AC7B3717345B}" type="pres">
-      <dgm:prSet presAssocID="{9DF69462-43AA-1241-B8CA-93523DE66B1F}" presName="rootText" presStyleLbl="node4" presStyleIdx="2" presStyleCnt="8">
+    <dgm:pt modelId="{95C819AA-1C8B-CA43-8629-42E769E74588}" type="pres">
+      <dgm:prSet presAssocID="{6DABAE79-300E-5646-B138-78FFA05A1054}" presName="rootComposite3" presStyleCnt="0"/>
+      <dgm:spPr/>
+    </dgm:pt>
+    <dgm:pt modelId="{DAB88339-9197-9842-8C37-E1DE96A93C68}" type="pres">
+      <dgm:prSet presAssocID="{6DABAE79-300E-5646-B138-78FFA05A1054}" presName="rootText3" presStyleLbl="asst1" presStyleIdx="5" presStyleCnt="16">
         <dgm:presLayoutVars>
           <dgm:chPref val="3"/>
         </dgm:presLayoutVars>
@@ -1947,8 +2098,8 @@
         </a:p>
       </dgm:t>
     </dgm:pt>
-    <dgm:pt modelId="{F48277F0-BE39-0949-99BA-B86607DE1595}" type="pres">
-      <dgm:prSet presAssocID="{9DF69462-43AA-1241-B8CA-93523DE66B1F}" presName="rootConnector" presStyleLbl="node4" presStyleIdx="2" presStyleCnt="8"/>
+    <dgm:pt modelId="{EE96D27A-8880-004A-B73E-6C0EE5141BDC}" type="pres">
+      <dgm:prSet presAssocID="{6DABAE79-300E-5646-B138-78FFA05A1054}" presName="rootConnector3" presStyleLbl="asst1" presStyleIdx="5" presStyleCnt="16"/>
       <dgm:spPr/>
       <dgm:t>
         <a:bodyPr/>
@@ -1958,16 +2109,16 @@
         </a:p>
       </dgm:t>
     </dgm:pt>
-    <dgm:pt modelId="{1BBC7448-6DA9-4D4D-AD7C-31309FC2ADBB}" type="pres">
-      <dgm:prSet presAssocID="{9DF69462-43AA-1241-B8CA-93523DE66B1F}" presName="hierChild4" presStyleCnt="0"/>
-      <dgm:spPr/>
-    </dgm:pt>
-    <dgm:pt modelId="{D7B2216E-CA3F-A649-A52D-02B8E639E123}" type="pres">
-      <dgm:prSet presAssocID="{9DF69462-43AA-1241-B8CA-93523DE66B1F}" presName="hierChild5" presStyleCnt="0"/>
-      <dgm:spPr/>
-    </dgm:pt>
-    <dgm:pt modelId="{005EF251-6722-C440-A97A-1A8AC3EB42E3}" type="pres">
-      <dgm:prSet presAssocID="{B0BE182D-2A41-E547-A5E1-07BFD6445A63}" presName="Name37" presStyleLbl="parChTrans1D4" presStyleIdx="3" presStyleCnt="8"/>
+    <dgm:pt modelId="{913D851B-3D9B-2F48-8498-1B83D98CA8B1}" type="pres">
+      <dgm:prSet presAssocID="{6DABAE79-300E-5646-B138-78FFA05A1054}" presName="hierChild6" presStyleCnt="0"/>
+      <dgm:spPr/>
+    </dgm:pt>
+    <dgm:pt modelId="{513ED70C-2B8C-0A49-B0A2-178A02CEC3BA}" type="pres">
+      <dgm:prSet presAssocID="{6DABAE79-300E-5646-B138-78FFA05A1054}" presName="hierChild7" presStyleCnt="0"/>
+      <dgm:spPr/>
+    </dgm:pt>
+    <dgm:pt modelId="{9D621E55-6F4A-CB41-8225-A5F10CE02B20}" type="pres">
+      <dgm:prSet presAssocID="{8903E6B9-D149-E041-958E-53EA9C078C31}" presName="Name111" presStyleLbl="parChTrans1D4" presStyleIdx="4" presStyleCnt="12"/>
       <dgm:spPr/>
       <dgm:t>
         <a:bodyPr/>
@@ -1977,20 +2128,20 @@
         </a:p>
       </dgm:t>
     </dgm:pt>
-    <dgm:pt modelId="{4F6E17DA-EF5F-4F44-B24C-E087F61604D4}" type="pres">
-      <dgm:prSet presAssocID="{FFE2D5D6-8B29-344A-9A29-D4E26A0B934E}" presName="hierRoot2" presStyleCnt="0">
+    <dgm:pt modelId="{228FFAF9-D414-8145-80A4-5CA8179FB4CF}" type="pres">
+      <dgm:prSet presAssocID="{4200AA75-0076-0447-B62A-50C1F3759849}" presName="hierRoot3" presStyleCnt="0">
         <dgm:presLayoutVars>
           <dgm:hierBranch val="init"/>
         </dgm:presLayoutVars>
       </dgm:prSet>
       <dgm:spPr/>
     </dgm:pt>
-    <dgm:pt modelId="{E6B0D9F4-4FDF-C34D-B9B7-550534502B71}" type="pres">
-      <dgm:prSet presAssocID="{FFE2D5D6-8B29-344A-9A29-D4E26A0B934E}" presName="rootComposite" presStyleCnt="0"/>
-      <dgm:spPr/>
-    </dgm:pt>
-    <dgm:pt modelId="{46DA980C-37B7-0143-B3E2-3809AAA34A52}" type="pres">
-      <dgm:prSet presAssocID="{FFE2D5D6-8B29-344A-9A29-D4E26A0B934E}" presName="rootText" presStyleLbl="node4" presStyleIdx="3" presStyleCnt="8">
+    <dgm:pt modelId="{29F7AC55-1028-EE45-A43F-6C1AF050DBF0}" type="pres">
+      <dgm:prSet presAssocID="{4200AA75-0076-0447-B62A-50C1F3759849}" presName="rootComposite3" presStyleCnt="0"/>
+      <dgm:spPr/>
+    </dgm:pt>
+    <dgm:pt modelId="{E58AC7C5-ABDD-6040-AA82-D20C922F74B3}" type="pres">
+      <dgm:prSet presAssocID="{4200AA75-0076-0447-B62A-50C1F3759849}" presName="rootText3" presStyleLbl="asst1" presStyleIdx="6" presStyleCnt="16">
         <dgm:presLayoutVars>
           <dgm:chPref val="3"/>
         </dgm:presLayoutVars>
@@ -2004,8 +2155,8 @@
         </a:p>
       </dgm:t>
     </dgm:pt>
-    <dgm:pt modelId="{616A860E-5E99-884F-BA1E-7BD6BE4896CC}" type="pres">
-      <dgm:prSet presAssocID="{FFE2D5D6-8B29-344A-9A29-D4E26A0B934E}" presName="rootConnector" presStyleLbl="node4" presStyleIdx="3" presStyleCnt="8"/>
+    <dgm:pt modelId="{3534854F-5AE5-6243-B775-98D86BF5E980}" type="pres">
+      <dgm:prSet presAssocID="{4200AA75-0076-0447-B62A-50C1F3759849}" presName="rootConnector3" presStyleLbl="asst1" presStyleIdx="6" presStyleCnt="16"/>
       <dgm:spPr/>
       <dgm:t>
         <a:bodyPr/>
@@ -2015,24 +2166,16 @@
         </a:p>
       </dgm:t>
     </dgm:pt>
-    <dgm:pt modelId="{549282F0-E932-164B-B141-CFF8EF965880}" type="pres">
-      <dgm:prSet presAssocID="{FFE2D5D6-8B29-344A-9A29-D4E26A0B934E}" presName="hierChild4" presStyleCnt="0"/>
-      <dgm:spPr/>
-    </dgm:pt>
-    <dgm:pt modelId="{DF79A9D3-D62F-F345-BCBE-93BC1294119A}" type="pres">
-      <dgm:prSet presAssocID="{FFE2D5D6-8B29-344A-9A29-D4E26A0B934E}" presName="hierChild5" presStyleCnt="0"/>
-      <dgm:spPr/>
-    </dgm:pt>
-    <dgm:pt modelId="{7EDBFEDB-A247-8744-8EB0-BA2F90BEBD4B}" type="pres">
-      <dgm:prSet presAssocID="{8FE33D38-FD75-F244-9906-4EE3DE0A2A62}" presName="hierChild5" presStyleCnt="0"/>
-      <dgm:spPr/>
-    </dgm:pt>
-    <dgm:pt modelId="{78A46DA8-FC79-1E44-84EE-9137F72E9FEE}" type="pres">
-      <dgm:prSet presAssocID="{20B66E31-72BD-5644-9F23-DA053E253F59}" presName="hierChild5" presStyleCnt="0"/>
-      <dgm:spPr/>
-    </dgm:pt>
-    <dgm:pt modelId="{ED533780-CF74-A941-8170-586C60235AF5}" type="pres">
-      <dgm:prSet presAssocID="{02F1D067-90FA-7D4F-9453-3FE5B220E958}" presName="Name37" presStyleLbl="parChTrans1D2" presStyleIdx="1" presStyleCnt="2"/>
+    <dgm:pt modelId="{D8097397-E357-9B40-BED2-2AB1E1EEB3A0}" type="pres">
+      <dgm:prSet presAssocID="{4200AA75-0076-0447-B62A-50C1F3759849}" presName="hierChild6" presStyleCnt="0"/>
+      <dgm:spPr/>
+    </dgm:pt>
+    <dgm:pt modelId="{85D6FB71-FFFD-6548-BB6F-DBD561F6E87D}" type="pres">
+      <dgm:prSet presAssocID="{4200AA75-0076-0447-B62A-50C1F3759849}" presName="hierChild7" presStyleCnt="0"/>
+      <dgm:spPr/>
+    </dgm:pt>
+    <dgm:pt modelId="{AFC7F75F-4A30-1F4A-BC38-B943937767BB}" type="pres">
+      <dgm:prSet presAssocID="{6533EB45-E035-6344-BE88-164601633F7E}" presName="Name111" presStyleLbl="parChTrans1D4" presStyleIdx="5" presStyleCnt="12"/>
       <dgm:spPr/>
       <dgm:t>
         <a:bodyPr/>
@@ -2042,20 +2185,20 @@
         </a:p>
       </dgm:t>
     </dgm:pt>
-    <dgm:pt modelId="{1D8E07F2-D715-DA46-B4F0-D4F95F4118DA}" type="pres">
-      <dgm:prSet presAssocID="{5E84341D-E6CB-E040-B7B5-BB35B8C5A408}" presName="hierRoot2" presStyleCnt="0">
+    <dgm:pt modelId="{E286F50C-17E7-614D-93D0-8438EDACC836}" type="pres">
+      <dgm:prSet presAssocID="{1C258DD1-042C-8B47-987F-EFC8B5530D70}" presName="hierRoot3" presStyleCnt="0">
         <dgm:presLayoutVars>
           <dgm:hierBranch val="init"/>
         </dgm:presLayoutVars>
       </dgm:prSet>
       <dgm:spPr/>
     </dgm:pt>
-    <dgm:pt modelId="{6015ADF7-C805-B945-9430-241B50523900}" type="pres">
-      <dgm:prSet presAssocID="{5E84341D-E6CB-E040-B7B5-BB35B8C5A408}" presName="rootComposite" presStyleCnt="0"/>
-      <dgm:spPr/>
-    </dgm:pt>
-    <dgm:pt modelId="{CB4B1E00-3F6F-0141-B853-64DAF0CF8052}" type="pres">
-      <dgm:prSet presAssocID="{5E84341D-E6CB-E040-B7B5-BB35B8C5A408}" presName="rootText" presStyleLbl="node2" presStyleIdx="1" presStyleCnt="2">
+    <dgm:pt modelId="{705209A4-BBC7-C943-9694-029FBE0AEA43}" type="pres">
+      <dgm:prSet presAssocID="{1C258DD1-042C-8B47-987F-EFC8B5530D70}" presName="rootComposite3" presStyleCnt="0"/>
+      <dgm:spPr/>
+    </dgm:pt>
+    <dgm:pt modelId="{AC89D4A8-011A-BD4C-BAF6-9B7CCB61BDDA}" type="pres">
+      <dgm:prSet presAssocID="{1C258DD1-042C-8B47-987F-EFC8B5530D70}" presName="rootText3" presStyleLbl="asst1" presStyleIdx="7" presStyleCnt="16">
         <dgm:presLayoutVars>
           <dgm:chPref val="3"/>
         </dgm:presLayoutVars>
@@ -2069,8 +2212,8 @@
         </a:p>
       </dgm:t>
     </dgm:pt>
-    <dgm:pt modelId="{83245643-CCF7-A746-8A15-0D6A3A865905}" type="pres">
-      <dgm:prSet presAssocID="{5E84341D-E6CB-E040-B7B5-BB35B8C5A408}" presName="rootConnector" presStyleLbl="node2" presStyleIdx="1" presStyleCnt="2"/>
+    <dgm:pt modelId="{41C239AE-B281-D74E-8CDA-3B6F94CAD5C9}" type="pres">
+      <dgm:prSet presAssocID="{1C258DD1-042C-8B47-987F-EFC8B5530D70}" presName="rootConnector3" presStyleLbl="asst1" presStyleIdx="7" presStyleCnt="16"/>
       <dgm:spPr/>
       <dgm:t>
         <a:bodyPr/>
@@ -2080,12 +2223,16 @@
         </a:p>
       </dgm:t>
     </dgm:pt>
-    <dgm:pt modelId="{33412FCA-A733-4549-91C0-DCB8031697E4}" type="pres">
-      <dgm:prSet presAssocID="{5E84341D-E6CB-E040-B7B5-BB35B8C5A408}" presName="hierChild4" presStyleCnt="0"/>
-      <dgm:spPr/>
-    </dgm:pt>
-    <dgm:pt modelId="{C3336828-9D95-BD4A-BD90-C08166A72756}" type="pres">
-      <dgm:prSet presAssocID="{CFB72B45-EAC5-AD44-9306-BF3E82B0ECF6}" presName="Name37" presStyleLbl="parChTrans1D3" presStyleIdx="2" presStyleCnt="4"/>
+    <dgm:pt modelId="{D3BCCA89-D78D-AF43-BF06-322061095B4C}" type="pres">
+      <dgm:prSet presAssocID="{1C258DD1-042C-8B47-987F-EFC8B5530D70}" presName="hierChild6" presStyleCnt="0"/>
+      <dgm:spPr/>
+    </dgm:pt>
+    <dgm:pt modelId="{16D87085-693A-FA49-8416-7E80634A8A46}" type="pres">
+      <dgm:prSet presAssocID="{1C258DD1-042C-8B47-987F-EFC8B5530D70}" presName="hierChild7" presStyleCnt="0"/>
+      <dgm:spPr/>
+    </dgm:pt>
+    <dgm:pt modelId="{1630E1C8-F0C1-3C44-ACC4-DDDFA21B2B76}" type="pres">
+      <dgm:prSet presAssocID="{8B236178-5B88-1047-8F15-515197E8BF8C}" presName="Name111" presStyleLbl="parChTrans1D3" presStyleIdx="1" presStyleCnt="2"/>
       <dgm:spPr/>
       <dgm:t>
         <a:bodyPr/>
@@ -2095,20 +2242,20 @@
         </a:p>
       </dgm:t>
     </dgm:pt>
-    <dgm:pt modelId="{9F6DE833-77C2-AD4B-B5DB-39234EEF36D4}" type="pres">
-      <dgm:prSet presAssocID="{1B280FCD-6B8D-074B-9030-E81A3AE289DB}" presName="hierRoot2" presStyleCnt="0">
+    <dgm:pt modelId="{799C9D2D-FA3E-034C-AD85-22E5683A4D5E}" type="pres">
+      <dgm:prSet presAssocID="{22777756-1E50-7F46-B995-06AD726CDFB8}" presName="hierRoot3" presStyleCnt="0">
         <dgm:presLayoutVars>
           <dgm:hierBranch val="init"/>
         </dgm:presLayoutVars>
       </dgm:prSet>
       <dgm:spPr/>
     </dgm:pt>
-    <dgm:pt modelId="{669F3643-E1BD-EA44-991D-CE9782387EB7}" type="pres">
-      <dgm:prSet presAssocID="{1B280FCD-6B8D-074B-9030-E81A3AE289DB}" presName="rootComposite" presStyleCnt="0"/>
-      <dgm:spPr/>
-    </dgm:pt>
-    <dgm:pt modelId="{69300422-F611-5B41-BBDE-CF070902C6A9}" type="pres">
-      <dgm:prSet presAssocID="{1B280FCD-6B8D-074B-9030-E81A3AE289DB}" presName="rootText" presStyleLbl="node3" presStyleIdx="2" presStyleCnt="4">
+    <dgm:pt modelId="{F23F81BF-0B3C-074D-9EDB-B195FC734FCE}" type="pres">
+      <dgm:prSet presAssocID="{22777756-1E50-7F46-B995-06AD726CDFB8}" presName="rootComposite3" presStyleCnt="0"/>
+      <dgm:spPr/>
+    </dgm:pt>
+    <dgm:pt modelId="{DC3AA488-9688-C340-B9DB-2E72853D416D}" type="pres">
+      <dgm:prSet presAssocID="{22777756-1E50-7F46-B995-06AD726CDFB8}" presName="rootText3" presStyleLbl="asst1" presStyleIdx="8" presStyleCnt="16">
         <dgm:presLayoutVars>
           <dgm:chPref val="3"/>
         </dgm:presLayoutVars>
@@ -2122,8 +2269,8 @@
         </a:p>
       </dgm:t>
     </dgm:pt>
-    <dgm:pt modelId="{BEF261C1-1F16-FC4D-9E16-7C3615341469}" type="pres">
-      <dgm:prSet presAssocID="{1B280FCD-6B8D-074B-9030-E81A3AE289DB}" presName="rootConnector" presStyleLbl="node3" presStyleIdx="2" presStyleCnt="4"/>
+    <dgm:pt modelId="{469A0D05-251D-2D49-8A16-84967986828C}" type="pres">
+      <dgm:prSet presAssocID="{22777756-1E50-7F46-B995-06AD726CDFB8}" presName="rootConnector3" presStyleLbl="asst1" presStyleIdx="8" presStyleCnt="16"/>
       <dgm:spPr/>
       <dgm:t>
         <a:bodyPr/>
@@ -2133,12 +2280,16 @@
         </a:p>
       </dgm:t>
     </dgm:pt>
-    <dgm:pt modelId="{ED8AF5E0-D2E6-6543-90F6-8087AD8F7052}" type="pres">
-      <dgm:prSet presAssocID="{1B280FCD-6B8D-074B-9030-E81A3AE289DB}" presName="hierChild4" presStyleCnt="0"/>
-      <dgm:spPr/>
-    </dgm:pt>
-    <dgm:pt modelId="{16DBC556-40F8-3A44-B908-02D45F20C0D2}" type="pres">
-      <dgm:prSet presAssocID="{AE9378F8-38E9-ED4D-B280-C499D6DCDFB8}" presName="Name37" presStyleLbl="parChTrans1D4" presStyleIdx="4" presStyleCnt="8"/>
+    <dgm:pt modelId="{F792C860-43C3-AD42-951C-E2FA7CA78B57}" type="pres">
+      <dgm:prSet presAssocID="{22777756-1E50-7F46-B995-06AD726CDFB8}" presName="hierChild6" presStyleCnt="0"/>
+      <dgm:spPr/>
+    </dgm:pt>
+    <dgm:pt modelId="{8543F080-6405-084C-928C-F11924E78595}" type="pres">
+      <dgm:prSet presAssocID="{22777756-1E50-7F46-B995-06AD726CDFB8}" presName="hierChild7" presStyleCnt="0"/>
+      <dgm:spPr/>
+    </dgm:pt>
+    <dgm:pt modelId="{C3BA7C53-3238-9D45-BDBA-FEAE41DD5827}" type="pres">
+      <dgm:prSet presAssocID="{ECFB5F6B-C059-C148-AEAB-496F839C898C}" presName="Name111" presStyleLbl="parChTrans1D4" presStyleIdx="6" presStyleCnt="12"/>
       <dgm:spPr/>
       <dgm:t>
         <a:bodyPr/>
@@ -2148,20 +2299,20 @@
         </a:p>
       </dgm:t>
     </dgm:pt>
-    <dgm:pt modelId="{A0C23A2D-25B3-7B47-BA5F-DC056D2F1C8E}" type="pres">
-      <dgm:prSet presAssocID="{8D746040-6F12-E64B-9FDE-C6872260932E}" presName="hierRoot2" presStyleCnt="0">
+    <dgm:pt modelId="{4F245BFA-086F-8E4A-98F5-0483F58F2AC2}" type="pres">
+      <dgm:prSet presAssocID="{6A3C98B9-3E4C-E54E-9F28-0112D9478336}" presName="hierRoot3" presStyleCnt="0">
         <dgm:presLayoutVars>
           <dgm:hierBranch val="init"/>
         </dgm:presLayoutVars>
       </dgm:prSet>
       <dgm:spPr/>
     </dgm:pt>
-    <dgm:pt modelId="{A8DABFB1-8D6C-D24B-93FE-647EE367E8D8}" type="pres">
-      <dgm:prSet presAssocID="{8D746040-6F12-E64B-9FDE-C6872260932E}" presName="rootComposite" presStyleCnt="0"/>
-      <dgm:spPr/>
-    </dgm:pt>
-    <dgm:pt modelId="{D1696313-5BB4-334C-A900-ED415A2FEEFC}" type="pres">
-      <dgm:prSet presAssocID="{8D746040-6F12-E64B-9FDE-C6872260932E}" presName="rootText" presStyleLbl="node4" presStyleIdx="4" presStyleCnt="8">
+    <dgm:pt modelId="{11744A9F-C599-F64B-ACB4-A5A22361C25D}" type="pres">
+      <dgm:prSet presAssocID="{6A3C98B9-3E4C-E54E-9F28-0112D9478336}" presName="rootComposite3" presStyleCnt="0"/>
+      <dgm:spPr/>
+    </dgm:pt>
+    <dgm:pt modelId="{4F8792A5-E9D7-C949-9CD4-0CADE2E03D80}" type="pres">
+      <dgm:prSet presAssocID="{6A3C98B9-3E4C-E54E-9F28-0112D9478336}" presName="rootText3" presStyleLbl="asst1" presStyleIdx="9" presStyleCnt="16">
         <dgm:presLayoutVars>
           <dgm:chPref val="3"/>
         </dgm:presLayoutVars>
@@ -2175,8 +2326,8 @@
         </a:p>
       </dgm:t>
     </dgm:pt>
-    <dgm:pt modelId="{0DBBEE84-A03F-9243-B8BC-BFC2FFEF0A07}" type="pres">
-      <dgm:prSet presAssocID="{8D746040-6F12-E64B-9FDE-C6872260932E}" presName="rootConnector" presStyleLbl="node4" presStyleIdx="4" presStyleCnt="8"/>
+    <dgm:pt modelId="{4C8A8809-844D-D74A-AA83-8E2709BDCC7C}" type="pres">
+      <dgm:prSet presAssocID="{6A3C98B9-3E4C-E54E-9F28-0112D9478336}" presName="rootConnector3" presStyleLbl="asst1" presStyleIdx="9" presStyleCnt="16"/>
       <dgm:spPr/>
       <dgm:t>
         <a:bodyPr/>
@@ -2186,16 +2337,16 @@
         </a:p>
       </dgm:t>
     </dgm:pt>
-    <dgm:pt modelId="{79157148-CCAF-C043-AF69-32413A1BF5CA}" type="pres">
-      <dgm:prSet presAssocID="{8D746040-6F12-E64B-9FDE-C6872260932E}" presName="hierChild4" presStyleCnt="0"/>
-      <dgm:spPr/>
-    </dgm:pt>
-    <dgm:pt modelId="{27627BC6-F8EB-CF40-92E8-138D320982EE}" type="pres">
-      <dgm:prSet presAssocID="{8D746040-6F12-E64B-9FDE-C6872260932E}" presName="hierChild5" presStyleCnt="0"/>
-      <dgm:spPr/>
-    </dgm:pt>
-    <dgm:pt modelId="{A0891B16-FFBF-2F41-BF1B-8F98A79E6775}" type="pres">
-      <dgm:prSet presAssocID="{47CCF784-9054-484A-9DBA-22A5105626C4}" presName="Name37" presStyleLbl="parChTrans1D4" presStyleIdx="5" presStyleCnt="8"/>
+    <dgm:pt modelId="{B18343F5-974E-1140-A924-6EEFBC5C123F}" type="pres">
+      <dgm:prSet presAssocID="{6A3C98B9-3E4C-E54E-9F28-0112D9478336}" presName="hierChild6" presStyleCnt="0"/>
+      <dgm:spPr/>
+    </dgm:pt>
+    <dgm:pt modelId="{C224DD18-F2A5-454C-AD2D-0C4614E65C32}" type="pres">
+      <dgm:prSet presAssocID="{6A3C98B9-3E4C-E54E-9F28-0112D9478336}" presName="hierChild7" presStyleCnt="0"/>
+      <dgm:spPr/>
+    </dgm:pt>
+    <dgm:pt modelId="{6D86BD27-7022-2540-A893-EBB1BB3B468B}" type="pres">
+      <dgm:prSet presAssocID="{793AA157-F286-8647-84F8-CE1F6A61DFF0}" presName="Name111" presStyleLbl="parChTrans1D4" presStyleIdx="7" presStyleCnt="12"/>
       <dgm:spPr/>
       <dgm:t>
         <a:bodyPr/>
@@ -2205,20 +2356,20 @@
         </a:p>
       </dgm:t>
     </dgm:pt>
-    <dgm:pt modelId="{3B5437AA-DA3D-804C-B0A1-2737A4C6BEBB}" type="pres">
-      <dgm:prSet presAssocID="{FE941AE3-A040-4F4C-A45C-62C25A60431F}" presName="hierRoot2" presStyleCnt="0">
+    <dgm:pt modelId="{4016B7D4-18A2-6E48-9358-552B3A9D4B0B}" type="pres">
+      <dgm:prSet presAssocID="{4B2391FA-3F2C-C04B-8966-CD2022A840E9}" presName="hierRoot3" presStyleCnt="0">
         <dgm:presLayoutVars>
           <dgm:hierBranch val="init"/>
         </dgm:presLayoutVars>
       </dgm:prSet>
       <dgm:spPr/>
     </dgm:pt>
-    <dgm:pt modelId="{726F2949-447E-7C4E-B9C5-A3365C477CCD}" type="pres">
-      <dgm:prSet presAssocID="{FE941AE3-A040-4F4C-A45C-62C25A60431F}" presName="rootComposite" presStyleCnt="0"/>
-      <dgm:spPr/>
-    </dgm:pt>
-    <dgm:pt modelId="{CD247A22-0258-C548-9690-59C6A2BA20A0}" type="pres">
-      <dgm:prSet presAssocID="{FE941AE3-A040-4F4C-A45C-62C25A60431F}" presName="rootText" presStyleLbl="node4" presStyleIdx="5" presStyleCnt="8">
+    <dgm:pt modelId="{B88E81F9-689A-9F45-989C-AD4343404AC3}" type="pres">
+      <dgm:prSet presAssocID="{4B2391FA-3F2C-C04B-8966-CD2022A840E9}" presName="rootComposite3" presStyleCnt="0"/>
+      <dgm:spPr/>
+    </dgm:pt>
+    <dgm:pt modelId="{205804AE-F860-214C-BC6A-B1FFB5C5874C}" type="pres">
+      <dgm:prSet presAssocID="{4B2391FA-3F2C-C04B-8966-CD2022A840E9}" presName="rootText3" presStyleLbl="asst1" presStyleIdx="10" presStyleCnt="16">
         <dgm:presLayoutVars>
           <dgm:chPref val="3"/>
         </dgm:presLayoutVars>
@@ -2232,8 +2383,8 @@
         </a:p>
       </dgm:t>
     </dgm:pt>
-    <dgm:pt modelId="{400D6EA1-2FB8-C74D-8FED-A3AFD45B1019}" type="pres">
-      <dgm:prSet presAssocID="{FE941AE3-A040-4F4C-A45C-62C25A60431F}" presName="rootConnector" presStyleLbl="node4" presStyleIdx="5" presStyleCnt="8"/>
+    <dgm:pt modelId="{BBC18504-D563-AF44-8516-BE95C5199EB4}" type="pres">
+      <dgm:prSet presAssocID="{4B2391FA-3F2C-C04B-8966-CD2022A840E9}" presName="rootConnector3" presStyleLbl="asst1" presStyleIdx="10" presStyleCnt="16"/>
       <dgm:spPr/>
       <dgm:t>
         <a:bodyPr/>
@@ -2243,20 +2394,16 @@
         </a:p>
       </dgm:t>
     </dgm:pt>
-    <dgm:pt modelId="{BED06DD5-24AB-384F-A295-1CA497CD2576}" type="pres">
-      <dgm:prSet presAssocID="{FE941AE3-A040-4F4C-A45C-62C25A60431F}" presName="hierChild4" presStyleCnt="0"/>
-      <dgm:spPr/>
-    </dgm:pt>
-    <dgm:pt modelId="{9AB9F19A-4143-B842-AB85-703C2FE143E6}" type="pres">
-      <dgm:prSet presAssocID="{FE941AE3-A040-4F4C-A45C-62C25A60431F}" presName="hierChild5" presStyleCnt="0"/>
-      <dgm:spPr/>
-    </dgm:pt>
-    <dgm:pt modelId="{EB4FA91F-FDE8-5D43-A125-559AD48D55A2}" type="pres">
-      <dgm:prSet presAssocID="{1B280FCD-6B8D-074B-9030-E81A3AE289DB}" presName="hierChild5" presStyleCnt="0"/>
-      <dgm:spPr/>
-    </dgm:pt>
-    <dgm:pt modelId="{9BD65701-EA75-5547-972A-60049BBE031A}" type="pres">
-      <dgm:prSet presAssocID="{EB01117B-2E5A-3845-A572-205C8B5BED80}" presName="Name37" presStyleLbl="parChTrans1D3" presStyleIdx="3" presStyleCnt="4"/>
+    <dgm:pt modelId="{A25E422D-7A63-2B48-AF18-E91556BCC148}" type="pres">
+      <dgm:prSet presAssocID="{4B2391FA-3F2C-C04B-8966-CD2022A840E9}" presName="hierChild6" presStyleCnt="0"/>
+      <dgm:spPr/>
+    </dgm:pt>
+    <dgm:pt modelId="{B36E5781-B0C8-0049-A69D-FDDFB2C50880}" type="pres">
+      <dgm:prSet presAssocID="{4B2391FA-3F2C-C04B-8966-CD2022A840E9}" presName="hierChild7" presStyleCnt="0"/>
+      <dgm:spPr/>
+    </dgm:pt>
+    <dgm:pt modelId="{26170BDD-FB3C-294C-8692-65521328A1C6}" type="pres">
+      <dgm:prSet presAssocID="{98149B13-83D7-4648-9C6B-C7E153C20977}" presName="Name111" presStyleLbl="parChTrans1D4" presStyleIdx="8" presStyleCnt="12"/>
       <dgm:spPr/>
       <dgm:t>
         <a:bodyPr/>
@@ -2266,20 +2413,20 @@
         </a:p>
       </dgm:t>
     </dgm:pt>
-    <dgm:pt modelId="{92C12950-C53D-694C-B926-8ABE85CAFF55}" type="pres">
-      <dgm:prSet presAssocID="{D3D891F4-BE76-0A46-B975-D876B7F5B8F5}" presName="hierRoot2" presStyleCnt="0">
+    <dgm:pt modelId="{CB89A7F9-D93E-544C-9B26-8AC044747355}" type="pres">
+      <dgm:prSet presAssocID="{E2DD94BE-9924-FD4F-BD9C-EF11C2A5E1FE}" presName="hierRoot3" presStyleCnt="0">
         <dgm:presLayoutVars>
           <dgm:hierBranch val="init"/>
         </dgm:presLayoutVars>
       </dgm:prSet>
       <dgm:spPr/>
     </dgm:pt>
-    <dgm:pt modelId="{C60E2F0B-5BB8-A04B-B4E5-C46761584774}" type="pres">
-      <dgm:prSet presAssocID="{D3D891F4-BE76-0A46-B975-D876B7F5B8F5}" presName="rootComposite" presStyleCnt="0"/>
-      <dgm:spPr/>
-    </dgm:pt>
-    <dgm:pt modelId="{3DC9F3B8-5FCF-0943-AEE8-52463F5D94C4}" type="pres">
-      <dgm:prSet presAssocID="{D3D891F4-BE76-0A46-B975-D876B7F5B8F5}" presName="rootText" presStyleLbl="node3" presStyleIdx="3" presStyleCnt="4">
+    <dgm:pt modelId="{82CE32DD-B110-0344-A623-CA4847E4F299}" type="pres">
+      <dgm:prSet presAssocID="{E2DD94BE-9924-FD4F-BD9C-EF11C2A5E1FE}" presName="rootComposite3" presStyleCnt="0"/>
+      <dgm:spPr/>
+    </dgm:pt>
+    <dgm:pt modelId="{2CBF5CFC-6793-4A43-A77C-E0C8EBF8041C}" type="pres">
+      <dgm:prSet presAssocID="{E2DD94BE-9924-FD4F-BD9C-EF11C2A5E1FE}" presName="rootText3" presStyleLbl="asst1" presStyleIdx="11" presStyleCnt="16">
         <dgm:presLayoutVars>
           <dgm:chPref val="3"/>
         </dgm:presLayoutVars>
@@ -2293,8 +2440,8 @@
         </a:p>
       </dgm:t>
     </dgm:pt>
-    <dgm:pt modelId="{FAD13A44-F5A9-BD40-8E9B-4AA279F1115A}" type="pres">
-      <dgm:prSet presAssocID="{D3D891F4-BE76-0A46-B975-D876B7F5B8F5}" presName="rootConnector" presStyleLbl="node3" presStyleIdx="3" presStyleCnt="4"/>
+    <dgm:pt modelId="{20AC85B9-242F-6144-BC97-D334B118CAF6}" type="pres">
+      <dgm:prSet presAssocID="{E2DD94BE-9924-FD4F-BD9C-EF11C2A5E1FE}" presName="rootConnector3" presStyleLbl="asst1" presStyleIdx="11" presStyleCnt="16"/>
       <dgm:spPr/>
       <dgm:t>
         <a:bodyPr/>
@@ -2304,12 +2451,16 @@
         </a:p>
       </dgm:t>
     </dgm:pt>
-    <dgm:pt modelId="{60FCAD0C-D8C9-0743-A310-4CFB5B9FF270}" type="pres">
-      <dgm:prSet presAssocID="{D3D891F4-BE76-0A46-B975-D876B7F5B8F5}" presName="hierChild4" presStyleCnt="0"/>
-      <dgm:spPr/>
-    </dgm:pt>
-    <dgm:pt modelId="{630AA2EF-5A05-F94D-9D81-38F5252D5515}" type="pres">
-      <dgm:prSet presAssocID="{42C5CB5A-2BF8-7B4D-9B53-65A1DE6A77C3}" presName="Name37" presStyleLbl="parChTrans1D4" presStyleIdx="6" presStyleCnt="8"/>
+    <dgm:pt modelId="{058E9145-644C-044E-A022-2FC1E120B458}" type="pres">
+      <dgm:prSet presAssocID="{E2DD94BE-9924-FD4F-BD9C-EF11C2A5E1FE}" presName="hierChild6" presStyleCnt="0"/>
+      <dgm:spPr/>
+    </dgm:pt>
+    <dgm:pt modelId="{5AB87BB2-C15A-5246-AD26-6C42E2B0FB67}" type="pres">
+      <dgm:prSet presAssocID="{E2DD94BE-9924-FD4F-BD9C-EF11C2A5E1FE}" presName="hierChild7" presStyleCnt="0"/>
+      <dgm:spPr/>
+    </dgm:pt>
+    <dgm:pt modelId="{6618449D-EDA0-6744-AEEB-411ED6B34488}" type="pres">
+      <dgm:prSet presAssocID="{030F8FBE-5C00-EB46-8569-74F78D6E91BD}" presName="Name111" presStyleLbl="parChTrans1D4" presStyleIdx="9" presStyleCnt="12"/>
       <dgm:spPr/>
       <dgm:t>
         <a:bodyPr/>
@@ -2319,20 +2470,20 @@
         </a:p>
       </dgm:t>
     </dgm:pt>
-    <dgm:pt modelId="{D7BEC73F-6CEB-7B46-A225-E7B9F46D3854}" type="pres">
-      <dgm:prSet presAssocID="{0422570D-10AC-CC4A-90B6-FC67DA2D91EE}" presName="hierRoot2" presStyleCnt="0">
+    <dgm:pt modelId="{5A70814E-A589-F54F-9BA7-29FF99AADF6D}" type="pres">
+      <dgm:prSet presAssocID="{53D59C77-EEF9-EF42-B8EA-82200540187C}" presName="hierRoot3" presStyleCnt="0">
         <dgm:presLayoutVars>
           <dgm:hierBranch val="init"/>
         </dgm:presLayoutVars>
       </dgm:prSet>
       <dgm:spPr/>
     </dgm:pt>
-    <dgm:pt modelId="{38DACFAF-E1BE-5F4D-BC05-63BA21C23DE4}" type="pres">
-      <dgm:prSet presAssocID="{0422570D-10AC-CC4A-90B6-FC67DA2D91EE}" presName="rootComposite" presStyleCnt="0"/>
-      <dgm:spPr/>
-    </dgm:pt>
-    <dgm:pt modelId="{89E120FF-B3C4-B245-B292-AC85BF79CF44}" type="pres">
-      <dgm:prSet presAssocID="{0422570D-10AC-CC4A-90B6-FC67DA2D91EE}" presName="rootText" presStyleLbl="node4" presStyleIdx="6" presStyleCnt="8">
+    <dgm:pt modelId="{B9D06180-4B1B-6A44-8029-0B09D6CE18D2}" type="pres">
+      <dgm:prSet presAssocID="{53D59C77-EEF9-EF42-B8EA-82200540187C}" presName="rootComposite3" presStyleCnt="0"/>
+      <dgm:spPr/>
+    </dgm:pt>
+    <dgm:pt modelId="{3F1B7588-5F5B-F14D-BF32-D0B86CA66BF6}" type="pres">
+      <dgm:prSet presAssocID="{53D59C77-EEF9-EF42-B8EA-82200540187C}" presName="rootText3" presStyleLbl="asst1" presStyleIdx="12" presStyleCnt="16">
         <dgm:presLayoutVars>
           <dgm:chPref val="3"/>
         </dgm:presLayoutVars>
@@ -2346,8 +2497,8 @@
         </a:p>
       </dgm:t>
     </dgm:pt>
-    <dgm:pt modelId="{1C8F00FB-D55A-CF48-B1E6-AA7F4F5CF5D9}" type="pres">
-      <dgm:prSet presAssocID="{0422570D-10AC-CC4A-90B6-FC67DA2D91EE}" presName="rootConnector" presStyleLbl="node4" presStyleIdx="6" presStyleCnt="8"/>
+    <dgm:pt modelId="{D182F65B-24DC-394A-9A9D-94D3582CAEA1}" type="pres">
+      <dgm:prSet presAssocID="{53D59C77-EEF9-EF42-B8EA-82200540187C}" presName="rootConnector3" presStyleLbl="asst1" presStyleIdx="12" presStyleCnt="16"/>
       <dgm:spPr/>
       <dgm:t>
         <a:bodyPr/>
@@ -2357,16 +2508,16 @@
         </a:p>
       </dgm:t>
     </dgm:pt>
-    <dgm:pt modelId="{5C4A8DB8-752F-454E-9867-ACCD46345322}" type="pres">
-      <dgm:prSet presAssocID="{0422570D-10AC-CC4A-90B6-FC67DA2D91EE}" presName="hierChild4" presStyleCnt="0"/>
-      <dgm:spPr/>
-    </dgm:pt>
-    <dgm:pt modelId="{504F756F-58D3-B544-A78F-A02485F7D1CD}" type="pres">
-      <dgm:prSet presAssocID="{0422570D-10AC-CC4A-90B6-FC67DA2D91EE}" presName="hierChild5" presStyleCnt="0"/>
-      <dgm:spPr/>
-    </dgm:pt>
-    <dgm:pt modelId="{12E80F47-383C-F547-8C6E-A58FB4BC8E0E}" type="pres">
-      <dgm:prSet presAssocID="{60C64920-22E9-3842-910F-029BD0EA31E3}" presName="Name37" presStyleLbl="parChTrans1D4" presStyleIdx="7" presStyleCnt="8"/>
+    <dgm:pt modelId="{D8453D32-5F30-A245-B78D-A3BD9417E19C}" type="pres">
+      <dgm:prSet presAssocID="{53D59C77-EEF9-EF42-B8EA-82200540187C}" presName="hierChild6" presStyleCnt="0"/>
+      <dgm:spPr/>
+    </dgm:pt>
+    <dgm:pt modelId="{4175B700-3183-9346-9D67-679C95284241}" type="pres">
+      <dgm:prSet presAssocID="{53D59C77-EEF9-EF42-B8EA-82200540187C}" presName="hierChild7" presStyleCnt="0"/>
+      <dgm:spPr/>
+    </dgm:pt>
+    <dgm:pt modelId="{29509E23-8F22-4B4B-BC07-B3485ADCEF10}" type="pres">
+      <dgm:prSet presAssocID="{B5F1E37A-7C75-334A-973B-22B9796BF069}" presName="Name111" presStyleLbl="parChTrans1D4" presStyleIdx="10" presStyleCnt="12"/>
       <dgm:spPr/>
       <dgm:t>
         <a:bodyPr/>
@@ -2376,20 +2527,20 @@
         </a:p>
       </dgm:t>
     </dgm:pt>
-    <dgm:pt modelId="{AF6E72FD-1286-F449-A6FC-778F2A7F407D}" type="pres">
-      <dgm:prSet presAssocID="{8D13685A-CF06-714A-B384-6F541A37C9EE}" presName="hierRoot2" presStyleCnt="0">
+    <dgm:pt modelId="{976B2781-D720-4549-8311-9FBE75AD8B39}" type="pres">
+      <dgm:prSet presAssocID="{575F584D-6F82-AA40-BE43-A7410514A505}" presName="hierRoot3" presStyleCnt="0">
         <dgm:presLayoutVars>
           <dgm:hierBranch val="init"/>
         </dgm:presLayoutVars>
       </dgm:prSet>
       <dgm:spPr/>
     </dgm:pt>
-    <dgm:pt modelId="{FF5C8353-4F7C-4A47-8337-C317E5026CDB}" type="pres">
-      <dgm:prSet presAssocID="{8D13685A-CF06-714A-B384-6F541A37C9EE}" presName="rootComposite" presStyleCnt="0"/>
-      <dgm:spPr/>
-    </dgm:pt>
-    <dgm:pt modelId="{55AF4930-3CD8-5C4E-A716-2B71937E55AD}" type="pres">
-      <dgm:prSet presAssocID="{8D13685A-CF06-714A-B384-6F541A37C9EE}" presName="rootText" presStyleLbl="node4" presStyleIdx="7" presStyleCnt="8">
+    <dgm:pt modelId="{B922442B-253E-A547-95B9-5CE819E57664}" type="pres">
+      <dgm:prSet presAssocID="{575F584D-6F82-AA40-BE43-A7410514A505}" presName="rootComposite3" presStyleCnt="0"/>
+      <dgm:spPr/>
+    </dgm:pt>
+    <dgm:pt modelId="{67D03EB7-8959-3A49-904F-C23B65264F2C}" type="pres">
+      <dgm:prSet presAssocID="{575F584D-6F82-AA40-BE43-A7410514A505}" presName="rootText3" presStyleLbl="asst1" presStyleIdx="13" presStyleCnt="16">
         <dgm:presLayoutVars>
           <dgm:chPref val="3"/>
         </dgm:presLayoutVars>
@@ -2403,8 +2554,8 @@
         </a:p>
       </dgm:t>
     </dgm:pt>
-    <dgm:pt modelId="{7B5D445E-07D7-F54C-9536-0AE916EECAFC}" type="pres">
-      <dgm:prSet presAssocID="{8D13685A-CF06-714A-B384-6F541A37C9EE}" presName="rootConnector" presStyleLbl="node4" presStyleIdx="7" presStyleCnt="8"/>
+    <dgm:pt modelId="{D64F82C7-52F0-4B45-8364-EB937D747733}" type="pres">
+      <dgm:prSet presAssocID="{575F584D-6F82-AA40-BE43-A7410514A505}" presName="rootConnector3" presStyleLbl="asst1" presStyleIdx="13" presStyleCnt="16"/>
       <dgm:spPr/>
       <dgm:t>
         <a:bodyPr/>
@@ -2414,192 +2565,316 @@
         </a:p>
       </dgm:t>
     </dgm:pt>
-    <dgm:pt modelId="{302D994E-A5F0-1F41-A87C-D1DE6E023CCD}" type="pres">
-      <dgm:prSet presAssocID="{8D13685A-CF06-714A-B384-6F541A37C9EE}" presName="hierChild4" presStyleCnt="0"/>
-      <dgm:spPr/>
-    </dgm:pt>
-    <dgm:pt modelId="{358B03D8-8F84-B44B-8458-6DEB29A0467F}" type="pres">
-      <dgm:prSet presAssocID="{8D13685A-CF06-714A-B384-6F541A37C9EE}" presName="hierChild5" presStyleCnt="0"/>
-      <dgm:spPr/>
-    </dgm:pt>
-    <dgm:pt modelId="{EE1E95E5-A343-E248-9DD7-0FE05A7EE9B3}" type="pres">
-      <dgm:prSet presAssocID="{D3D891F4-BE76-0A46-B975-D876B7F5B8F5}" presName="hierChild5" presStyleCnt="0"/>
-      <dgm:spPr/>
-    </dgm:pt>
-    <dgm:pt modelId="{9995457E-A7C1-B248-A981-D4C595642532}" type="pres">
-      <dgm:prSet presAssocID="{5E84341D-E6CB-E040-B7B5-BB35B8C5A408}" presName="hierChild5" presStyleCnt="0"/>
-      <dgm:spPr/>
-    </dgm:pt>
-    <dgm:pt modelId="{69197907-1D7F-2C4C-89B6-5106C44C2162}" type="pres">
-      <dgm:prSet presAssocID="{0E529B02-F889-2C4F-A4F2-305ECF03A710}" presName="hierChild3" presStyleCnt="0"/>
+    <dgm:pt modelId="{DC806591-B722-2544-A4A8-5A8B16D554C0}" type="pres">
+      <dgm:prSet presAssocID="{575F584D-6F82-AA40-BE43-A7410514A505}" presName="hierChild6" presStyleCnt="0"/>
+      <dgm:spPr/>
+    </dgm:pt>
+    <dgm:pt modelId="{66674E18-8E16-2646-942E-39FD47492F48}" type="pres">
+      <dgm:prSet presAssocID="{575F584D-6F82-AA40-BE43-A7410514A505}" presName="hierChild7" presStyleCnt="0"/>
+      <dgm:spPr/>
+    </dgm:pt>
+    <dgm:pt modelId="{DE12D51C-CDA5-594A-B36D-AC9E49E468F0}" type="pres">
+      <dgm:prSet presAssocID="{203D92FB-9ACD-0540-BEBF-95A2E242E467}" presName="Name111" presStyleLbl="parChTrans1D4" presStyleIdx="11" presStyleCnt="12"/>
+      <dgm:spPr/>
+      <dgm:t>
+        <a:bodyPr/>
+        <a:lstStyle/>
+        <a:p>
+          <a:endParaRPr lang="en-US"/>
+        </a:p>
+      </dgm:t>
+    </dgm:pt>
+    <dgm:pt modelId="{D6129DDE-2134-5E47-99A4-E7973A131B07}" type="pres">
+      <dgm:prSet presAssocID="{D9AA8733-1AF8-9648-9A0D-1001A8D48E0C}" presName="hierRoot3" presStyleCnt="0">
+        <dgm:presLayoutVars>
+          <dgm:hierBranch val="init"/>
+        </dgm:presLayoutVars>
+      </dgm:prSet>
+      <dgm:spPr/>
+    </dgm:pt>
+    <dgm:pt modelId="{23956C65-8C67-764E-B430-9731EAF70F0B}" type="pres">
+      <dgm:prSet presAssocID="{D9AA8733-1AF8-9648-9A0D-1001A8D48E0C}" presName="rootComposite3" presStyleCnt="0"/>
+      <dgm:spPr/>
+    </dgm:pt>
+    <dgm:pt modelId="{86E672AC-64D9-7743-A245-4C98F2FB7D6D}" type="pres">
+      <dgm:prSet presAssocID="{D9AA8733-1AF8-9648-9A0D-1001A8D48E0C}" presName="rootText3" presStyleLbl="asst1" presStyleIdx="14" presStyleCnt="16">
+        <dgm:presLayoutVars>
+          <dgm:chPref val="3"/>
+        </dgm:presLayoutVars>
+      </dgm:prSet>
+      <dgm:spPr/>
+      <dgm:t>
+        <a:bodyPr/>
+        <a:lstStyle/>
+        <a:p>
+          <a:endParaRPr lang="en-US"/>
+        </a:p>
+      </dgm:t>
+    </dgm:pt>
+    <dgm:pt modelId="{98F9D4E1-6C74-BB41-8560-E59BE6A41F9F}" type="pres">
+      <dgm:prSet presAssocID="{D9AA8733-1AF8-9648-9A0D-1001A8D48E0C}" presName="rootConnector3" presStyleLbl="asst1" presStyleIdx="14" presStyleCnt="16"/>
+      <dgm:spPr/>
+      <dgm:t>
+        <a:bodyPr/>
+        <a:lstStyle/>
+        <a:p>
+          <a:endParaRPr lang="en-US"/>
+        </a:p>
+      </dgm:t>
+    </dgm:pt>
+    <dgm:pt modelId="{FFC83F91-D714-A94D-B270-F1301C7E477B}" type="pres">
+      <dgm:prSet presAssocID="{D9AA8733-1AF8-9648-9A0D-1001A8D48E0C}" presName="hierChild6" presStyleCnt="0"/>
+      <dgm:spPr/>
+    </dgm:pt>
+    <dgm:pt modelId="{28AF2772-34B9-D646-B90D-170E2C26198C}" type="pres">
+      <dgm:prSet presAssocID="{D9AA8733-1AF8-9648-9A0D-1001A8D48E0C}" presName="hierChild7" presStyleCnt="0"/>
+      <dgm:spPr/>
+    </dgm:pt>
+    <dgm:pt modelId="{79043C15-26D5-EA46-A12D-84039326A8B4}" type="pres">
+      <dgm:prSet presAssocID="{DF1DEEE5-8706-B444-B3B0-0D41B811858C}" presName="Name111" presStyleLbl="parChTrans1D2" presStyleIdx="1" presStyleCnt="2"/>
+      <dgm:spPr/>
+      <dgm:t>
+        <a:bodyPr/>
+        <a:lstStyle/>
+        <a:p>
+          <a:endParaRPr lang="en-US"/>
+        </a:p>
+      </dgm:t>
+    </dgm:pt>
+    <dgm:pt modelId="{B1ED2D1D-92D8-1244-B9B3-B3E69CD0E4E5}" type="pres">
+      <dgm:prSet presAssocID="{3A901571-79DA-5C4D-8BFB-28BEF5C723F1}" presName="hierRoot3" presStyleCnt="0">
+        <dgm:presLayoutVars>
+          <dgm:hierBranch val="init"/>
+        </dgm:presLayoutVars>
+      </dgm:prSet>
+      <dgm:spPr/>
+    </dgm:pt>
+    <dgm:pt modelId="{11975579-73D8-1543-9C59-142F490A629A}" type="pres">
+      <dgm:prSet presAssocID="{3A901571-79DA-5C4D-8BFB-28BEF5C723F1}" presName="rootComposite3" presStyleCnt="0"/>
+      <dgm:spPr/>
+    </dgm:pt>
+    <dgm:pt modelId="{F1409012-190F-9745-A0DB-1D229F54ADC9}" type="pres">
+      <dgm:prSet presAssocID="{3A901571-79DA-5C4D-8BFB-28BEF5C723F1}" presName="rootText3" presStyleLbl="asst1" presStyleIdx="15" presStyleCnt="16">
+        <dgm:presLayoutVars>
+          <dgm:chPref val="3"/>
+        </dgm:presLayoutVars>
+      </dgm:prSet>
+      <dgm:spPr/>
+      <dgm:t>
+        <a:bodyPr/>
+        <a:lstStyle/>
+        <a:p>
+          <a:endParaRPr lang="en-US"/>
+        </a:p>
+      </dgm:t>
+    </dgm:pt>
+    <dgm:pt modelId="{2FE5219C-1A7A-274E-886A-472C69E572E7}" type="pres">
+      <dgm:prSet presAssocID="{3A901571-79DA-5C4D-8BFB-28BEF5C723F1}" presName="rootConnector3" presStyleLbl="asst1" presStyleIdx="15" presStyleCnt="16"/>
+      <dgm:spPr/>
+      <dgm:t>
+        <a:bodyPr/>
+        <a:lstStyle/>
+        <a:p>
+          <a:endParaRPr lang="en-US"/>
+        </a:p>
+      </dgm:t>
+    </dgm:pt>
+    <dgm:pt modelId="{EDD12299-CDF6-C64B-B413-A3CC15CE5BD6}" type="pres">
+      <dgm:prSet presAssocID="{3A901571-79DA-5C4D-8BFB-28BEF5C723F1}" presName="hierChild6" presStyleCnt="0"/>
+      <dgm:spPr/>
+    </dgm:pt>
+    <dgm:pt modelId="{5BD93CDD-3428-9346-9971-00F1C048DCBD}" type="pres">
+      <dgm:prSet presAssocID="{3A901571-79DA-5C4D-8BFB-28BEF5C723F1}" presName="hierChild7" presStyleCnt="0"/>
       <dgm:spPr/>
     </dgm:pt>
   </dgm:ptLst>
   <dgm:cxnLst>
-    <dgm:cxn modelId="{0CDAAB64-B93E-0346-9030-511CD27FD466}" type="presOf" srcId="{8D13685A-CF06-714A-B384-6F541A37C9EE}" destId="{55AF4930-3CD8-5C4E-A716-2B71937E55AD}" srcOrd="0" destOrd="0" presId="urn:microsoft.com/office/officeart/2005/8/layout/orgChart1"/>
-    <dgm:cxn modelId="{F73E42A9-FC68-1347-87A7-021B4C6DFBAA}" type="presOf" srcId="{18CC90F8-FF6F-6049-A7C3-CA57D395096E}" destId="{9FD97A98-5551-8E42-9551-242017FCE71D}" srcOrd="0" destOrd="0" presId="urn:microsoft.com/office/officeart/2005/8/layout/orgChart1"/>
-    <dgm:cxn modelId="{39D78F71-CF73-AF49-B1AF-8AA2FD077269}" srcId="{0E529B02-F889-2C4F-A4F2-305ECF03A710}" destId="{5E84341D-E6CB-E040-B7B5-BB35B8C5A408}" srcOrd="1" destOrd="0" parTransId="{02F1D067-90FA-7D4F-9453-3FE5B220E958}" sibTransId="{7DF53E2E-CC1D-7D48-A666-E66870A451A1}"/>
-    <dgm:cxn modelId="{088C6231-B835-674A-824D-A9A61843CA09}" type="presOf" srcId="{8D746040-6F12-E64B-9FDE-C6872260932E}" destId="{D1696313-5BB4-334C-A900-ED415A2FEEFC}" srcOrd="0" destOrd="0" presId="urn:microsoft.com/office/officeart/2005/8/layout/orgChart1"/>
-    <dgm:cxn modelId="{0EA9B645-AC52-6642-B232-7FE9AEEFFD0C}" type="presOf" srcId="{0422570D-10AC-CC4A-90B6-FC67DA2D91EE}" destId="{1C8F00FB-D55A-CF48-B1E6-AA7F4F5CF5D9}" srcOrd="1" destOrd="0" presId="urn:microsoft.com/office/officeart/2005/8/layout/orgChart1"/>
-    <dgm:cxn modelId="{DF167B49-4726-2946-849B-3C34E5848BE9}" type="presOf" srcId="{CFB72B45-EAC5-AD44-9306-BF3E82B0ECF6}" destId="{C3336828-9D95-BD4A-BD90-C08166A72756}" srcOrd="0" destOrd="0" presId="urn:microsoft.com/office/officeart/2005/8/layout/orgChart1"/>
-    <dgm:cxn modelId="{3F2EBBA2-A523-2F48-8AFD-16DB1D7D4346}" srcId="{20B66E31-72BD-5644-9F23-DA053E253F59}" destId="{25758D81-7AFE-DA45-BEEB-C8D09118A050}" srcOrd="0" destOrd="0" parTransId="{ECCBF903-FEC3-4747-B639-3B9455F48B44}" sibTransId="{2F87C1B3-E516-EC41-BB69-963F4E42519D}"/>
-    <dgm:cxn modelId="{003F199D-E225-DA4A-9279-6C7DAF93235C}" type="presOf" srcId="{0AD4DF23-E10D-8A44-8138-8EF890595BE8}" destId="{770BCB2C-13EA-7847-B954-2DE1CE0A3E57}" srcOrd="1" destOrd="0" presId="urn:microsoft.com/office/officeart/2005/8/layout/orgChart1"/>
-    <dgm:cxn modelId="{B4FF3875-9C09-6C4F-86B9-60A5E5EEE53F}" type="presOf" srcId="{25758D81-7AFE-DA45-BEEB-C8D09118A050}" destId="{99C71DCA-6102-0D44-ADEA-D4B765A2D8D4}" srcOrd="1" destOrd="0" presId="urn:microsoft.com/office/officeart/2005/8/layout/orgChart1"/>
-    <dgm:cxn modelId="{72815507-21EA-F343-A37B-7268478995E7}" type="presOf" srcId="{20B66E31-72BD-5644-9F23-DA053E253F59}" destId="{C7441A9C-F34A-9749-A3A7-6AD557A22C83}" srcOrd="1" destOrd="0" presId="urn:microsoft.com/office/officeart/2005/8/layout/orgChart1"/>
-    <dgm:cxn modelId="{5C4FACCC-3962-9E42-90BC-8832B7F20B5F}" type="presOf" srcId="{1B280FCD-6B8D-074B-9030-E81A3AE289DB}" destId="{69300422-F611-5B41-BBDE-CF070902C6A9}" srcOrd="0" destOrd="0" presId="urn:microsoft.com/office/officeart/2005/8/layout/orgChart1"/>
-    <dgm:cxn modelId="{9EC1F2D2-8779-AD44-B0B9-BAA1D671F5E7}" type="presOf" srcId="{02F1D067-90FA-7D4F-9453-3FE5B220E958}" destId="{ED533780-CF74-A941-8170-586C60235AF5}" srcOrd="0" destOrd="0" presId="urn:microsoft.com/office/officeart/2005/8/layout/orgChart1"/>
-    <dgm:cxn modelId="{F8F6C86E-39D4-4F48-B840-6001BF8463E5}" type="presOf" srcId="{D3D891F4-BE76-0A46-B975-D876B7F5B8F5}" destId="{3DC9F3B8-5FCF-0943-AEE8-52463F5D94C4}" srcOrd="0" destOrd="0" presId="urn:microsoft.com/office/officeart/2005/8/layout/orgChart1"/>
-    <dgm:cxn modelId="{E1460929-9AD5-FF46-89DC-33553F599D6C}" type="presOf" srcId="{7302839D-C026-F54C-BAE9-ACC5053E04B3}" destId="{C1A5ED5B-F9D9-D248-A87C-BAEC45BFEB86}" srcOrd="0" destOrd="0" presId="urn:microsoft.com/office/officeart/2005/8/layout/orgChart1"/>
-    <dgm:cxn modelId="{EDA69F71-218B-9F43-B745-22E63301525D}" type="presOf" srcId="{25758D81-7AFE-DA45-BEEB-C8D09118A050}" destId="{59BF2708-A71C-B24B-91C4-7B6586B34316}" srcOrd="0" destOrd="0" presId="urn:microsoft.com/office/officeart/2005/8/layout/orgChart1"/>
-    <dgm:cxn modelId="{FE7A12EE-7996-F944-84A0-4F790AFC40F9}" srcId="{5E84341D-E6CB-E040-B7B5-BB35B8C5A408}" destId="{D3D891F4-BE76-0A46-B975-D876B7F5B8F5}" srcOrd="1" destOrd="0" parTransId="{EB01117B-2E5A-3845-A572-205C8B5BED80}" sibTransId="{A946045D-98CF-FF44-9556-213A0966CA1C}"/>
-    <dgm:cxn modelId="{7179BFF1-9500-5A44-8D8C-F64F26C2DAB6}" type="presOf" srcId="{7A1447BB-FD57-3E40-B66F-BF3E2B6272EB}" destId="{B1F0EF1F-382A-9447-8F23-FD0C4C2126CF}" srcOrd="0" destOrd="0" presId="urn:microsoft.com/office/officeart/2005/8/layout/orgChart1"/>
-    <dgm:cxn modelId="{7082AE56-7693-7245-B91A-EDC8BFF45D74}" type="presOf" srcId="{42C5CB5A-2BF8-7B4D-9B53-65A1DE6A77C3}" destId="{630AA2EF-5A05-F94D-9D81-38F5252D5515}" srcOrd="0" destOrd="0" presId="urn:microsoft.com/office/officeart/2005/8/layout/orgChart1"/>
-    <dgm:cxn modelId="{ED62F87C-9E11-D640-8DFB-D5516D9C6CAE}" type="presOf" srcId="{5E84341D-E6CB-E040-B7B5-BB35B8C5A408}" destId="{83245643-CCF7-A746-8A15-0D6A3A865905}" srcOrd="1" destOrd="0" presId="urn:microsoft.com/office/officeart/2005/8/layout/orgChart1"/>
-    <dgm:cxn modelId="{B38F3E65-6C8D-C641-B4E7-A87831042A68}" type="presOf" srcId="{0AD4DF23-E10D-8A44-8138-8EF890595BE8}" destId="{9313986E-C68D-3741-B66E-4E51DE730B10}" srcOrd="0" destOrd="0" presId="urn:microsoft.com/office/officeart/2005/8/layout/orgChart1"/>
-    <dgm:cxn modelId="{E9117CC1-6E0B-8249-A76B-A6ED0D9DC1C0}" type="presOf" srcId="{D3D891F4-BE76-0A46-B975-D876B7F5B8F5}" destId="{FAD13A44-F5A9-BD40-8E9B-4AA279F1115A}" srcOrd="1" destOrd="0" presId="urn:microsoft.com/office/officeart/2005/8/layout/orgChart1"/>
-    <dgm:cxn modelId="{A41AFE7E-D414-4243-B021-BBD5D3E09451}" srcId="{20B66E31-72BD-5644-9F23-DA053E253F59}" destId="{8FE33D38-FD75-F244-9906-4EE3DE0A2A62}" srcOrd="1" destOrd="0" parTransId="{7A1447BB-FD57-3E40-B66F-BF3E2B6272EB}" sibTransId="{3F08005F-7074-1545-85B9-C35DB5EC4F32}"/>
-    <dgm:cxn modelId="{A852107A-09C3-3C49-B020-C2D928119403}" type="presOf" srcId="{0E529B02-F889-2C4F-A4F2-305ECF03A710}" destId="{51B0D0B4-0CBD-1249-B51C-D6B0E8640ACC}" srcOrd="1" destOrd="0" presId="urn:microsoft.com/office/officeart/2005/8/layout/orgChart1"/>
-    <dgm:cxn modelId="{9DA6E73B-EA1F-624F-A298-D16847280244}" srcId="{7E55B6FB-3A45-B645-9AD0-3E5E332D710B}" destId="{0E529B02-F889-2C4F-A4F2-305ECF03A710}" srcOrd="0" destOrd="0" parTransId="{FB94FFFD-A0B1-CF40-84A3-D66C94BE93F7}" sibTransId="{6CF816D6-D08E-0C49-A6AA-7511EA132B68}"/>
-    <dgm:cxn modelId="{02B0F7FC-1788-2548-AFA9-719A4755AF43}" type="presOf" srcId="{8D746040-6F12-E64B-9FDE-C6872260932E}" destId="{0DBBEE84-A03F-9243-B8BC-BFC2FFEF0A07}" srcOrd="1" destOrd="0" presId="urn:microsoft.com/office/officeart/2005/8/layout/orgChart1"/>
-    <dgm:cxn modelId="{F4CF13D6-6879-874B-BECB-90A708E33068}" type="presOf" srcId="{0422570D-10AC-CC4A-90B6-FC67DA2D91EE}" destId="{89E120FF-B3C4-B245-B292-AC85BF79CF44}" srcOrd="0" destOrd="0" presId="urn:microsoft.com/office/officeart/2005/8/layout/orgChart1"/>
-    <dgm:cxn modelId="{4E0D32CE-3422-E140-ADEE-6873C05B38F3}" type="presOf" srcId="{C6047794-0295-ED49-86D7-40CEE7F37F32}" destId="{F424F23C-8094-474C-A2A4-120E734654AA}" srcOrd="1" destOrd="0" presId="urn:microsoft.com/office/officeart/2005/8/layout/orgChart1"/>
-    <dgm:cxn modelId="{A9D8F985-A91D-EA44-91CF-D95FBE2E1B8F}" srcId="{1B280FCD-6B8D-074B-9030-E81A3AE289DB}" destId="{8D746040-6F12-E64B-9FDE-C6872260932E}" srcOrd="0" destOrd="0" parTransId="{AE9378F8-38E9-ED4D-B280-C499D6DCDFB8}" sibTransId="{DD5A1AE7-0AFD-DB48-BB2F-F403F73826CA}"/>
-    <dgm:cxn modelId="{ED163020-8524-0E46-AAA8-6A78D8A8DA67}" srcId="{5E84341D-E6CB-E040-B7B5-BB35B8C5A408}" destId="{1B280FCD-6B8D-074B-9030-E81A3AE289DB}" srcOrd="0" destOrd="0" parTransId="{CFB72B45-EAC5-AD44-9306-BF3E82B0ECF6}" sibTransId="{0ABB84AC-3647-AE4B-9F38-61E32FA210CB}"/>
-    <dgm:cxn modelId="{AC15B577-F4BF-BC46-9721-3ADF0445E62A}" type="presOf" srcId="{7E55B6FB-3A45-B645-9AD0-3E5E332D710B}" destId="{0F1459A8-0ACB-954C-BFD0-E63601BF2EF2}" srcOrd="0" destOrd="0" presId="urn:microsoft.com/office/officeart/2005/8/layout/orgChart1"/>
-    <dgm:cxn modelId="{1A1E1772-7468-8645-968A-18A44108DC4E}" srcId="{1B280FCD-6B8D-074B-9030-E81A3AE289DB}" destId="{FE941AE3-A040-4F4C-A45C-62C25A60431F}" srcOrd="1" destOrd="0" parTransId="{47CCF784-9054-484A-9DBA-22A5105626C4}" sibTransId="{783AC08F-E22F-E44E-B718-932514670D88}"/>
-    <dgm:cxn modelId="{DA32CCA5-6299-1949-8122-1CD9460CC11B}" type="presOf" srcId="{8D13685A-CF06-714A-B384-6F541A37C9EE}" destId="{7B5D445E-07D7-F54C-9536-0AE916EECAFC}" srcOrd="1" destOrd="0" presId="urn:microsoft.com/office/officeart/2005/8/layout/orgChart1"/>
-    <dgm:cxn modelId="{CC905EB6-2F25-9242-A2A4-3A4BAE3D8EFB}" type="presOf" srcId="{5E84341D-E6CB-E040-B7B5-BB35B8C5A408}" destId="{CB4B1E00-3F6F-0141-B853-64DAF0CF8052}" srcOrd="0" destOrd="0" presId="urn:microsoft.com/office/officeart/2005/8/layout/orgChart1"/>
-    <dgm:cxn modelId="{FA367868-8088-2740-993A-D0279B6430B4}" type="presOf" srcId="{FFE2D5D6-8B29-344A-9A29-D4E26A0B934E}" destId="{46DA980C-37B7-0143-B3E2-3809AAA34A52}" srcOrd="0" destOrd="0" presId="urn:microsoft.com/office/officeart/2005/8/layout/orgChart1"/>
-    <dgm:cxn modelId="{78546C1D-1C7C-DD49-93C6-F153E61BE99A}" type="presOf" srcId="{6FE0B9F0-E080-F346-A66D-2D2AB94CFF7D}" destId="{572D9688-9644-F24C-B170-8500A408C725}" srcOrd="0" destOrd="0" presId="urn:microsoft.com/office/officeart/2005/8/layout/orgChart1"/>
-    <dgm:cxn modelId="{B07D1BC3-0F27-8449-B169-36366F11E8F1}" type="presOf" srcId="{ECCBF903-FEC3-4747-B639-3B9455F48B44}" destId="{F84516CE-3C4B-9349-A408-F5488B9DB1D9}" srcOrd="0" destOrd="0" presId="urn:microsoft.com/office/officeart/2005/8/layout/orgChart1"/>
-    <dgm:cxn modelId="{57B21916-7C47-FB4C-8A26-5AA1EB2C9653}" srcId="{D3D891F4-BE76-0A46-B975-D876B7F5B8F5}" destId="{0422570D-10AC-CC4A-90B6-FC67DA2D91EE}" srcOrd="0" destOrd="0" parTransId="{42C5CB5A-2BF8-7B4D-9B53-65A1DE6A77C3}" sibTransId="{1EE0D3D4-F07B-7D4D-ACCD-CEB6AFF22C69}"/>
-    <dgm:cxn modelId="{E937D9F0-FC2F-1747-8585-3CC11132BB2B}" type="presOf" srcId="{A1A0FA00-CBA1-C647-AA27-0F48444F1E9E}" destId="{AE16A76A-19E7-1A49-B006-CD828621F00F}" srcOrd="0" destOrd="0" presId="urn:microsoft.com/office/officeart/2005/8/layout/orgChart1"/>
-    <dgm:cxn modelId="{7DB28454-0FB8-8D48-80D8-E11591668EE1}" type="presOf" srcId="{C6047794-0295-ED49-86D7-40CEE7F37F32}" destId="{30528875-2FA9-7A43-812C-F5207B3DA35C}" srcOrd="0" destOrd="0" presId="urn:microsoft.com/office/officeart/2005/8/layout/orgChart1"/>
-    <dgm:cxn modelId="{A6BF2FE2-4A3B-F44D-870C-F7F91B36E041}" type="presOf" srcId="{EB01117B-2E5A-3845-A572-205C8B5BED80}" destId="{9BD65701-EA75-5547-972A-60049BBE031A}" srcOrd="0" destOrd="0" presId="urn:microsoft.com/office/officeart/2005/8/layout/orgChart1"/>
-    <dgm:cxn modelId="{3BD88602-FC8C-6A49-87B2-C341A99C782E}" type="presOf" srcId="{60C64920-22E9-3842-910F-029BD0EA31E3}" destId="{12E80F47-383C-F547-8C6E-A58FB4BC8E0E}" srcOrd="0" destOrd="0" presId="urn:microsoft.com/office/officeart/2005/8/layout/orgChart1"/>
-    <dgm:cxn modelId="{A812E2A4-36A8-CD44-9B85-4D085CBED5CC}" type="presOf" srcId="{8FE33D38-FD75-F244-9906-4EE3DE0A2A62}" destId="{B466E655-C63D-9144-B429-A76F86FEE820}" srcOrd="1" destOrd="0" presId="urn:microsoft.com/office/officeart/2005/8/layout/orgChart1"/>
-    <dgm:cxn modelId="{0C59F080-7762-DD4E-8F91-8B6B894C2B23}" type="presOf" srcId="{47CCF784-9054-484A-9DBA-22A5105626C4}" destId="{A0891B16-FFBF-2F41-BF1B-8F98A79E6775}" srcOrd="0" destOrd="0" presId="urn:microsoft.com/office/officeart/2005/8/layout/orgChart1"/>
-    <dgm:cxn modelId="{0B80714E-7888-294B-BA47-8685E454A20D}" srcId="{8FE33D38-FD75-F244-9906-4EE3DE0A2A62}" destId="{FFE2D5D6-8B29-344A-9A29-D4E26A0B934E}" srcOrd="1" destOrd="0" parTransId="{B0BE182D-2A41-E547-A5E1-07BFD6445A63}" sibTransId="{19E59CA0-83C3-DE4E-B42D-8F57F960D87E}"/>
-    <dgm:cxn modelId="{454A2D0B-700D-AA43-B35F-3A7750B90BC6}" type="presOf" srcId="{8FE33D38-FD75-F244-9906-4EE3DE0A2A62}" destId="{D85A0727-3D88-F14F-A4DC-7D5AF564AB75}" srcOrd="0" destOrd="0" presId="urn:microsoft.com/office/officeart/2005/8/layout/orgChart1"/>
-    <dgm:cxn modelId="{35F81B8D-2DC1-5148-B0D5-3C95AADF8143}" type="presOf" srcId="{20B66E31-72BD-5644-9F23-DA053E253F59}" destId="{F7874140-0CAF-5449-8A11-F0E202604FD6}" srcOrd="0" destOrd="0" presId="urn:microsoft.com/office/officeart/2005/8/layout/orgChart1"/>
-    <dgm:cxn modelId="{A1673F24-7E07-0945-968B-EC467EEDBB69}" type="presOf" srcId="{FFE2D5D6-8B29-344A-9A29-D4E26A0B934E}" destId="{616A860E-5E99-884F-BA1E-7BD6BE4896CC}" srcOrd="1" destOrd="0" presId="urn:microsoft.com/office/officeart/2005/8/layout/orgChart1"/>
-    <dgm:cxn modelId="{662FC865-1AFB-964E-8B0B-B068B5D607B5}" type="presOf" srcId="{9DF69462-43AA-1241-B8CA-93523DE66B1F}" destId="{C82180CD-AF04-BB4E-A875-AC7B3717345B}" srcOrd="0" destOrd="0" presId="urn:microsoft.com/office/officeart/2005/8/layout/orgChart1"/>
-    <dgm:cxn modelId="{0CBC4A21-19CE-F34F-B63B-383E0D8A406E}" srcId="{0E529B02-F889-2C4F-A4F2-305ECF03A710}" destId="{20B66E31-72BD-5644-9F23-DA053E253F59}" srcOrd="0" destOrd="0" parTransId="{18CC90F8-FF6F-6049-A7C3-CA57D395096E}" sibTransId="{412AB167-60BF-134E-AC11-99EB7D998A7C}"/>
-    <dgm:cxn modelId="{CCEB7933-1058-5C40-BABE-250B6F2A8CB3}" type="presOf" srcId="{1B280FCD-6B8D-074B-9030-E81A3AE289DB}" destId="{BEF261C1-1F16-FC4D-9E16-7C3615341469}" srcOrd="1" destOrd="0" presId="urn:microsoft.com/office/officeart/2005/8/layout/orgChart1"/>
-    <dgm:cxn modelId="{26D6BFD8-91F8-CF4A-BBB9-D677B0653B39}" type="presOf" srcId="{9DF69462-43AA-1241-B8CA-93523DE66B1F}" destId="{F48277F0-BE39-0949-99BA-B86607DE1595}" srcOrd="1" destOrd="0" presId="urn:microsoft.com/office/officeart/2005/8/layout/orgChart1"/>
-    <dgm:cxn modelId="{5E6DB98C-31AD-F14A-B555-DFD52E5E556B}" type="presOf" srcId="{AE9378F8-38E9-ED4D-B280-C499D6DCDFB8}" destId="{16DBC556-40F8-3A44-B908-02D45F20C0D2}" srcOrd="0" destOrd="0" presId="urn:microsoft.com/office/officeart/2005/8/layout/orgChart1"/>
-    <dgm:cxn modelId="{2E123835-54CF-6849-94C8-34FB1A08771D}" type="presOf" srcId="{FE941AE3-A040-4F4C-A45C-62C25A60431F}" destId="{CD247A22-0258-C548-9690-59C6A2BA20A0}" srcOrd="0" destOrd="0" presId="urn:microsoft.com/office/officeart/2005/8/layout/orgChart1"/>
-    <dgm:cxn modelId="{20FFFF95-2BE9-E143-81A0-71A4FEAB7CA2}" type="presOf" srcId="{0E529B02-F889-2C4F-A4F2-305ECF03A710}" destId="{8A896361-BFD2-BC4B-8C51-8BE9045FDF7A}" srcOrd="0" destOrd="0" presId="urn:microsoft.com/office/officeart/2005/8/layout/orgChart1"/>
-    <dgm:cxn modelId="{E0DB31AF-ACD2-EF44-84FE-C5001879CE66}" srcId="{25758D81-7AFE-DA45-BEEB-C8D09118A050}" destId="{0AD4DF23-E10D-8A44-8138-8EF890595BE8}" srcOrd="1" destOrd="0" parTransId="{A1A0FA00-CBA1-C647-AA27-0F48444F1E9E}" sibTransId="{05916FB1-7724-6A45-A6D1-20FAFD31DD4B}"/>
-    <dgm:cxn modelId="{B743FD91-ADD1-6F49-824F-79526E9AA875}" srcId="{D3D891F4-BE76-0A46-B975-D876B7F5B8F5}" destId="{8D13685A-CF06-714A-B384-6F541A37C9EE}" srcOrd="1" destOrd="0" parTransId="{60C64920-22E9-3842-910F-029BD0EA31E3}" sibTransId="{AA989667-56D2-D44A-A537-0D3C591614B9}"/>
-    <dgm:cxn modelId="{C157A786-450C-7540-8DC7-49ED7D82986B}" srcId="{25758D81-7AFE-DA45-BEEB-C8D09118A050}" destId="{C6047794-0295-ED49-86D7-40CEE7F37F32}" srcOrd="0" destOrd="0" parTransId="{6FE0B9F0-E080-F346-A66D-2D2AB94CFF7D}" sibTransId="{D9178CD7-C0CA-8B4E-8C7C-5F6C396514CE}"/>
-    <dgm:cxn modelId="{8E179C2C-0AA7-BE40-AFED-088CCB501D80}" type="presOf" srcId="{B0BE182D-2A41-E547-A5E1-07BFD6445A63}" destId="{005EF251-6722-C440-A97A-1A8AC3EB42E3}" srcOrd="0" destOrd="0" presId="urn:microsoft.com/office/officeart/2005/8/layout/orgChart1"/>
-    <dgm:cxn modelId="{AA938D82-0F1B-9748-A862-242C199E9483}" srcId="{8FE33D38-FD75-F244-9906-4EE3DE0A2A62}" destId="{9DF69462-43AA-1241-B8CA-93523DE66B1F}" srcOrd="0" destOrd="0" parTransId="{7302839D-C026-F54C-BAE9-ACC5053E04B3}" sibTransId="{2CDAFA75-3965-3346-A0D2-4F11F302CA9A}"/>
-    <dgm:cxn modelId="{8BE0B702-B780-FF4A-A2AD-40F16962529E}" type="presOf" srcId="{FE941AE3-A040-4F4C-A45C-62C25A60431F}" destId="{400D6EA1-2FB8-C74D-8FED-A3AFD45B1019}" srcOrd="1" destOrd="0" presId="urn:microsoft.com/office/officeart/2005/8/layout/orgChart1"/>
-    <dgm:cxn modelId="{7CD8AC75-341F-6B44-A880-F949BF2F5731}" type="presParOf" srcId="{0F1459A8-0ACB-954C-BFD0-E63601BF2EF2}" destId="{BDC0E17E-99EB-DD44-AB1A-4115D54394BD}" srcOrd="0" destOrd="0" presId="urn:microsoft.com/office/officeart/2005/8/layout/orgChart1"/>
-    <dgm:cxn modelId="{18FC42D0-B539-D847-94C9-74D62D3B428C}" type="presParOf" srcId="{BDC0E17E-99EB-DD44-AB1A-4115D54394BD}" destId="{9E2A225A-9F9B-854E-8F46-35832D653522}" srcOrd="0" destOrd="0" presId="urn:microsoft.com/office/officeart/2005/8/layout/orgChart1"/>
-    <dgm:cxn modelId="{9AEB7EC4-E0C8-974C-B258-BA18C6AE85F3}" type="presParOf" srcId="{9E2A225A-9F9B-854E-8F46-35832D653522}" destId="{8A896361-BFD2-BC4B-8C51-8BE9045FDF7A}" srcOrd="0" destOrd="0" presId="urn:microsoft.com/office/officeart/2005/8/layout/orgChart1"/>
-    <dgm:cxn modelId="{6FFB7CD6-C9EA-3E4D-AB18-DC4287055827}" type="presParOf" srcId="{9E2A225A-9F9B-854E-8F46-35832D653522}" destId="{51B0D0B4-0CBD-1249-B51C-D6B0E8640ACC}" srcOrd="1" destOrd="0" presId="urn:microsoft.com/office/officeart/2005/8/layout/orgChart1"/>
-    <dgm:cxn modelId="{032BD2A1-61F5-0949-8659-A53D2B64AD94}" type="presParOf" srcId="{BDC0E17E-99EB-DD44-AB1A-4115D54394BD}" destId="{1435717E-05A9-3443-8F6F-18A99111BCEC}" srcOrd="1" destOrd="0" presId="urn:microsoft.com/office/officeart/2005/8/layout/orgChart1"/>
-    <dgm:cxn modelId="{454BF2BC-B4D9-5E42-8F96-B7EE34B1A1C8}" type="presParOf" srcId="{1435717E-05A9-3443-8F6F-18A99111BCEC}" destId="{9FD97A98-5551-8E42-9551-242017FCE71D}" srcOrd="0" destOrd="0" presId="urn:microsoft.com/office/officeart/2005/8/layout/orgChart1"/>
-    <dgm:cxn modelId="{596801B6-C2A4-FE4D-8086-75B0E8860D5F}" type="presParOf" srcId="{1435717E-05A9-3443-8F6F-18A99111BCEC}" destId="{5A61AA6F-8C21-7041-BFA0-7FE1AC8A8EBA}" srcOrd="1" destOrd="0" presId="urn:microsoft.com/office/officeart/2005/8/layout/orgChart1"/>
-    <dgm:cxn modelId="{B2E61B08-8B35-5D44-8305-2BFA84859647}" type="presParOf" srcId="{5A61AA6F-8C21-7041-BFA0-7FE1AC8A8EBA}" destId="{A4F0534A-BC90-C042-98F8-9958D026967F}" srcOrd="0" destOrd="0" presId="urn:microsoft.com/office/officeart/2005/8/layout/orgChart1"/>
-    <dgm:cxn modelId="{A3E8736C-1687-5E41-870D-DCA2B7DAF088}" type="presParOf" srcId="{A4F0534A-BC90-C042-98F8-9958D026967F}" destId="{F7874140-0CAF-5449-8A11-F0E202604FD6}" srcOrd="0" destOrd="0" presId="urn:microsoft.com/office/officeart/2005/8/layout/orgChart1"/>
-    <dgm:cxn modelId="{E134D846-0055-E94A-BDB9-778624DA3D21}" type="presParOf" srcId="{A4F0534A-BC90-C042-98F8-9958D026967F}" destId="{C7441A9C-F34A-9749-A3A7-6AD557A22C83}" srcOrd="1" destOrd="0" presId="urn:microsoft.com/office/officeart/2005/8/layout/orgChart1"/>
-    <dgm:cxn modelId="{E0016988-49A4-3848-8D08-27D0E9A80989}" type="presParOf" srcId="{5A61AA6F-8C21-7041-BFA0-7FE1AC8A8EBA}" destId="{0FC788B1-B345-B746-9DB7-0DF09D258BE4}" srcOrd="1" destOrd="0" presId="urn:microsoft.com/office/officeart/2005/8/layout/orgChart1"/>
-    <dgm:cxn modelId="{F2BEAA0A-F011-5546-AF45-A0AAFB05A73F}" type="presParOf" srcId="{0FC788B1-B345-B746-9DB7-0DF09D258BE4}" destId="{F84516CE-3C4B-9349-A408-F5488B9DB1D9}" srcOrd="0" destOrd="0" presId="urn:microsoft.com/office/officeart/2005/8/layout/orgChart1"/>
-    <dgm:cxn modelId="{D0346660-B196-EB48-AF9D-6E92A2352457}" type="presParOf" srcId="{0FC788B1-B345-B746-9DB7-0DF09D258BE4}" destId="{EAAA0795-3DD3-6946-9F0E-020DDBA4B16B}" srcOrd="1" destOrd="0" presId="urn:microsoft.com/office/officeart/2005/8/layout/orgChart1"/>
-    <dgm:cxn modelId="{F1F3A6AF-C93D-1C40-9706-D4366BBDCF9B}" type="presParOf" srcId="{EAAA0795-3DD3-6946-9F0E-020DDBA4B16B}" destId="{1208987C-B0DD-BA4A-92A8-6CA137C8101E}" srcOrd="0" destOrd="0" presId="urn:microsoft.com/office/officeart/2005/8/layout/orgChart1"/>
-    <dgm:cxn modelId="{620E7866-F55F-C540-99DB-CCADBB705E7C}" type="presParOf" srcId="{1208987C-B0DD-BA4A-92A8-6CA137C8101E}" destId="{59BF2708-A71C-B24B-91C4-7B6586B34316}" srcOrd="0" destOrd="0" presId="urn:microsoft.com/office/officeart/2005/8/layout/orgChart1"/>
-    <dgm:cxn modelId="{D62ABEF8-9660-D747-89ED-E58531E3B668}" type="presParOf" srcId="{1208987C-B0DD-BA4A-92A8-6CA137C8101E}" destId="{99C71DCA-6102-0D44-ADEA-D4B765A2D8D4}" srcOrd="1" destOrd="0" presId="urn:microsoft.com/office/officeart/2005/8/layout/orgChart1"/>
-    <dgm:cxn modelId="{1535121A-6979-7A46-9043-8ACCC6F88F9C}" type="presParOf" srcId="{EAAA0795-3DD3-6946-9F0E-020DDBA4B16B}" destId="{645F53BC-3C93-6A40-908F-C6F4C404B335}" srcOrd="1" destOrd="0" presId="urn:microsoft.com/office/officeart/2005/8/layout/orgChart1"/>
-    <dgm:cxn modelId="{FB8FB3A3-9F66-EB41-B68D-3DC91C8CE0B1}" type="presParOf" srcId="{645F53BC-3C93-6A40-908F-C6F4C404B335}" destId="{572D9688-9644-F24C-B170-8500A408C725}" srcOrd="0" destOrd="0" presId="urn:microsoft.com/office/officeart/2005/8/layout/orgChart1"/>
-    <dgm:cxn modelId="{CB01BCB0-96D9-604D-AD98-C0C8D2CFDB43}" type="presParOf" srcId="{645F53BC-3C93-6A40-908F-C6F4C404B335}" destId="{4D8FDACC-8D84-364D-BAA8-B5E2FB648C4D}" srcOrd="1" destOrd="0" presId="urn:microsoft.com/office/officeart/2005/8/layout/orgChart1"/>
-    <dgm:cxn modelId="{855D31ED-4FD0-4242-84C4-EB0A7480DB56}" type="presParOf" srcId="{4D8FDACC-8D84-364D-BAA8-B5E2FB648C4D}" destId="{0A4AC87F-BC0C-E74E-AFAA-D6BB4BBB2251}" srcOrd="0" destOrd="0" presId="urn:microsoft.com/office/officeart/2005/8/layout/orgChart1"/>
-    <dgm:cxn modelId="{EC27219A-B509-F248-B5D2-E5F2657C59CC}" type="presParOf" srcId="{0A4AC87F-BC0C-E74E-AFAA-D6BB4BBB2251}" destId="{30528875-2FA9-7A43-812C-F5207B3DA35C}" srcOrd="0" destOrd="0" presId="urn:microsoft.com/office/officeart/2005/8/layout/orgChart1"/>
-    <dgm:cxn modelId="{32914E2C-91CD-6D41-AEB6-D526E29D1A9B}" type="presParOf" srcId="{0A4AC87F-BC0C-E74E-AFAA-D6BB4BBB2251}" destId="{F424F23C-8094-474C-A2A4-120E734654AA}" srcOrd="1" destOrd="0" presId="urn:microsoft.com/office/officeart/2005/8/layout/orgChart1"/>
-    <dgm:cxn modelId="{E6A2C564-7191-4C4F-9140-4B0E0D76CEF6}" type="presParOf" srcId="{4D8FDACC-8D84-364D-BAA8-B5E2FB648C4D}" destId="{5DEE4482-F1BA-8544-8E07-B42FD430F6A8}" srcOrd="1" destOrd="0" presId="urn:microsoft.com/office/officeart/2005/8/layout/orgChart1"/>
-    <dgm:cxn modelId="{0353032D-26EF-FD49-96FD-D81E41C35EE5}" type="presParOf" srcId="{4D8FDACC-8D84-364D-BAA8-B5E2FB648C4D}" destId="{833283A3-6BED-C641-BF47-B6971C5CCDDE}" srcOrd="2" destOrd="0" presId="urn:microsoft.com/office/officeart/2005/8/layout/orgChart1"/>
-    <dgm:cxn modelId="{93AF9161-7779-E94E-A6F7-FD258C373D29}" type="presParOf" srcId="{645F53BC-3C93-6A40-908F-C6F4C404B335}" destId="{AE16A76A-19E7-1A49-B006-CD828621F00F}" srcOrd="2" destOrd="0" presId="urn:microsoft.com/office/officeart/2005/8/layout/orgChart1"/>
-    <dgm:cxn modelId="{AF254059-0B18-BD40-B006-96A36A8F3AA4}" type="presParOf" srcId="{645F53BC-3C93-6A40-908F-C6F4C404B335}" destId="{29E46E74-F8CB-DA41-8A75-976DA179409A}" srcOrd="3" destOrd="0" presId="urn:microsoft.com/office/officeart/2005/8/layout/orgChart1"/>
-    <dgm:cxn modelId="{7992D8B8-3DBF-F648-99A8-A7FAC3E33FAC}" type="presParOf" srcId="{29E46E74-F8CB-DA41-8A75-976DA179409A}" destId="{5BEB06F3-FFD0-D445-9EA4-DACE5A2806B8}" srcOrd="0" destOrd="0" presId="urn:microsoft.com/office/officeart/2005/8/layout/orgChart1"/>
-    <dgm:cxn modelId="{242EA186-7D21-5F40-8444-775ECF3CFA59}" type="presParOf" srcId="{5BEB06F3-FFD0-D445-9EA4-DACE5A2806B8}" destId="{9313986E-C68D-3741-B66E-4E51DE730B10}" srcOrd="0" destOrd="0" presId="urn:microsoft.com/office/officeart/2005/8/layout/orgChart1"/>
-    <dgm:cxn modelId="{5301EF49-3818-8446-B553-1E7DD8F4A235}" type="presParOf" srcId="{5BEB06F3-FFD0-D445-9EA4-DACE5A2806B8}" destId="{770BCB2C-13EA-7847-B954-2DE1CE0A3E57}" srcOrd="1" destOrd="0" presId="urn:microsoft.com/office/officeart/2005/8/layout/orgChart1"/>
-    <dgm:cxn modelId="{C3805DF4-90FC-F04B-9BC1-506B91136D37}" type="presParOf" srcId="{29E46E74-F8CB-DA41-8A75-976DA179409A}" destId="{B4F7FF9F-E36C-3C42-ACA3-81362A85DFEB}" srcOrd="1" destOrd="0" presId="urn:microsoft.com/office/officeart/2005/8/layout/orgChart1"/>
-    <dgm:cxn modelId="{F9A372D6-642A-5E47-BFA6-68142D3F1823}" type="presParOf" srcId="{29E46E74-F8CB-DA41-8A75-976DA179409A}" destId="{A1E23A8F-B67E-4943-BC55-8D0506AAFE89}" srcOrd="2" destOrd="0" presId="urn:microsoft.com/office/officeart/2005/8/layout/orgChart1"/>
-    <dgm:cxn modelId="{0A6EE0C1-2224-064A-81EE-D1193CD5AE2E}" type="presParOf" srcId="{EAAA0795-3DD3-6946-9F0E-020DDBA4B16B}" destId="{9BB9C57D-ABA4-3A41-9722-3D6C05FCBEA1}" srcOrd="2" destOrd="0" presId="urn:microsoft.com/office/officeart/2005/8/layout/orgChart1"/>
-    <dgm:cxn modelId="{4F0C3FE4-9609-7B41-9444-A8E782B1A273}" type="presParOf" srcId="{0FC788B1-B345-B746-9DB7-0DF09D258BE4}" destId="{B1F0EF1F-382A-9447-8F23-FD0C4C2126CF}" srcOrd="2" destOrd="0" presId="urn:microsoft.com/office/officeart/2005/8/layout/orgChart1"/>
-    <dgm:cxn modelId="{C10A638C-89E4-774E-AC4F-2A05664881CE}" type="presParOf" srcId="{0FC788B1-B345-B746-9DB7-0DF09D258BE4}" destId="{E522F03D-4833-5742-8D60-ECA7802B45DF}" srcOrd="3" destOrd="0" presId="urn:microsoft.com/office/officeart/2005/8/layout/orgChart1"/>
-    <dgm:cxn modelId="{BF8B3161-B1AD-D043-A404-9FCF3FCE4489}" type="presParOf" srcId="{E522F03D-4833-5742-8D60-ECA7802B45DF}" destId="{0AF420FB-F197-A349-BC31-AB5B046BF689}" srcOrd="0" destOrd="0" presId="urn:microsoft.com/office/officeart/2005/8/layout/orgChart1"/>
-    <dgm:cxn modelId="{204F573D-6982-3348-8FEC-77EDAFBDC4A4}" type="presParOf" srcId="{0AF420FB-F197-A349-BC31-AB5B046BF689}" destId="{D85A0727-3D88-F14F-A4DC-7D5AF564AB75}" srcOrd="0" destOrd="0" presId="urn:microsoft.com/office/officeart/2005/8/layout/orgChart1"/>
-    <dgm:cxn modelId="{5887BE6D-1679-BA4E-9810-00EB1038C5A5}" type="presParOf" srcId="{0AF420FB-F197-A349-BC31-AB5B046BF689}" destId="{B466E655-C63D-9144-B429-A76F86FEE820}" srcOrd="1" destOrd="0" presId="urn:microsoft.com/office/officeart/2005/8/layout/orgChart1"/>
-    <dgm:cxn modelId="{883012A2-2F08-5747-9818-47586D38F7FA}" type="presParOf" srcId="{E522F03D-4833-5742-8D60-ECA7802B45DF}" destId="{BBFF26EA-CBC5-3445-81BF-BA2646A847CE}" srcOrd="1" destOrd="0" presId="urn:microsoft.com/office/officeart/2005/8/layout/orgChart1"/>
-    <dgm:cxn modelId="{9912FF62-58DE-D147-95EB-E4E58A7E69D2}" type="presParOf" srcId="{BBFF26EA-CBC5-3445-81BF-BA2646A847CE}" destId="{C1A5ED5B-F9D9-D248-A87C-BAEC45BFEB86}" srcOrd="0" destOrd="0" presId="urn:microsoft.com/office/officeart/2005/8/layout/orgChart1"/>
-    <dgm:cxn modelId="{53C3B06F-200B-3F48-AB1C-237D05867487}" type="presParOf" srcId="{BBFF26EA-CBC5-3445-81BF-BA2646A847CE}" destId="{CCC7288E-7C96-8E49-B305-E338F04B4487}" srcOrd="1" destOrd="0" presId="urn:microsoft.com/office/officeart/2005/8/layout/orgChart1"/>
-    <dgm:cxn modelId="{EB104D5E-A314-6E4E-8AC1-C5A6443DEAD7}" type="presParOf" srcId="{CCC7288E-7C96-8E49-B305-E338F04B4487}" destId="{5C833E22-9F6E-CB41-B127-9BD6A8AEFAE5}" srcOrd="0" destOrd="0" presId="urn:microsoft.com/office/officeart/2005/8/layout/orgChart1"/>
-    <dgm:cxn modelId="{3A139C61-2AC5-2D46-B125-B4D30BB0D35F}" type="presParOf" srcId="{5C833E22-9F6E-CB41-B127-9BD6A8AEFAE5}" destId="{C82180CD-AF04-BB4E-A875-AC7B3717345B}" srcOrd="0" destOrd="0" presId="urn:microsoft.com/office/officeart/2005/8/layout/orgChart1"/>
-    <dgm:cxn modelId="{F1E23D9F-1528-4E4C-9BCE-9EEC9E2470AE}" type="presParOf" srcId="{5C833E22-9F6E-CB41-B127-9BD6A8AEFAE5}" destId="{F48277F0-BE39-0949-99BA-B86607DE1595}" srcOrd="1" destOrd="0" presId="urn:microsoft.com/office/officeart/2005/8/layout/orgChart1"/>
-    <dgm:cxn modelId="{AFF4BF2B-6FE4-D045-9744-4A3DB6839B65}" type="presParOf" srcId="{CCC7288E-7C96-8E49-B305-E338F04B4487}" destId="{1BBC7448-6DA9-4D4D-AD7C-31309FC2ADBB}" srcOrd="1" destOrd="0" presId="urn:microsoft.com/office/officeart/2005/8/layout/orgChart1"/>
-    <dgm:cxn modelId="{2F1243DE-5F32-D747-BE6E-FD9F237E7438}" type="presParOf" srcId="{CCC7288E-7C96-8E49-B305-E338F04B4487}" destId="{D7B2216E-CA3F-A649-A52D-02B8E639E123}" srcOrd="2" destOrd="0" presId="urn:microsoft.com/office/officeart/2005/8/layout/orgChart1"/>
-    <dgm:cxn modelId="{E9E20D2E-C801-5D46-9281-1097548F1458}" type="presParOf" srcId="{BBFF26EA-CBC5-3445-81BF-BA2646A847CE}" destId="{005EF251-6722-C440-A97A-1A8AC3EB42E3}" srcOrd="2" destOrd="0" presId="urn:microsoft.com/office/officeart/2005/8/layout/orgChart1"/>
-    <dgm:cxn modelId="{F24BB284-0CCF-054F-A3EC-73FA5EAD6800}" type="presParOf" srcId="{BBFF26EA-CBC5-3445-81BF-BA2646A847CE}" destId="{4F6E17DA-EF5F-4F44-B24C-E087F61604D4}" srcOrd="3" destOrd="0" presId="urn:microsoft.com/office/officeart/2005/8/layout/orgChart1"/>
-    <dgm:cxn modelId="{17180D44-A8AB-1042-8A37-D39C449779C9}" type="presParOf" srcId="{4F6E17DA-EF5F-4F44-B24C-E087F61604D4}" destId="{E6B0D9F4-4FDF-C34D-B9B7-550534502B71}" srcOrd="0" destOrd="0" presId="urn:microsoft.com/office/officeart/2005/8/layout/orgChart1"/>
-    <dgm:cxn modelId="{CA83F479-4039-EE4F-9C5E-883469A3A8DC}" type="presParOf" srcId="{E6B0D9F4-4FDF-C34D-B9B7-550534502B71}" destId="{46DA980C-37B7-0143-B3E2-3809AAA34A52}" srcOrd="0" destOrd="0" presId="urn:microsoft.com/office/officeart/2005/8/layout/orgChart1"/>
-    <dgm:cxn modelId="{851D87DC-4E78-014A-9CD9-A989CF32F941}" type="presParOf" srcId="{E6B0D9F4-4FDF-C34D-B9B7-550534502B71}" destId="{616A860E-5E99-884F-BA1E-7BD6BE4896CC}" srcOrd="1" destOrd="0" presId="urn:microsoft.com/office/officeart/2005/8/layout/orgChart1"/>
-    <dgm:cxn modelId="{B48EB1BD-1D3A-AC4B-9072-94E163D4AE68}" type="presParOf" srcId="{4F6E17DA-EF5F-4F44-B24C-E087F61604D4}" destId="{549282F0-E932-164B-B141-CFF8EF965880}" srcOrd="1" destOrd="0" presId="urn:microsoft.com/office/officeart/2005/8/layout/orgChart1"/>
-    <dgm:cxn modelId="{53003473-A4A8-E245-8CD1-AAD0CF7775FD}" type="presParOf" srcId="{4F6E17DA-EF5F-4F44-B24C-E087F61604D4}" destId="{DF79A9D3-D62F-F345-BCBE-93BC1294119A}" srcOrd="2" destOrd="0" presId="urn:microsoft.com/office/officeart/2005/8/layout/orgChart1"/>
-    <dgm:cxn modelId="{54FEF184-7AB9-4641-B1CC-9B2BF7866595}" type="presParOf" srcId="{E522F03D-4833-5742-8D60-ECA7802B45DF}" destId="{7EDBFEDB-A247-8744-8EB0-BA2F90BEBD4B}" srcOrd="2" destOrd="0" presId="urn:microsoft.com/office/officeart/2005/8/layout/orgChart1"/>
-    <dgm:cxn modelId="{792FF289-B80E-FA42-83B5-6A94BD8C2B9A}" type="presParOf" srcId="{5A61AA6F-8C21-7041-BFA0-7FE1AC8A8EBA}" destId="{78A46DA8-FC79-1E44-84EE-9137F72E9FEE}" srcOrd="2" destOrd="0" presId="urn:microsoft.com/office/officeart/2005/8/layout/orgChart1"/>
-    <dgm:cxn modelId="{602768CC-7C3C-BA48-9431-823DF544C9C1}" type="presParOf" srcId="{1435717E-05A9-3443-8F6F-18A99111BCEC}" destId="{ED533780-CF74-A941-8170-586C60235AF5}" srcOrd="2" destOrd="0" presId="urn:microsoft.com/office/officeart/2005/8/layout/orgChart1"/>
-    <dgm:cxn modelId="{B1E9DCE6-9DCD-2447-B2F3-5CEF6C2E4970}" type="presParOf" srcId="{1435717E-05A9-3443-8F6F-18A99111BCEC}" destId="{1D8E07F2-D715-DA46-B4F0-D4F95F4118DA}" srcOrd="3" destOrd="0" presId="urn:microsoft.com/office/officeart/2005/8/layout/orgChart1"/>
-    <dgm:cxn modelId="{C9920E21-BA14-9342-B845-E614337114B0}" type="presParOf" srcId="{1D8E07F2-D715-DA46-B4F0-D4F95F4118DA}" destId="{6015ADF7-C805-B945-9430-241B50523900}" srcOrd="0" destOrd="0" presId="urn:microsoft.com/office/officeart/2005/8/layout/orgChart1"/>
-    <dgm:cxn modelId="{47F638DB-C74E-FB4E-8D69-4A88D5BF3F0C}" type="presParOf" srcId="{6015ADF7-C805-B945-9430-241B50523900}" destId="{CB4B1E00-3F6F-0141-B853-64DAF0CF8052}" srcOrd="0" destOrd="0" presId="urn:microsoft.com/office/officeart/2005/8/layout/orgChart1"/>
-    <dgm:cxn modelId="{987EF480-ED15-3042-BB8E-B366AA1BD2C6}" type="presParOf" srcId="{6015ADF7-C805-B945-9430-241B50523900}" destId="{83245643-CCF7-A746-8A15-0D6A3A865905}" srcOrd="1" destOrd="0" presId="urn:microsoft.com/office/officeart/2005/8/layout/orgChart1"/>
-    <dgm:cxn modelId="{C244F50B-C956-4D4D-9864-FC069094D8A9}" type="presParOf" srcId="{1D8E07F2-D715-DA46-B4F0-D4F95F4118DA}" destId="{33412FCA-A733-4549-91C0-DCB8031697E4}" srcOrd="1" destOrd="0" presId="urn:microsoft.com/office/officeart/2005/8/layout/orgChart1"/>
-    <dgm:cxn modelId="{566429D9-A7F1-0F42-817B-D03E0CABBA96}" type="presParOf" srcId="{33412FCA-A733-4549-91C0-DCB8031697E4}" destId="{C3336828-9D95-BD4A-BD90-C08166A72756}" srcOrd="0" destOrd="0" presId="urn:microsoft.com/office/officeart/2005/8/layout/orgChart1"/>
-    <dgm:cxn modelId="{D8A72FA5-8491-FF40-A6C3-8B39A3D381A3}" type="presParOf" srcId="{33412FCA-A733-4549-91C0-DCB8031697E4}" destId="{9F6DE833-77C2-AD4B-B5DB-39234EEF36D4}" srcOrd="1" destOrd="0" presId="urn:microsoft.com/office/officeart/2005/8/layout/orgChart1"/>
-    <dgm:cxn modelId="{7641FFBA-1F38-4B45-98F3-46B2FF94C51A}" type="presParOf" srcId="{9F6DE833-77C2-AD4B-B5DB-39234EEF36D4}" destId="{669F3643-E1BD-EA44-991D-CE9782387EB7}" srcOrd="0" destOrd="0" presId="urn:microsoft.com/office/officeart/2005/8/layout/orgChart1"/>
-    <dgm:cxn modelId="{DD03FE58-4B3B-A54E-866C-92C142B1E04B}" type="presParOf" srcId="{669F3643-E1BD-EA44-991D-CE9782387EB7}" destId="{69300422-F611-5B41-BBDE-CF070902C6A9}" srcOrd="0" destOrd="0" presId="urn:microsoft.com/office/officeart/2005/8/layout/orgChart1"/>
-    <dgm:cxn modelId="{EC5F41C0-6C17-024C-A049-2812A20E726F}" type="presParOf" srcId="{669F3643-E1BD-EA44-991D-CE9782387EB7}" destId="{BEF261C1-1F16-FC4D-9E16-7C3615341469}" srcOrd="1" destOrd="0" presId="urn:microsoft.com/office/officeart/2005/8/layout/orgChart1"/>
-    <dgm:cxn modelId="{E777E645-8443-654B-A0B8-9D11A374C89F}" type="presParOf" srcId="{9F6DE833-77C2-AD4B-B5DB-39234EEF36D4}" destId="{ED8AF5E0-D2E6-6543-90F6-8087AD8F7052}" srcOrd="1" destOrd="0" presId="urn:microsoft.com/office/officeart/2005/8/layout/orgChart1"/>
-    <dgm:cxn modelId="{24C4696E-8E18-D84C-A0DD-7D1BA63339B5}" type="presParOf" srcId="{ED8AF5E0-D2E6-6543-90F6-8087AD8F7052}" destId="{16DBC556-40F8-3A44-B908-02D45F20C0D2}" srcOrd="0" destOrd="0" presId="urn:microsoft.com/office/officeart/2005/8/layout/orgChart1"/>
-    <dgm:cxn modelId="{8BB79A93-327F-B249-82DB-BF92139DCDF0}" type="presParOf" srcId="{ED8AF5E0-D2E6-6543-90F6-8087AD8F7052}" destId="{A0C23A2D-25B3-7B47-BA5F-DC056D2F1C8E}" srcOrd="1" destOrd="0" presId="urn:microsoft.com/office/officeart/2005/8/layout/orgChart1"/>
-    <dgm:cxn modelId="{F6288F08-DF86-CE46-81F1-F10386F6E3F1}" type="presParOf" srcId="{A0C23A2D-25B3-7B47-BA5F-DC056D2F1C8E}" destId="{A8DABFB1-8D6C-D24B-93FE-647EE367E8D8}" srcOrd="0" destOrd="0" presId="urn:microsoft.com/office/officeart/2005/8/layout/orgChart1"/>
-    <dgm:cxn modelId="{6408EFC5-C4CF-FF46-84C9-2338825364F6}" type="presParOf" srcId="{A8DABFB1-8D6C-D24B-93FE-647EE367E8D8}" destId="{D1696313-5BB4-334C-A900-ED415A2FEEFC}" srcOrd="0" destOrd="0" presId="urn:microsoft.com/office/officeart/2005/8/layout/orgChart1"/>
-    <dgm:cxn modelId="{5F0661F3-34F5-AF42-A9D9-5E8B12848A47}" type="presParOf" srcId="{A8DABFB1-8D6C-D24B-93FE-647EE367E8D8}" destId="{0DBBEE84-A03F-9243-B8BC-BFC2FFEF0A07}" srcOrd="1" destOrd="0" presId="urn:microsoft.com/office/officeart/2005/8/layout/orgChart1"/>
-    <dgm:cxn modelId="{972217AC-4D94-F044-96D1-ADB0E981E8CE}" type="presParOf" srcId="{A0C23A2D-25B3-7B47-BA5F-DC056D2F1C8E}" destId="{79157148-CCAF-C043-AF69-32413A1BF5CA}" srcOrd="1" destOrd="0" presId="urn:microsoft.com/office/officeart/2005/8/layout/orgChart1"/>
-    <dgm:cxn modelId="{7DA4AFB9-3DD6-4440-BFF1-9729B83246AC}" type="presParOf" srcId="{A0C23A2D-25B3-7B47-BA5F-DC056D2F1C8E}" destId="{27627BC6-F8EB-CF40-92E8-138D320982EE}" srcOrd="2" destOrd="0" presId="urn:microsoft.com/office/officeart/2005/8/layout/orgChart1"/>
-    <dgm:cxn modelId="{39F8D61B-CAE3-E04D-83EF-9794F1B3604D}" type="presParOf" srcId="{ED8AF5E0-D2E6-6543-90F6-8087AD8F7052}" destId="{A0891B16-FFBF-2F41-BF1B-8F98A79E6775}" srcOrd="2" destOrd="0" presId="urn:microsoft.com/office/officeart/2005/8/layout/orgChart1"/>
-    <dgm:cxn modelId="{7801ADB4-4EAA-4A4B-97DC-0248262E4AAC}" type="presParOf" srcId="{ED8AF5E0-D2E6-6543-90F6-8087AD8F7052}" destId="{3B5437AA-DA3D-804C-B0A1-2737A4C6BEBB}" srcOrd="3" destOrd="0" presId="urn:microsoft.com/office/officeart/2005/8/layout/orgChart1"/>
-    <dgm:cxn modelId="{8CE480FE-2CE1-FE46-948B-2609D07E1E12}" type="presParOf" srcId="{3B5437AA-DA3D-804C-B0A1-2737A4C6BEBB}" destId="{726F2949-447E-7C4E-B9C5-A3365C477CCD}" srcOrd="0" destOrd="0" presId="urn:microsoft.com/office/officeart/2005/8/layout/orgChart1"/>
-    <dgm:cxn modelId="{5F566EB6-9D2F-554B-B107-C1FC4C2BCE67}" type="presParOf" srcId="{726F2949-447E-7C4E-B9C5-A3365C477CCD}" destId="{CD247A22-0258-C548-9690-59C6A2BA20A0}" srcOrd="0" destOrd="0" presId="urn:microsoft.com/office/officeart/2005/8/layout/orgChart1"/>
-    <dgm:cxn modelId="{BBC07266-ED91-744A-8D8F-5F3D8DFB9CB6}" type="presParOf" srcId="{726F2949-447E-7C4E-B9C5-A3365C477CCD}" destId="{400D6EA1-2FB8-C74D-8FED-A3AFD45B1019}" srcOrd="1" destOrd="0" presId="urn:microsoft.com/office/officeart/2005/8/layout/orgChart1"/>
-    <dgm:cxn modelId="{6509C856-62FF-1D45-9F49-89DF926FE6E1}" type="presParOf" srcId="{3B5437AA-DA3D-804C-B0A1-2737A4C6BEBB}" destId="{BED06DD5-24AB-384F-A295-1CA497CD2576}" srcOrd="1" destOrd="0" presId="urn:microsoft.com/office/officeart/2005/8/layout/orgChart1"/>
-    <dgm:cxn modelId="{96A881D7-E885-704E-89C6-C4DC8D1DD9BF}" type="presParOf" srcId="{3B5437AA-DA3D-804C-B0A1-2737A4C6BEBB}" destId="{9AB9F19A-4143-B842-AB85-703C2FE143E6}" srcOrd="2" destOrd="0" presId="urn:microsoft.com/office/officeart/2005/8/layout/orgChart1"/>
-    <dgm:cxn modelId="{0A301053-A163-9C42-BBAE-AF6F70BD1004}" type="presParOf" srcId="{9F6DE833-77C2-AD4B-B5DB-39234EEF36D4}" destId="{EB4FA91F-FDE8-5D43-A125-559AD48D55A2}" srcOrd="2" destOrd="0" presId="urn:microsoft.com/office/officeart/2005/8/layout/orgChart1"/>
-    <dgm:cxn modelId="{A692C8AD-A818-E54D-913E-25D1D154D21C}" type="presParOf" srcId="{33412FCA-A733-4549-91C0-DCB8031697E4}" destId="{9BD65701-EA75-5547-972A-60049BBE031A}" srcOrd="2" destOrd="0" presId="urn:microsoft.com/office/officeart/2005/8/layout/orgChart1"/>
-    <dgm:cxn modelId="{5358015C-FDE5-B740-B89F-4C8263C920D2}" type="presParOf" srcId="{33412FCA-A733-4549-91C0-DCB8031697E4}" destId="{92C12950-C53D-694C-B926-8ABE85CAFF55}" srcOrd="3" destOrd="0" presId="urn:microsoft.com/office/officeart/2005/8/layout/orgChart1"/>
-    <dgm:cxn modelId="{8A1CDA1C-8740-7D43-9701-C9CB30D3F5E4}" type="presParOf" srcId="{92C12950-C53D-694C-B926-8ABE85CAFF55}" destId="{C60E2F0B-5BB8-A04B-B4E5-C46761584774}" srcOrd="0" destOrd="0" presId="urn:microsoft.com/office/officeart/2005/8/layout/orgChart1"/>
-    <dgm:cxn modelId="{9C214381-4038-6C4E-8E4E-FE34B4BB15D2}" type="presParOf" srcId="{C60E2F0B-5BB8-A04B-B4E5-C46761584774}" destId="{3DC9F3B8-5FCF-0943-AEE8-52463F5D94C4}" srcOrd="0" destOrd="0" presId="urn:microsoft.com/office/officeart/2005/8/layout/orgChart1"/>
-    <dgm:cxn modelId="{28B5FC1D-EB9F-9149-BC2C-DA954887684C}" type="presParOf" srcId="{C60E2F0B-5BB8-A04B-B4E5-C46761584774}" destId="{FAD13A44-F5A9-BD40-8E9B-4AA279F1115A}" srcOrd="1" destOrd="0" presId="urn:microsoft.com/office/officeart/2005/8/layout/orgChart1"/>
-    <dgm:cxn modelId="{40A47CDF-B717-6D47-8A29-C7C558D3862D}" type="presParOf" srcId="{92C12950-C53D-694C-B926-8ABE85CAFF55}" destId="{60FCAD0C-D8C9-0743-A310-4CFB5B9FF270}" srcOrd="1" destOrd="0" presId="urn:microsoft.com/office/officeart/2005/8/layout/orgChart1"/>
-    <dgm:cxn modelId="{BBC085FD-FDED-FC42-8DEB-2B8A98626E21}" type="presParOf" srcId="{60FCAD0C-D8C9-0743-A310-4CFB5B9FF270}" destId="{630AA2EF-5A05-F94D-9D81-38F5252D5515}" srcOrd="0" destOrd="0" presId="urn:microsoft.com/office/officeart/2005/8/layout/orgChart1"/>
-    <dgm:cxn modelId="{A8CC9367-7420-B742-AE93-C22E443DF2C7}" type="presParOf" srcId="{60FCAD0C-D8C9-0743-A310-4CFB5B9FF270}" destId="{D7BEC73F-6CEB-7B46-A225-E7B9F46D3854}" srcOrd="1" destOrd="0" presId="urn:microsoft.com/office/officeart/2005/8/layout/orgChart1"/>
-    <dgm:cxn modelId="{3AE9B9FB-2F5F-5845-8931-D9EE7D3E2E64}" type="presParOf" srcId="{D7BEC73F-6CEB-7B46-A225-E7B9F46D3854}" destId="{38DACFAF-E1BE-5F4D-BC05-63BA21C23DE4}" srcOrd="0" destOrd="0" presId="urn:microsoft.com/office/officeart/2005/8/layout/orgChart1"/>
-    <dgm:cxn modelId="{2BAE6D5F-7B9C-9948-AB21-AB9636F31C6C}" type="presParOf" srcId="{38DACFAF-E1BE-5F4D-BC05-63BA21C23DE4}" destId="{89E120FF-B3C4-B245-B292-AC85BF79CF44}" srcOrd="0" destOrd="0" presId="urn:microsoft.com/office/officeart/2005/8/layout/orgChart1"/>
-    <dgm:cxn modelId="{6CE08C2C-650C-454F-A303-942E9FC4A1CA}" type="presParOf" srcId="{38DACFAF-E1BE-5F4D-BC05-63BA21C23DE4}" destId="{1C8F00FB-D55A-CF48-B1E6-AA7F4F5CF5D9}" srcOrd="1" destOrd="0" presId="urn:microsoft.com/office/officeart/2005/8/layout/orgChart1"/>
-    <dgm:cxn modelId="{A4E22C2B-6500-714D-BB08-9912313A342C}" type="presParOf" srcId="{D7BEC73F-6CEB-7B46-A225-E7B9F46D3854}" destId="{5C4A8DB8-752F-454E-9867-ACCD46345322}" srcOrd="1" destOrd="0" presId="urn:microsoft.com/office/officeart/2005/8/layout/orgChart1"/>
-    <dgm:cxn modelId="{2226DE0C-0633-6349-851A-52D05E0747E5}" type="presParOf" srcId="{D7BEC73F-6CEB-7B46-A225-E7B9F46D3854}" destId="{504F756F-58D3-B544-A78F-A02485F7D1CD}" srcOrd="2" destOrd="0" presId="urn:microsoft.com/office/officeart/2005/8/layout/orgChart1"/>
-    <dgm:cxn modelId="{A73A5711-048A-8F4B-86A1-1A5A37D20CDE}" type="presParOf" srcId="{60FCAD0C-D8C9-0743-A310-4CFB5B9FF270}" destId="{12E80F47-383C-F547-8C6E-A58FB4BC8E0E}" srcOrd="2" destOrd="0" presId="urn:microsoft.com/office/officeart/2005/8/layout/orgChart1"/>
-    <dgm:cxn modelId="{5994771A-0A63-734E-8605-D2D2569DEBA9}" type="presParOf" srcId="{60FCAD0C-D8C9-0743-A310-4CFB5B9FF270}" destId="{AF6E72FD-1286-F449-A6FC-778F2A7F407D}" srcOrd="3" destOrd="0" presId="urn:microsoft.com/office/officeart/2005/8/layout/orgChart1"/>
-    <dgm:cxn modelId="{E970D7B5-7788-2648-93FB-0E657671C1DD}" type="presParOf" srcId="{AF6E72FD-1286-F449-A6FC-778F2A7F407D}" destId="{FF5C8353-4F7C-4A47-8337-C317E5026CDB}" srcOrd="0" destOrd="0" presId="urn:microsoft.com/office/officeart/2005/8/layout/orgChart1"/>
-    <dgm:cxn modelId="{0CE67EAB-FC8C-D047-BFFF-11CB4A3AB7EA}" type="presParOf" srcId="{FF5C8353-4F7C-4A47-8337-C317E5026CDB}" destId="{55AF4930-3CD8-5C4E-A716-2B71937E55AD}" srcOrd="0" destOrd="0" presId="urn:microsoft.com/office/officeart/2005/8/layout/orgChart1"/>
-    <dgm:cxn modelId="{A4BBF5F6-A8EF-7746-901F-BB6114CD9991}" type="presParOf" srcId="{FF5C8353-4F7C-4A47-8337-C317E5026CDB}" destId="{7B5D445E-07D7-F54C-9536-0AE916EECAFC}" srcOrd="1" destOrd="0" presId="urn:microsoft.com/office/officeart/2005/8/layout/orgChart1"/>
-    <dgm:cxn modelId="{31508816-735E-1744-9087-68827EB501C5}" type="presParOf" srcId="{AF6E72FD-1286-F449-A6FC-778F2A7F407D}" destId="{302D994E-A5F0-1F41-A87C-D1DE6E023CCD}" srcOrd="1" destOrd="0" presId="urn:microsoft.com/office/officeart/2005/8/layout/orgChart1"/>
-    <dgm:cxn modelId="{D7F47FB9-4CA4-5A47-9AE3-11FACA3AA2BA}" type="presParOf" srcId="{AF6E72FD-1286-F449-A6FC-778F2A7F407D}" destId="{358B03D8-8F84-B44B-8458-6DEB29A0467F}" srcOrd="2" destOrd="0" presId="urn:microsoft.com/office/officeart/2005/8/layout/orgChart1"/>
-    <dgm:cxn modelId="{ECC16F8B-9E23-CB44-B3FE-B859C5724C8A}" type="presParOf" srcId="{92C12950-C53D-694C-B926-8ABE85CAFF55}" destId="{EE1E95E5-A343-E248-9DD7-0FE05A7EE9B3}" srcOrd="2" destOrd="0" presId="urn:microsoft.com/office/officeart/2005/8/layout/orgChart1"/>
-    <dgm:cxn modelId="{6D410DC7-13B6-AB44-9A1B-690D08289930}" type="presParOf" srcId="{1D8E07F2-D715-DA46-B4F0-D4F95F4118DA}" destId="{9995457E-A7C1-B248-A981-D4C595642532}" srcOrd="2" destOrd="0" presId="urn:microsoft.com/office/officeart/2005/8/layout/orgChart1"/>
-    <dgm:cxn modelId="{53B99631-13BD-F540-8CD5-0F298836EFBA}" type="presParOf" srcId="{BDC0E17E-99EB-DD44-AB1A-4115D54394BD}" destId="{69197907-1D7F-2C4C-89B6-5106C44C2162}" srcOrd="2" destOrd="0" presId="urn:microsoft.com/office/officeart/2005/8/layout/orgChart1"/>
+    <dgm:cxn modelId="{EF19A271-0ED5-A54C-AF92-2EBFEE0035B5}" srcId="{53D59C77-EEF9-EF42-B8EA-82200540187C}" destId="{D9AA8733-1AF8-9648-9A0D-1001A8D48E0C}" srcOrd="1" destOrd="0" parTransId="{203D92FB-9ACD-0540-BEBF-95A2E242E467}" sibTransId="{5583DA1A-7328-1545-8D3C-E50CB094D5DC}"/>
+    <dgm:cxn modelId="{295C4DF2-CF49-E64C-A278-BA9DC47482C0}" srcId="{19670FEF-BC45-D746-9F97-CBF05A5BBDA2}" destId="{6DABAE79-300E-5646-B138-78FFA05A1054}" srcOrd="1" destOrd="0" parTransId="{9CCA4A74-F9FB-444C-B06A-DC3BE74AAD74}" sibTransId="{EF637C22-FC70-FC46-80C9-35422CCCF0D3}"/>
+    <dgm:cxn modelId="{C821ED41-4F1D-7A46-85E5-F1572A2BE20F}" type="presOf" srcId="{98149B13-83D7-4648-9C6B-C7E153C20977}" destId="{26170BDD-FB3C-294C-8692-65521328A1C6}" srcOrd="0" destOrd="0" presId="urn:microsoft.com/office/officeart/2005/8/layout/orgChart1"/>
+    <dgm:cxn modelId="{68F5CF13-8119-1D4C-9D19-55C8CE23A41B}" type="presOf" srcId="{3A901571-79DA-5C4D-8BFB-28BEF5C723F1}" destId="{F1409012-190F-9745-A0DB-1D229F54ADC9}" srcOrd="0" destOrd="0" presId="urn:microsoft.com/office/officeart/2005/8/layout/orgChart1"/>
+    <dgm:cxn modelId="{C4883521-5F93-D549-9168-71B67C83B78F}" type="presOf" srcId="{8903E6B9-D149-E041-958E-53EA9C078C31}" destId="{9D621E55-6F4A-CB41-8225-A5F10CE02B20}" srcOrd="0" destOrd="0" presId="urn:microsoft.com/office/officeart/2005/8/layout/orgChart1"/>
+    <dgm:cxn modelId="{68FEF813-CAA1-584A-821C-F42B94382C1E}" type="presOf" srcId="{6DABAE79-300E-5646-B138-78FFA05A1054}" destId="{EE96D27A-8880-004A-B73E-6C0EE5141BDC}" srcOrd="1" destOrd="0" presId="urn:microsoft.com/office/officeart/2005/8/layout/orgChart1"/>
+    <dgm:cxn modelId="{155DE851-23D8-CD4C-B967-CD18E432D100}" srcId="{467AFAD3-3293-3D46-A0BA-6C22C7B0CA39}" destId="{673242DF-07A2-8748-B2D5-0236CAC6D457}" srcOrd="0" destOrd="0" parTransId="{7DFC9F20-3DBD-1E4B-B02C-F5EA2049B44A}" sibTransId="{CBC37A29-9B42-A647-983C-7398D036B9C2}"/>
+    <dgm:cxn modelId="{A03A8308-EAD9-6A46-8EA6-FFBB583A5D13}" srcId="{1AF1BAD9-3698-1C4E-82A8-125DDDF14674}" destId="{BBAD8F77-5872-5747-9A3C-09BD5AA2948E}" srcOrd="0" destOrd="0" parTransId="{D0215F3B-1B7C-7B4C-8E08-6D6D8880693C}" sibTransId="{CE6B88AB-526C-1A44-8EAE-2F57F2D98196}"/>
+    <dgm:cxn modelId="{87209C20-CA51-7F48-8658-5B7E6641CC01}" type="presOf" srcId="{030F8FBE-5C00-EB46-8569-74F78D6E91BD}" destId="{6618449D-EDA0-6744-AEEB-411ED6B34488}" srcOrd="0" destOrd="0" presId="urn:microsoft.com/office/officeart/2005/8/layout/orgChart1"/>
+    <dgm:cxn modelId="{25AB082E-58B8-544F-AB0F-B6DAB174DDAC}" srcId="{467AFAD3-3293-3D46-A0BA-6C22C7B0CA39}" destId="{3A901571-79DA-5C4D-8BFB-28BEF5C723F1}" srcOrd="1" destOrd="0" parTransId="{DF1DEEE5-8706-B444-B3B0-0D41B811858C}" sibTransId="{CC1BE171-B464-2B47-83F9-16066DB22BEB}"/>
+    <dgm:cxn modelId="{AB5D2EEC-7CC0-2E46-AACA-6FAE6C9E401C}" srcId="{6DABAE79-300E-5646-B138-78FFA05A1054}" destId="{4200AA75-0076-0447-B62A-50C1F3759849}" srcOrd="0" destOrd="0" parTransId="{8903E6B9-D149-E041-958E-53EA9C078C31}" sibTransId="{17B4E7C1-F319-4246-9094-7003DCC9F464}"/>
+    <dgm:cxn modelId="{0AE66D3C-C1FB-8B41-8A17-54D9E636F3B7}" type="presOf" srcId="{4200AA75-0076-0447-B62A-50C1F3759849}" destId="{E58AC7C5-ABDD-6040-AA82-D20C922F74B3}" srcOrd="0" destOrd="0" presId="urn:microsoft.com/office/officeart/2005/8/layout/orgChart1"/>
+    <dgm:cxn modelId="{5405B19D-1034-384B-A5BB-4ECA6B872914}" type="presOf" srcId="{467AFAD3-3293-3D46-A0BA-6C22C7B0CA39}" destId="{BCAB86C5-20B8-144B-8D79-F3C6E61C19FB}" srcOrd="1" destOrd="0" presId="urn:microsoft.com/office/officeart/2005/8/layout/orgChart1"/>
+    <dgm:cxn modelId="{093A0073-2210-7646-B4F2-35D8684D6F9E}" type="presOf" srcId="{22777756-1E50-7F46-B995-06AD726CDFB8}" destId="{469A0D05-251D-2D49-8A16-84967986828C}" srcOrd="1" destOrd="0" presId="urn:microsoft.com/office/officeart/2005/8/layout/orgChart1"/>
+    <dgm:cxn modelId="{7CCB5625-2D21-CD4D-BD38-C81CB7C8E5E2}" type="presOf" srcId="{1C258DD1-042C-8B47-987F-EFC8B5530D70}" destId="{41C239AE-B281-D74E-8CDA-3B6F94CAD5C9}" srcOrd="1" destOrd="0" presId="urn:microsoft.com/office/officeart/2005/8/layout/orgChart1"/>
+    <dgm:cxn modelId="{0407C60A-BDA1-F14F-A367-2B82BD27440F}" type="presOf" srcId="{19670FEF-BC45-D746-9F97-CBF05A5BBDA2}" destId="{264FB3D9-A143-594F-B8E9-D5FC2076CDB9}" srcOrd="1" destOrd="0" presId="urn:microsoft.com/office/officeart/2005/8/layout/orgChart1"/>
+    <dgm:cxn modelId="{1593A677-555D-B248-B198-1C39066BED83}" type="presOf" srcId="{53D59C77-EEF9-EF42-B8EA-82200540187C}" destId="{3F1B7588-5F5B-F14D-BF32-D0B86CA66BF6}" srcOrd="0" destOrd="0" presId="urn:microsoft.com/office/officeart/2005/8/layout/orgChart1"/>
+    <dgm:cxn modelId="{4CD88274-88B2-6445-BBBE-AE268EA8E38F}" type="presOf" srcId="{E2DD94BE-9924-FD4F-BD9C-EF11C2A5E1FE}" destId="{20AC85B9-242F-6144-BC97-D334B118CAF6}" srcOrd="1" destOrd="0" presId="urn:microsoft.com/office/officeart/2005/8/layout/orgChart1"/>
+    <dgm:cxn modelId="{DEA63A14-7A65-D64C-8457-E255C83F2079}" srcId="{6DABAE79-300E-5646-B138-78FFA05A1054}" destId="{1C258DD1-042C-8B47-987F-EFC8B5530D70}" srcOrd="1" destOrd="0" parTransId="{6533EB45-E035-6344-BE88-164601633F7E}" sibTransId="{7F78C868-ADC6-C047-A729-E36714CB4D10}"/>
+    <dgm:cxn modelId="{96FC5975-4D9C-3B4E-AC33-9F530E3C9BA5}" srcId="{19670FEF-BC45-D746-9F97-CBF05A5BBDA2}" destId="{1AF1BAD9-3698-1C4E-82A8-125DDDF14674}" srcOrd="0" destOrd="0" parTransId="{CE81EA21-9DA2-E94E-A5A1-D5CE47B9A676}" sibTransId="{5EF014CE-B8D2-9F42-A5A2-F5309283D88D}"/>
+    <dgm:cxn modelId="{748F793B-B945-AD4D-BD9E-42768277441C}" type="presOf" srcId="{6A3C98B9-3E4C-E54E-9F28-0112D9478336}" destId="{4F8792A5-E9D7-C949-9CD4-0CADE2E03D80}" srcOrd="0" destOrd="0" presId="urn:microsoft.com/office/officeart/2005/8/layout/orgChart1"/>
+    <dgm:cxn modelId="{DDBAE2A7-5C43-6E42-8D9A-4463C63E3C73}" type="presOf" srcId="{63FB096C-FAED-0B48-B5A7-7E85D80073EA}" destId="{CE3CEA21-640C-7C40-9007-2EE58E05AC6C}" srcOrd="0" destOrd="0" presId="urn:microsoft.com/office/officeart/2005/8/layout/orgChart1"/>
+    <dgm:cxn modelId="{6CF3AE4C-369D-124C-98C7-B0DB3B405794}" type="presOf" srcId="{53D59C77-EEF9-EF42-B8EA-82200540187C}" destId="{D182F65B-24DC-394A-9A9D-94D3582CAEA1}" srcOrd="1" destOrd="0" presId="urn:microsoft.com/office/officeart/2005/8/layout/orgChart1"/>
+    <dgm:cxn modelId="{DF6DB98A-F398-8048-8D28-336D86B573A3}" type="presOf" srcId="{22777756-1E50-7F46-B995-06AD726CDFB8}" destId="{DC3AA488-9688-C340-B9DB-2E72853D416D}" srcOrd="0" destOrd="0" presId="urn:microsoft.com/office/officeart/2005/8/layout/orgChart1"/>
+    <dgm:cxn modelId="{BFAC47A2-8DA4-BE48-8F9A-CBC5E88DF7FA}" srcId="{6A3C98B9-3E4C-E54E-9F28-0112D9478336}" destId="{E2DD94BE-9924-FD4F-BD9C-EF11C2A5E1FE}" srcOrd="1" destOrd="0" parTransId="{98149B13-83D7-4648-9C6B-C7E153C20977}" sibTransId="{946135F8-8A9B-EA40-BA88-9BC0506CE546}"/>
+    <dgm:cxn modelId="{4A5C20E6-1B78-B643-9014-4B99E1076CF1}" srcId="{53D59C77-EEF9-EF42-B8EA-82200540187C}" destId="{575F584D-6F82-AA40-BE43-A7410514A505}" srcOrd="0" destOrd="0" parTransId="{B5F1E37A-7C75-334A-973B-22B9796BF069}" sibTransId="{3B81465B-1024-F645-876D-8143A04134C9}"/>
+    <dgm:cxn modelId="{5FCB578E-52BE-B543-8D25-F463A6AC83F7}" srcId="{1AF1BAD9-3698-1C4E-82A8-125DDDF14674}" destId="{F417DA91-E0E4-E14E-A89B-A32865B92CCE}" srcOrd="1" destOrd="0" parTransId="{820AE95E-AAE6-7E46-A0FF-433F0FD6F75D}" sibTransId="{A6C3F4FC-BF10-DE4A-ACCD-CA8B5250DABF}"/>
+    <dgm:cxn modelId="{7B9C748A-4FD5-D444-BA72-043B1BE551F4}" type="presOf" srcId="{467AFAD3-3293-3D46-A0BA-6C22C7B0CA39}" destId="{9D595FDA-2978-644A-ABD3-DDD82FA168FB}" srcOrd="0" destOrd="0" presId="urn:microsoft.com/office/officeart/2005/8/layout/orgChart1"/>
+    <dgm:cxn modelId="{D7E1183B-2312-1149-9DB7-12F4CE3E9B2C}" type="presOf" srcId="{673242DF-07A2-8748-B2D5-0236CAC6D457}" destId="{F5775107-CCCA-CD4D-B179-09C029FD0160}" srcOrd="0" destOrd="0" presId="urn:microsoft.com/office/officeart/2005/8/layout/orgChart1"/>
+    <dgm:cxn modelId="{9EC8B07A-0798-6E43-A2FB-022EF5FF261F}" type="presOf" srcId="{F417DA91-E0E4-E14E-A89B-A32865B92CCE}" destId="{51E65A21-1844-ED4C-921C-3B476A3328F8}" srcOrd="0" destOrd="0" presId="urn:microsoft.com/office/officeart/2005/8/layout/orgChart1"/>
+    <dgm:cxn modelId="{539CBEB0-7271-9E41-9CF4-69FC20D885CA}" type="presOf" srcId="{575F584D-6F82-AA40-BE43-A7410514A505}" destId="{D64F82C7-52F0-4B45-8364-EB937D747733}" srcOrd="1" destOrd="0" presId="urn:microsoft.com/office/officeart/2005/8/layout/orgChart1"/>
+    <dgm:cxn modelId="{C41B7FBE-F431-B541-9B0B-FE7096D75E74}" type="presOf" srcId="{BBAD8F77-5872-5747-9A3C-09BD5AA2948E}" destId="{7C1C094A-A447-E94A-8902-CA183FD99F0B}" srcOrd="0" destOrd="0" presId="urn:microsoft.com/office/officeart/2005/8/layout/orgChart1"/>
+    <dgm:cxn modelId="{AA40BF9A-F837-9843-8584-B2E94B565FD2}" type="presOf" srcId="{D9AA8733-1AF8-9648-9A0D-1001A8D48E0C}" destId="{86E672AC-64D9-7743-A245-4C98F2FB7D6D}" srcOrd="0" destOrd="0" presId="urn:microsoft.com/office/officeart/2005/8/layout/orgChart1"/>
+    <dgm:cxn modelId="{D4AD25B1-F910-644A-9295-9462EF453BF7}" type="presOf" srcId="{CE81EA21-9DA2-E94E-A5A1-D5CE47B9A676}" destId="{70AB6EBE-BC8F-5C4F-A4CA-B20C66055145}" srcOrd="0" destOrd="0" presId="urn:microsoft.com/office/officeart/2005/8/layout/orgChart1"/>
+    <dgm:cxn modelId="{B6928BFB-3755-CA4B-ABEC-5E93DC759658}" type="presOf" srcId="{203D92FB-9ACD-0540-BEBF-95A2E242E467}" destId="{DE12D51C-CDA5-594A-B36D-AC9E49E468F0}" srcOrd="0" destOrd="0" presId="urn:microsoft.com/office/officeart/2005/8/layout/orgChart1"/>
+    <dgm:cxn modelId="{BBC10AD4-611A-D34F-9D2C-52531A35DFC4}" srcId="{6A3C98B9-3E4C-E54E-9F28-0112D9478336}" destId="{4B2391FA-3F2C-C04B-8966-CD2022A840E9}" srcOrd="0" destOrd="0" parTransId="{793AA157-F286-8647-84F8-CE1F6A61DFF0}" sibTransId="{92A03918-875C-3E4F-B75D-DAEEC621F99C}"/>
+    <dgm:cxn modelId="{42932889-FDD1-5649-9CB7-D44494008706}" type="presOf" srcId="{F417DA91-E0E4-E14E-A89B-A32865B92CCE}" destId="{C44EA6AB-DBBB-BF42-B953-260216B3C540}" srcOrd="1" destOrd="0" presId="urn:microsoft.com/office/officeart/2005/8/layout/orgChart1"/>
+    <dgm:cxn modelId="{4F1B1AA1-BAE6-C245-999D-FB3B80482914}" type="presOf" srcId="{1C258DD1-042C-8B47-987F-EFC8B5530D70}" destId="{AC89D4A8-011A-BD4C-BAF6-9B7CCB61BDDA}" srcOrd="0" destOrd="0" presId="urn:microsoft.com/office/officeart/2005/8/layout/orgChart1"/>
+    <dgm:cxn modelId="{7510509F-72BF-2F44-BD0D-A365ABA5409B}" type="presOf" srcId="{4B2391FA-3F2C-C04B-8966-CD2022A840E9}" destId="{205804AE-F860-214C-BC6A-B1FFB5C5874C}" srcOrd="0" destOrd="0" presId="urn:microsoft.com/office/officeart/2005/8/layout/orgChart1"/>
+    <dgm:cxn modelId="{6AAD525A-9460-E141-AF62-71C237873CB6}" type="presOf" srcId="{575F584D-6F82-AA40-BE43-A7410514A505}" destId="{67D03EB7-8959-3A49-904F-C23B65264F2C}" srcOrd="0" destOrd="0" presId="urn:microsoft.com/office/officeart/2005/8/layout/orgChart1"/>
+    <dgm:cxn modelId="{C2347919-F9B1-9346-8364-FC432F5FD33D}" type="presOf" srcId="{1AF1BAD9-3698-1C4E-82A8-125DDDF14674}" destId="{BE4905EA-0AE2-A442-9A73-6128FE2AF02A}" srcOrd="1" destOrd="0" presId="urn:microsoft.com/office/officeart/2005/8/layout/orgChart1"/>
+    <dgm:cxn modelId="{2B735A1C-6376-8547-8D68-4D71703AC083}" type="presOf" srcId="{1AF1BAD9-3698-1C4E-82A8-125DDDF14674}" destId="{DAADDBCF-1B61-AC4A-A4F4-FA1D9F05F2E7}" srcOrd="0" destOrd="0" presId="urn:microsoft.com/office/officeart/2005/8/layout/orgChart1"/>
+    <dgm:cxn modelId="{90AF36ED-5DA2-3847-9E77-059F59D772C3}" srcId="{673242DF-07A2-8748-B2D5-0236CAC6D457}" destId="{22777756-1E50-7F46-B995-06AD726CDFB8}" srcOrd="1" destOrd="0" parTransId="{8B236178-5B88-1047-8F15-515197E8BF8C}" sibTransId="{CD874E94-7A54-C748-818D-748E93595C1F}"/>
+    <dgm:cxn modelId="{1B67B83D-A3C4-424E-85FC-6247D9693042}" type="presOf" srcId="{6533EB45-E035-6344-BE88-164601633F7E}" destId="{AFC7F75F-4A30-1F4A-BC38-B943937767BB}" srcOrd="0" destOrd="0" presId="urn:microsoft.com/office/officeart/2005/8/layout/orgChart1"/>
+    <dgm:cxn modelId="{EE401913-0C71-F340-A990-D45ED8B8D68B}" type="presOf" srcId="{4200AA75-0076-0447-B62A-50C1F3759849}" destId="{3534854F-5AE5-6243-B775-98D86BF5E980}" srcOrd="1" destOrd="0" presId="urn:microsoft.com/office/officeart/2005/8/layout/orgChart1"/>
+    <dgm:cxn modelId="{C1DDD3A4-A5AB-1E4C-B1F1-9FB4DFC1CEE7}" type="presOf" srcId="{DF1DEEE5-8706-B444-B3B0-0D41B811858C}" destId="{79043C15-26D5-EA46-A12D-84039326A8B4}" srcOrd="0" destOrd="0" presId="urn:microsoft.com/office/officeart/2005/8/layout/orgChart1"/>
+    <dgm:cxn modelId="{DBF74081-10C8-3F49-8DFF-D4D058FD7979}" type="presOf" srcId="{BBAD8F77-5872-5747-9A3C-09BD5AA2948E}" destId="{83452788-4449-1849-84A1-98A6E1C9E1C6}" srcOrd="1" destOrd="0" presId="urn:microsoft.com/office/officeart/2005/8/layout/orgChart1"/>
+    <dgm:cxn modelId="{481CA1F7-9D6D-2845-AFF2-BF57AE77523A}" srcId="{8A2B51A3-C97E-FC49-8A62-F5918C09B322}" destId="{467AFAD3-3293-3D46-A0BA-6C22C7B0CA39}" srcOrd="0" destOrd="0" parTransId="{925E7F86-A5A7-B44D-A3D6-48DC9F1F3D1F}" sibTransId="{997CB188-47B2-994C-9F2A-ADEC4B710915}"/>
+    <dgm:cxn modelId="{C99E1E03-3CD0-E14A-8241-36C45A2A2CE7}" type="presOf" srcId="{4B2391FA-3F2C-C04B-8966-CD2022A840E9}" destId="{BBC18504-D563-AF44-8516-BE95C5199EB4}" srcOrd="1" destOrd="0" presId="urn:microsoft.com/office/officeart/2005/8/layout/orgChart1"/>
+    <dgm:cxn modelId="{6C1DD433-72AD-9F46-A307-B5AD8F96BD7B}" type="presOf" srcId="{3A901571-79DA-5C4D-8BFB-28BEF5C723F1}" destId="{2FE5219C-1A7A-274E-886A-472C69E572E7}" srcOrd="1" destOrd="0" presId="urn:microsoft.com/office/officeart/2005/8/layout/orgChart1"/>
+    <dgm:cxn modelId="{434A87FA-E392-6741-AF73-5470BF0C5030}" type="presOf" srcId="{B5F1E37A-7C75-334A-973B-22B9796BF069}" destId="{29509E23-8F22-4B4B-BC07-B3485ADCEF10}" srcOrd="0" destOrd="0" presId="urn:microsoft.com/office/officeart/2005/8/layout/orgChart1"/>
+    <dgm:cxn modelId="{C7A9EA61-7608-694D-BAE3-9763844E9845}" type="presOf" srcId="{793AA157-F286-8647-84F8-CE1F6A61DFF0}" destId="{6D86BD27-7022-2540-A893-EBB1BB3B468B}" srcOrd="0" destOrd="0" presId="urn:microsoft.com/office/officeart/2005/8/layout/orgChart1"/>
+    <dgm:cxn modelId="{8125B9DA-30E9-8941-94E2-AD9E7D39473D}" type="presOf" srcId="{673242DF-07A2-8748-B2D5-0236CAC6D457}" destId="{1D4D2E3D-E6C3-BC4A-B579-8400A1AFD758}" srcOrd="1" destOrd="0" presId="urn:microsoft.com/office/officeart/2005/8/layout/orgChart1"/>
+    <dgm:cxn modelId="{8B8A981A-51E2-8248-8864-AEBAE2799BD0}" type="presOf" srcId="{9CCA4A74-F9FB-444C-B06A-DC3BE74AAD74}" destId="{42ECA393-5D05-E346-8740-9BEEB76D3D52}" srcOrd="0" destOrd="0" presId="urn:microsoft.com/office/officeart/2005/8/layout/orgChart1"/>
+    <dgm:cxn modelId="{38A51549-1501-7444-9E81-AC5063276A82}" type="presOf" srcId="{8A2B51A3-C97E-FC49-8A62-F5918C09B322}" destId="{DC5C075B-9145-A048-96AD-68835CB2DDEC}" srcOrd="0" destOrd="0" presId="urn:microsoft.com/office/officeart/2005/8/layout/orgChart1"/>
+    <dgm:cxn modelId="{EFA1A4B2-45F2-9E4D-8641-77F29C51EBA8}" type="presOf" srcId="{ECFB5F6B-C059-C148-AEAB-496F839C898C}" destId="{C3BA7C53-3238-9D45-BDBA-FEAE41DD5827}" srcOrd="0" destOrd="0" presId="urn:microsoft.com/office/officeart/2005/8/layout/orgChart1"/>
+    <dgm:cxn modelId="{83D89174-B40D-7046-940C-36E2684C196A}" type="presOf" srcId="{19670FEF-BC45-D746-9F97-CBF05A5BBDA2}" destId="{DBAEEE53-CD50-484D-8A44-02F9DE19D7A8}" srcOrd="0" destOrd="0" presId="urn:microsoft.com/office/officeart/2005/8/layout/orgChart1"/>
+    <dgm:cxn modelId="{A924CA47-9DFE-604C-BBFA-16800B9E3FC7}" srcId="{673242DF-07A2-8748-B2D5-0236CAC6D457}" destId="{19670FEF-BC45-D746-9F97-CBF05A5BBDA2}" srcOrd="0" destOrd="0" parTransId="{63FB096C-FAED-0B48-B5A7-7E85D80073EA}" sibTransId="{85147861-028A-1A42-89D8-D000C6EF161D}"/>
+    <dgm:cxn modelId="{E339BCE7-7A81-D54D-9CC6-7BEC9BD5BDD3}" type="presOf" srcId="{E2DD94BE-9924-FD4F-BD9C-EF11C2A5E1FE}" destId="{2CBF5CFC-6793-4A43-A77C-E0C8EBF8041C}" srcOrd="0" destOrd="0" presId="urn:microsoft.com/office/officeart/2005/8/layout/orgChart1"/>
+    <dgm:cxn modelId="{080CC93B-AD59-AE4F-B9FB-2852F40B93E4}" srcId="{22777756-1E50-7F46-B995-06AD726CDFB8}" destId="{53D59C77-EEF9-EF42-B8EA-82200540187C}" srcOrd="1" destOrd="0" parTransId="{030F8FBE-5C00-EB46-8569-74F78D6E91BD}" sibTransId="{3F2E5792-3841-D94E-BCA9-0B810794FF45}"/>
+    <dgm:cxn modelId="{6950BC52-3ED1-7048-A2FB-A026904A73F5}" srcId="{22777756-1E50-7F46-B995-06AD726CDFB8}" destId="{6A3C98B9-3E4C-E54E-9F28-0112D9478336}" srcOrd="0" destOrd="0" parTransId="{ECFB5F6B-C059-C148-AEAB-496F839C898C}" sibTransId="{F0558DC9-B9CA-7044-A7E9-93DBFCD21024}"/>
+    <dgm:cxn modelId="{AD9C3BD6-645B-A64C-8D8A-0F69C26B96B7}" type="presOf" srcId="{6A3C98B9-3E4C-E54E-9F28-0112D9478336}" destId="{4C8A8809-844D-D74A-AA83-8E2709BDCC7C}" srcOrd="1" destOrd="0" presId="urn:microsoft.com/office/officeart/2005/8/layout/orgChart1"/>
+    <dgm:cxn modelId="{A49D3E03-9A0D-3D49-8133-CCFD9ABAD8FF}" type="presOf" srcId="{D0215F3B-1B7C-7B4C-8E08-6D6D8880693C}" destId="{FD5C37A9-0F67-1046-A215-7EAEED073675}" srcOrd="0" destOrd="0" presId="urn:microsoft.com/office/officeart/2005/8/layout/orgChart1"/>
+    <dgm:cxn modelId="{2D809A25-4C8F-D84A-AB45-5AED6E1282ED}" type="presOf" srcId="{6DABAE79-300E-5646-B138-78FFA05A1054}" destId="{DAB88339-9197-9842-8C37-E1DE96A93C68}" srcOrd="0" destOrd="0" presId="urn:microsoft.com/office/officeart/2005/8/layout/orgChart1"/>
+    <dgm:cxn modelId="{AFA52A3B-2DA7-7D4D-97E8-F5034CAAA5DC}" type="presOf" srcId="{D9AA8733-1AF8-9648-9A0D-1001A8D48E0C}" destId="{98F9D4E1-6C74-BB41-8560-E59BE6A41F9F}" srcOrd="1" destOrd="0" presId="urn:microsoft.com/office/officeart/2005/8/layout/orgChart1"/>
+    <dgm:cxn modelId="{F8111DB9-F1E2-2240-85E7-90D32678C1F0}" type="presOf" srcId="{7DFC9F20-3DBD-1E4B-B02C-F5EA2049B44A}" destId="{6FB136FC-0718-1B4C-AAEE-29D4A2CC5EE5}" srcOrd="0" destOrd="0" presId="urn:microsoft.com/office/officeart/2005/8/layout/orgChart1"/>
+    <dgm:cxn modelId="{5B8F5DDE-D179-EF4E-94C2-6A5CF9C55249}" type="presOf" srcId="{8B236178-5B88-1047-8F15-515197E8BF8C}" destId="{1630E1C8-F0C1-3C44-ACC4-DDDFA21B2B76}" srcOrd="0" destOrd="0" presId="urn:microsoft.com/office/officeart/2005/8/layout/orgChart1"/>
+    <dgm:cxn modelId="{E6BA9576-9248-A545-9522-7F6356B5ED77}" type="presOf" srcId="{820AE95E-AAE6-7E46-A0FF-433F0FD6F75D}" destId="{80E459ED-BE95-1D46-A67A-278BB9BEA342}" srcOrd="0" destOrd="0" presId="urn:microsoft.com/office/officeart/2005/8/layout/orgChart1"/>
+    <dgm:cxn modelId="{1C765121-C2A9-8441-8C24-558C0D033385}" type="presParOf" srcId="{DC5C075B-9145-A048-96AD-68835CB2DDEC}" destId="{68527431-E4D5-564C-A741-8CCF9A4B3B70}" srcOrd="0" destOrd="0" presId="urn:microsoft.com/office/officeart/2005/8/layout/orgChart1"/>
+    <dgm:cxn modelId="{3EA58A38-2B52-9647-A22F-461137F6940E}" type="presParOf" srcId="{68527431-E4D5-564C-A741-8CCF9A4B3B70}" destId="{3A50D0EA-1279-B349-AE63-57034CE05EF1}" srcOrd="0" destOrd="0" presId="urn:microsoft.com/office/officeart/2005/8/layout/orgChart1"/>
+    <dgm:cxn modelId="{C50073CF-DD8E-CA45-8EEC-8D58743D9A02}" type="presParOf" srcId="{3A50D0EA-1279-B349-AE63-57034CE05EF1}" destId="{9D595FDA-2978-644A-ABD3-DDD82FA168FB}" srcOrd="0" destOrd="0" presId="urn:microsoft.com/office/officeart/2005/8/layout/orgChart1"/>
+    <dgm:cxn modelId="{A2D5C325-E4AA-944C-9CD0-4AC20B82FF5C}" type="presParOf" srcId="{3A50D0EA-1279-B349-AE63-57034CE05EF1}" destId="{BCAB86C5-20B8-144B-8D79-F3C6E61C19FB}" srcOrd="1" destOrd="0" presId="urn:microsoft.com/office/officeart/2005/8/layout/orgChart1"/>
+    <dgm:cxn modelId="{B0DBEA77-4091-0C45-A152-92D3233F467D}" type="presParOf" srcId="{68527431-E4D5-564C-A741-8CCF9A4B3B70}" destId="{E7515C35-FCFA-8048-A9E9-F8EED80F537B}" srcOrd="1" destOrd="0" presId="urn:microsoft.com/office/officeart/2005/8/layout/orgChart1"/>
+    <dgm:cxn modelId="{7C665895-2031-0449-8184-BEBF2AFDB09A}" type="presParOf" srcId="{68527431-E4D5-564C-A741-8CCF9A4B3B70}" destId="{1313E5F4-9273-BF40-9443-FC8CA7BCED2D}" srcOrd="2" destOrd="0" presId="urn:microsoft.com/office/officeart/2005/8/layout/orgChart1"/>
+    <dgm:cxn modelId="{A2A7B4B9-303E-C345-BD9A-110C54D7D98D}" type="presParOf" srcId="{1313E5F4-9273-BF40-9443-FC8CA7BCED2D}" destId="{6FB136FC-0718-1B4C-AAEE-29D4A2CC5EE5}" srcOrd="0" destOrd="0" presId="urn:microsoft.com/office/officeart/2005/8/layout/orgChart1"/>
+    <dgm:cxn modelId="{2C632D42-E1C5-1F47-9D7C-7491666FBB73}" type="presParOf" srcId="{1313E5F4-9273-BF40-9443-FC8CA7BCED2D}" destId="{0D93C17C-FE3E-E94B-99A1-E0F5F775F4D0}" srcOrd="1" destOrd="0" presId="urn:microsoft.com/office/officeart/2005/8/layout/orgChart1"/>
+    <dgm:cxn modelId="{7534E7FF-ACCC-D745-9614-5F45A0C66128}" type="presParOf" srcId="{0D93C17C-FE3E-E94B-99A1-E0F5F775F4D0}" destId="{311EA16E-B353-054F-A218-343210D4B9BA}" srcOrd="0" destOrd="0" presId="urn:microsoft.com/office/officeart/2005/8/layout/orgChart1"/>
+    <dgm:cxn modelId="{7A3DA1C3-5AAB-814B-95CB-C28992C73323}" type="presParOf" srcId="{311EA16E-B353-054F-A218-343210D4B9BA}" destId="{F5775107-CCCA-CD4D-B179-09C029FD0160}" srcOrd="0" destOrd="0" presId="urn:microsoft.com/office/officeart/2005/8/layout/orgChart1"/>
+    <dgm:cxn modelId="{9D600EC2-FA11-634F-8CEB-4FB57B64D86F}" type="presParOf" srcId="{311EA16E-B353-054F-A218-343210D4B9BA}" destId="{1D4D2E3D-E6C3-BC4A-B579-8400A1AFD758}" srcOrd="1" destOrd="0" presId="urn:microsoft.com/office/officeart/2005/8/layout/orgChart1"/>
+    <dgm:cxn modelId="{56C3D9C9-BCEC-6841-AE38-2FEE300F6FFF}" type="presParOf" srcId="{0D93C17C-FE3E-E94B-99A1-E0F5F775F4D0}" destId="{4660C9CA-44BC-7440-A4D3-47790784D14D}" srcOrd="1" destOrd="0" presId="urn:microsoft.com/office/officeart/2005/8/layout/orgChart1"/>
+    <dgm:cxn modelId="{1F91663B-E93E-9341-9542-4182D636C08F}" type="presParOf" srcId="{0D93C17C-FE3E-E94B-99A1-E0F5F775F4D0}" destId="{E9B0E80F-BC9D-644C-81A8-E22FB5308733}" srcOrd="2" destOrd="0" presId="urn:microsoft.com/office/officeart/2005/8/layout/orgChart1"/>
+    <dgm:cxn modelId="{D0D24846-5BB7-F046-9E71-A8A7853471DE}" type="presParOf" srcId="{E9B0E80F-BC9D-644C-81A8-E22FB5308733}" destId="{CE3CEA21-640C-7C40-9007-2EE58E05AC6C}" srcOrd="0" destOrd="0" presId="urn:microsoft.com/office/officeart/2005/8/layout/orgChart1"/>
+    <dgm:cxn modelId="{12D47DAD-2074-A044-A606-45B98EFFF6EE}" type="presParOf" srcId="{E9B0E80F-BC9D-644C-81A8-E22FB5308733}" destId="{53EC2CA8-0015-304D-946D-BDF7C28B8327}" srcOrd="1" destOrd="0" presId="urn:microsoft.com/office/officeart/2005/8/layout/orgChart1"/>
+    <dgm:cxn modelId="{8FB26C18-0C42-5F43-B74E-B91D13068B1C}" type="presParOf" srcId="{53EC2CA8-0015-304D-946D-BDF7C28B8327}" destId="{3457AFE8-82C5-034C-9139-440636E5B5B1}" srcOrd="0" destOrd="0" presId="urn:microsoft.com/office/officeart/2005/8/layout/orgChart1"/>
+    <dgm:cxn modelId="{D06B50D9-3633-DB4A-9584-4F7E1188A8E7}" type="presParOf" srcId="{3457AFE8-82C5-034C-9139-440636E5B5B1}" destId="{DBAEEE53-CD50-484D-8A44-02F9DE19D7A8}" srcOrd="0" destOrd="0" presId="urn:microsoft.com/office/officeart/2005/8/layout/orgChart1"/>
+    <dgm:cxn modelId="{AADC5F57-3C87-A242-8374-AAB870C37931}" type="presParOf" srcId="{3457AFE8-82C5-034C-9139-440636E5B5B1}" destId="{264FB3D9-A143-594F-B8E9-D5FC2076CDB9}" srcOrd="1" destOrd="0" presId="urn:microsoft.com/office/officeart/2005/8/layout/orgChart1"/>
+    <dgm:cxn modelId="{5F5BAF26-105D-B944-A6C1-97D05F6414F7}" type="presParOf" srcId="{53EC2CA8-0015-304D-946D-BDF7C28B8327}" destId="{1A16830D-35B2-4D49-8002-65979C44B6BE}" srcOrd="1" destOrd="0" presId="urn:microsoft.com/office/officeart/2005/8/layout/orgChart1"/>
+    <dgm:cxn modelId="{71F34755-A592-0C4E-AEBB-C6C699EC82B6}" type="presParOf" srcId="{53EC2CA8-0015-304D-946D-BDF7C28B8327}" destId="{7636465C-3BD7-CB4C-A7CA-161D0C46B527}" srcOrd="2" destOrd="0" presId="urn:microsoft.com/office/officeart/2005/8/layout/orgChart1"/>
+    <dgm:cxn modelId="{26D955F2-2942-1E4D-A4EF-062C49FB6B5F}" type="presParOf" srcId="{7636465C-3BD7-CB4C-A7CA-161D0C46B527}" destId="{70AB6EBE-BC8F-5C4F-A4CA-B20C66055145}" srcOrd="0" destOrd="0" presId="urn:microsoft.com/office/officeart/2005/8/layout/orgChart1"/>
+    <dgm:cxn modelId="{54F5094B-83AF-7740-8A84-33748EF9DCF2}" type="presParOf" srcId="{7636465C-3BD7-CB4C-A7CA-161D0C46B527}" destId="{1F22ED20-9BDC-FF48-A5D7-50304974CF3A}" srcOrd="1" destOrd="0" presId="urn:microsoft.com/office/officeart/2005/8/layout/orgChart1"/>
+    <dgm:cxn modelId="{2398F1D0-7D5A-244C-A0C3-C8F9F492FAB3}" type="presParOf" srcId="{1F22ED20-9BDC-FF48-A5D7-50304974CF3A}" destId="{79C52C6B-0DDA-7040-B30C-EA000B9959F1}" srcOrd="0" destOrd="0" presId="urn:microsoft.com/office/officeart/2005/8/layout/orgChart1"/>
+    <dgm:cxn modelId="{E48F3B99-6636-CE40-B7D8-87AAB1837CA7}" type="presParOf" srcId="{79C52C6B-0DDA-7040-B30C-EA000B9959F1}" destId="{DAADDBCF-1B61-AC4A-A4F4-FA1D9F05F2E7}" srcOrd="0" destOrd="0" presId="urn:microsoft.com/office/officeart/2005/8/layout/orgChart1"/>
+    <dgm:cxn modelId="{8597A930-8DD9-1543-9D31-E1A9B3229B62}" type="presParOf" srcId="{79C52C6B-0DDA-7040-B30C-EA000B9959F1}" destId="{BE4905EA-0AE2-A442-9A73-6128FE2AF02A}" srcOrd="1" destOrd="0" presId="urn:microsoft.com/office/officeart/2005/8/layout/orgChart1"/>
+    <dgm:cxn modelId="{2123D1D8-36C8-B349-A0BA-952EFF3361D5}" type="presParOf" srcId="{1F22ED20-9BDC-FF48-A5D7-50304974CF3A}" destId="{892B9A06-8423-4942-8AB8-2FB9EA5C6E74}" srcOrd="1" destOrd="0" presId="urn:microsoft.com/office/officeart/2005/8/layout/orgChart1"/>
+    <dgm:cxn modelId="{FB1D3DC5-BC38-8743-937F-A9A89F003F46}" type="presParOf" srcId="{1F22ED20-9BDC-FF48-A5D7-50304974CF3A}" destId="{02C1D6BD-EC7F-0641-A74B-158F11CAD987}" srcOrd="2" destOrd="0" presId="urn:microsoft.com/office/officeart/2005/8/layout/orgChart1"/>
+    <dgm:cxn modelId="{DE849F2F-4412-394B-AC50-671729DF212D}" type="presParOf" srcId="{02C1D6BD-EC7F-0641-A74B-158F11CAD987}" destId="{FD5C37A9-0F67-1046-A215-7EAEED073675}" srcOrd="0" destOrd="0" presId="urn:microsoft.com/office/officeart/2005/8/layout/orgChart1"/>
+    <dgm:cxn modelId="{B16FAE4F-C51C-5647-A5FB-02F14163B45E}" type="presParOf" srcId="{02C1D6BD-EC7F-0641-A74B-158F11CAD987}" destId="{3057A2A1-A06A-774C-849D-6437854DF7DC}" srcOrd="1" destOrd="0" presId="urn:microsoft.com/office/officeart/2005/8/layout/orgChart1"/>
+    <dgm:cxn modelId="{1D0F34EA-E44F-F04C-926B-8DA18F4FF077}" type="presParOf" srcId="{3057A2A1-A06A-774C-849D-6437854DF7DC}" destId="{7D47943F-A66A-AC40-9ED1-5D9CAF222936}" srcOrd="0" destOrd="0" presId="urn:microsoft.com/office/officeart/2005/8/layout/orgChart1"/>
+    <dgm:cxn modelId="{1BE3956F-EB40-3B46-8FF0-68390C9E5CAD}" type="presParOf" srcId="{7D47943F-A66A-AC40-9ED1-5D9CAF222936}" destId="{7C1C094A-A447-E94A-8902-CA183FD99F0B}" srcOrd="0" destOrd="0" presId="urn:microsoft.com/office/officeart/2005/8/layout/orgChart1"/>
+    <dgm:cxn modelId="{C0B21110-4260-4143-8F46-FDEEFCE82841}" type="presParOf" srcId="{7D47943F-A66A-AC40-9ED1-5D9CAF222936}" destId="{83452788-4449-1849-84A1-98A6E1C9E1C6}" srcOrd="1" destOrd="0" presId="urn:microsoft.com/office/officeart/2005/8/layout/orgChart1"/>
+    <dgm:cxn modelId="{DC8C8BFF-DDCB-6A4B-9DD0-9A52C86DE95B}" type="presParOf" srcId="{3057A2A1-A06A-774C-849D-6437854DF7DC}" destId="{61385238-5438-564B-A4D5-6476C676E591}" srcOrd="1" destOrd="0" presId="urn:microsoft.com/office/officeart/2005/8/layout/orgChart1"/>
+    <dgm:cxn modelId="{C71AB91B-2C48-3E4A-8D01-00DF579DA215}" type="presParOf" srcId="{3057A2A1-A06A-774C-849D-6437854DF7DC}" destId="{D2944635-C82C-1A45-8583-93C1115C1219}" srcOrd="2" destOrd="0" presId="urn:microsoft.com/office/officeart/2005/8/layout/orgChart1"/>
+    <dgm:cxn modelId="{9B558BD3-17FC-6041-B11D-557F88823066}" type="presParOf" srcId="{02C1D6BD-EC7F-0641-A74B-158F11CAD987}" destId="{80E459ED-BE95-1D46-A67A-278BB9BEA342}" srcOrd="2" destOrd="0" presId="urn:microsoft.com/office/officeart/2005/8/layout/orgChart1"/>
+    <dgm:cxn modelId="{2F8B360A-1406-5846-8394-474F31827780}" type="presParOf" srcId="{02C1D6BD-EC7F-0641-A74B-158F11CAD987}" destId="{A0C276D3-BD22-DA43-9188-D578A0386A25}" srcOrd="3" destOrd="0" presId="urn:microsoft.com/office/officeart/2005/8/layout/orgChart1"/>
+    <dgm:cxn modelId="{9572E1E7-B6C1-3F41-BB1F-4C9E55EA86DC}" type="presParOf" srcId="{A0C276D3-BD22-DA43-9188-D578A0386A25}" destId="{4AD2E642-E934-6946-BF20-8C122FCF52CC}" srcOrd="0" destOrd="0" presId="urn:microsoft.com/office/officeart/2005/8/layout/orgChart1"/>
+    <dgm:cxn modelId="{61CA09A8-7F1B-D747-8AFC-74776640A769}" type="presParOf" srcId="{4AD2E642-E934-6946-BF20-8C122FCF52CC}" destId="{51E65A21-1844-ED4C-921C-3B476A3328F8}" srcOrd="0" destOrd="0" presId="urn:microsoft.com/office/officeart/2005/8/layout/orgChart1"/>
+    <dgm:cxn modelId="{78A9BF2D-200C-FF43-A026-8491A693408F}" type="presParOf" srcId="{4AD2E642-E934-6946-BF20-8C122FCF52CC}" destId="{C44EA6AB-DBBB-BF42-B953-260216B3C540}" srcOrd="1" destOrd="0" presId="urn:microsoft.com/office/officeart/2005/8/layout/orgChart1"/>
+    <dgm:cxn modelId="{70A259AF-EC0C-4B49-8CF9-1FE8EB018EE2}" type="presParOf" srcId="{A0C276D3-BD22-DA43-9188-D578A0386A25}" destId="{66BDB072-4D9C-444C-A5A1-2A4380193D96}" srcOrd="1" destOrd="0" presId="urn:microsoft.com/office/officeart/2005/8/layout/orgChart1"/>
+    <dgm:cxn modelId="{79085281-8585-2A4C-AECD-22A0E7F8952B}" type="presParOf" srcId="{A0C276D3-BD22-DA43-9188-D578A0386A25}" destId="{A08F9416-6091-6E4B-B213-E2BDCADA5C8C}" srcOrd="2" destOrd="0" presId="urn:microsoft.com/office/officeart/2005/8/layout/orgChart1"/>
+    <dgm:cxn modelId="{3F29C5B2-1C6C-D842-9215-21A3FA3B1C2D}" type="presParOf" srcId="{7636465C-3BD7-CB4C-A7CA-161D0C46B527}" destId="{42ECA393-5D05-E346-8740-9BEEB76D3D52}" srcOrd="2" destOrd="0" presId="urn:microsoft.com/office/officeart/2005/8/layout/orgChart1"/>
+    <dgm:cxn modelId="{D1EBFD98-2EB3-8F42-AF7D-93C610D7A9AC}" type="presParOf" srcId="{7636465C-3BD7-CB4C-A7CA-161D0C46B527}" destId="{37D798F5-61D6-274F-BC4A-699EEAAADC4B}" srcOrd="3" destOrd="0" presId="urn:microsoft.com/office/officeart/2005/8/layout/orgChart1"/>
+    <dgm:cxn modelId="{EE181A98-ADA8-6347-9CEB-536768EB8FBD}" type="presParOf" srcId="{37D798F5-61D6-274F-BC4A-699EEAAADC4B}" destId="{95C819AA-1C8B-CA43-8629-42E769E74588}" srcOrd="0" destOrd="0" presId="urn:microsoft.com/office/officeart/2005/8/layout/orgChart1"/>
+    <dgm:cxn modelId="{B03DE8F4-7D93-9C45-81FF-1641F768C286}" type="presParOf" srcId="{95C819AA-1C8B-CA43-8629-42E769E74588}" destId="{DAB88339-9197-9842-8C37-E1DE96A93C68}" srcOrd="0" destOrd="0" presId="urn:microsoft.com/office/officeart/2005/8/layout/orgChart1"/>
+    <dgm:cxn modelId="{76DB49A1-E80E-A64B-8E6F-6A9DAA73F373}" type="presParOf" srcId="{95C819AA-1C8B-CA43-8629-42E769E74588}" destId="{EE96D27A-8880-004A-B73E-6C0EE5141BDC}" srcOrd="1" destOrd="0" presId="urn:microsoft.com/office/officeart/2005/8/layout/orgChart1"/>
+    <dgm:cxn modelId="{157A311E-A68D-B844-B43C-1A2E406D807D}" type="presParOf" srcId="{37D798F5-61D6-274F-BC4A-699EEAAADC4B}" destId="{913D851B-3D9B-2F48-8498-1B83D98CA8B1}" srcOrd="1" destOrd="0" presId="urn:microsoft.com/office/officeart/2005/8/layout/orgChart1"/>
+    <dgm:cxn modelId="{A953A18B-3CF4-9C44-AAB8-687553C236AF}" type="presParOf" srcId="{37D798F5-61D6-274F-BC4A-699EEAAADC4B}" destId="{513ED70C-2B8C-0A49-B0A2-178A02CEC3BA}" srcOrd="2" destOrd="0" presId="urn:microsoft.com/office/officeart/2005/8/layout/orgChart1"/>
+    <dgm:cxn modelId="{2012ED57-1838-A84A-B965-9BF6EE2CB9A4}" type="presParOf" srcId="{513ED70C-2B8C-0A49-B0A2-178A02CEC3BA}" destId="{9D621E55-6F4A-CB41-8225-A5F10CE02B20}" srcOrd="0" destOrd="0" presId="urn:microsoft.com/office/officeart/2005/8/layout/orgChart1"/>
+    <dgm:cxn modelId="{6DB9A956-73C6-444D-A7ED-6EF9065E570F}" type="presParOf" srcId="{513ED70C-2B8C-0A49-B0A2-178A02CEC3BA}" destId="{228FFAF9-D414-8145-80A4-5CA8179FB4CF}" srcOrd="1" destOrd="0" presId="urn:microsoft.com/office/officeart/2005/8/layout/orgChart1"/>
+    <dgm:cxn modelId="{45191B49-CB47-3946-AEC6-518962CC6D2F}" type="presParOf" srcId="{228FFAF9-D414-8145-80A4-5CA8179FB4CF}" destId="{29F7AC55-1028-EE45-A43F-6C1AF050DBF0}" srcOrd="0" destOrd="0" presId="urn:microsoft.com/office/officeart/2005/8/layout/orgChart1"/>
+    <dgm:cxn modelId="{0357D368-7C81-674D-BDE2-9B4B39FA9EEC}" type="presParOf" srcId="{29F7AC55-1028-EE45-A43F-6C1AF050DBF0}" destId="{E58AC7C5-ABDD-6040-AA82-D20C922F74B3}" srcOrd="0" destOrd="0" presId="urn:microsoft.com/office/officeart/2005/8/layout/orgChart1"/>
+    <dgm:cxn modelId="{9AE67597-596D-024A-BC4A-2D65185E09C7}" type="presParOf" srcId="{29F7AC55-1028-EE45-A43F-6C1AF050DBF0}" destId="{3534854F-5AE5-6243-B775-98D86BF5E980}" srcOrd="1" destOrd="0" presId="urn:microsoft.com/office/officeart/2005/8/layout/orgChart1"/>
+    <dgm:cxn modelId="{2118DC06-0730-9148-9053-77691F4BC516}" type="presParOf" srcId="{228FFAF9-D414-8145-80A4-5CA8179FB4CF}" destId="{D8097397-E357-9B40-BED2-2AB1E1EEB3A0}" srcOrd="1" destOrd="0" presId="urn:microsoft.com/office/officeart/2005/8/layout/orgChart1"/>
+    <dgm:cxn modelId="{182B2416-855B-7F40-90BE-249934677F09}" type="presParOf" srcId="{228FFAF9-D414-8145-80A4-5CA8179FB4CF}" destId="{85D6FB71-FFFD-6548-BB6F-DBD561F6E87D}" srcOrd="2" destOrd="0" presId="urn:microsoft.com/office/officeart/2005/8/layout/orgChart1"/>
+    <dgm:cxn modelId="{22E6D3AE-CA4C-E041-934F-DD1DD0956D61}" type="presParOf" srcId="{513ED70C-2B8C-0A49-B0A2-178A02CEC3BA}" destId="{AFC7F75F-4A30-1F4A-BC38-B943937767BB}" srcOrd="2" destOrd="0" presId="urn:microsoft.com/office/officeart/2005/8/layout/orgChart1"/>
+    <dgm:cxn modelId="{71C6FA5E-482B-A34B-94C1-4068DB4E1A05}" type="presParOf" srcId="{513ED70C-2B8C-0A49-B0A2-178A02CEC3BA}" destId="{E286F50C-17E7-614D-93D0-8438EDACC836}" srcOrd="3" destOrd="0" presId="urn:microsoft.com/office/officeart/2005/8/layout/orgChart1"/>
+    <dgm:cxn modelId="{39724A5E-ECCC-A649-8420-5921E937E9B8}" type="presParOf" srcId="{E286F50C-17E7-614D-93D0-8438EDACC836}" destId="{705209A4-BBC7-C943-9694-029FBE0AEA43}" srcOrd="0" destOrd="0" presId="urn:microsoft.com/office/officeart/2005/8/layout/orgChart1"/>
+    <dgm:cxn modelId="{4C933E70-94D1-8847-9EAD-6ADEB35A459C}" type="presParOf" srcId="{705209A4-BBC7-C943-9694-029FBE0AEA43}" destId="{AC89D4A8-011A-BD4C-BAF6-9B7CCB61BDDA}" srcOrd="0" destOrd="0" presId="urn:microsoft.com/office/officeart/2005/8/layout/orgChart1"/>
+    <dgm:cxn modelId="{46A60459-8036-2048-A80D-3FE2975D0C68}" type="presParOf" srcId="{705209A4-BBC7-C943-9694-029FBE0AEA43}" destId="{41C239AE-B281-D74E-8CDA-3B6F94CAD5C9}" srcOrd="1" destOrd="0" presId="urn:microsoft.com/office/officeart/2005/8/layout/orgChart1"/>
+    <dgm:cxn modelId="{06F4E6F9-6A87-EF48-94ED-CBC5C331DA88}" type="presParOf" srcId="{E286F50C-17E7-614D-93D0-8438EDACC836}" destId="{D3BCCA89-D78D-AF43-BF06-322061095B4C}" srcOrd="1" destOrd="0" presId="urn:microsoft.com/office/officeart/2005/8/layout/orgChart1"/>
+    <dgm:cxn modelId="{F0BB850C-961C-E54B-8F91-0CAD09258E09}" type="presParOf" srcId="{E286F50C-17E7-614D-93D0-8438EDACC836}" destId="{16D87085-693A-FA49-8416-7E80634A8A46}" srcOrd="2" destOrd="0" presId="urn:microsoft.com/office/officeart/2005/8/layout/orgChart1"/>
+    <dgm:cxn modelId="{FDCD8855-6063-DB44-9267-7A7FB938268C}" type="presParOf" srcId="{E9B0E80F-BC9D-644C-81A8-E22FB5308733}" destId="{1630E1C8-F0C1-3C44-ACC4-DDDFA21B2B76}" srcOrd="2" destOrd="0" presId="urn:microsoft.com/office/officeart/2005/8/layout/orgChart1"/>
+    <dgm:cxn modelId="{E46AB3E2-FFB5-B346-9A89-FD9D561980DF}" type="presParOf" srcId="{E9B0E80F-BC9D-644C-81A8-E22FB5308733}" destId="{799C9D2D-FA3E-034C-AD85-22E5683A4D5E}" srcOrd="3" destOrd="0" presId="urn:microsoft.com/office/officeart/2005/8/layout/orgChart1"/>
+    <dgm:cxn modelId="{FFD0D725-9F9C-AF4D-A01D-48B14ABC3E18}" type="presParOf" srcId="{799C9D2D-FA3E-034C-AD85-22E5683A4D5E}" destId="{F23F81BF-0B3C-074D-9EDB-B195FC734FCE}" srcOrd="0" destOrd="0" presId="urn:microsoft.com/office/officeart/2005/8/layout/orgChart1"/>
+    <dgm:cxn modelId="{A0E12892-A67F-B94B-BFAE-D2594F65DA9F}" type="presParOf" srcId="{F23F81BF-0B3C-074D-9EDB-B195FC734FCE}" destId="{DC3AA488-9688-C340-B9DB-2E72853D416D}" srcOrd="0" destOrd="0" presId="urn:microsoft.com/office/officeart/2005/8/layout/orgChart1"/>
+    <dgm:cxn modelId="{7E11BDA6-7C34-F042-988A-D86D2F7D9A7D}" type="presParOf" srcId="{F23F81BF-0B3C-074D-9EDB-B195FC734FCE}" destId="{469A0D05-251D-2D49-8A16-84967986828C}" srcOrd="1" destOrd="0" presId="urn:microsoft.com/office/officeart/2005/8/layout/orgChart1"/>
+    <dgm:cxn modelId="{33F696A8-D7C2-8447-8C06-F57423E005BA}" type="presParOf" srcId="{799C9D2D-FA3E-034C-AD85-22E5683A4D5E}" destId="{F792C860-43C3-AD42-951C-E2FA7CA78B57}" srcOrd="1" destOrd="0" presId="urn:microsoft.com/office/officeart/2005/8/layout/orgChart1"/>
+    <dgm:cxn modelId="{3E4C9987-FA3A-804A-96F2-21530710CABD}" type="presParOf" srcId="{799C9D2D-FA3E-034C-AD85-22E5683A4D5E}" destId="{8543F080-6405-084C-928C-F11924E78595}" srcOrd="2" destOrd="0" presId="urn:microsoft.com/office/officeart/2005/8/layout/orgChart1"/>
+    <dgm:cxn modelId="{10774633-2827-0A4E-985D-3F84182298DE}" type="presParOf" srcId="{8543F080-6405-084C-928C-F11924E78595}" destId="{C3BA7C53-3238-9D45-BDBA-FEAE41DD5827}" srcOrd="0" destOrd="0" presId="urn:microsoft.com/office/officeart/2005/8/layout/orgChart1"/>
+    <dgm:cxn modelId="{39BBD199-649C-5C41-ADEF-059D0AFCD23E}" type="presParOf" srcId="{8543F080-6405-084C-928C-F11924E78595}" destId="{4F245BFA-086F-8E4A-98F5-0483F58F2AC2}" srcOrd="1" destOrd="0" presId="urn:microsoft.com/office/officeart/2005/8/layout/orgChart1"/>
+    <dgm:cxn modelId="{0C73569C-26DA-EB46-AE48-B91264780C0C}" type="presParOf" srcId="{4F245BFA-086F-8E4A-98F5-0483F58F2AC2}" destId="{11744A9F-C599-F64B-ACB4-A5A22361C25D}" srcOrd="0" destOrd="0" presId="urn:microsoft.com/office/officeart/2005/8/layout/orgChart1"/>
+    <dgm:cxn modelId="{C876FF3A-57CA-6848-85BE-DBEFC3C4E460}" type="presParOf" srcId="{11744A9F-C599-F64B-ACB4-A5A22361C25D}" destId="{4F8792A5-E9D7-C949-9CD4-0CADE2E03D80}" srcOrd="0" destOrd="0" presId="urn:microsoft.com/office/officeart/2005/8/layout/orgChart1"/>
+    <dgm:cxn modelId="{0F00F17E-2239-3445-9EFD-019F6F0F90D6}" type="presParOf" srcId="{11744A9F-C599-F64B-ACB4-A5A22361C25D}" destId="{4C8A8809-844D-D74A-AA83-8E2709BDCC7C}" srcOrd="1" destOrd="0" presId="urn:microsoft.com/office/officeart/2005/8/layout/orgChart1"/>
+    <dgm:cxn modelId="{203947B9-565E-1B4B-83A3-3FCC5F4E27EE}" type="presParOf" srcId="{4F245BFA-086F-8E4A-98F5-0483F58F2AC2}" destId="{B18343F5-974E-1140-A924-6EEFBC5C123F}" srcOrd="1" destOrd="0" presId="urn:microsoft.com/office/officeart/2005/8/layout/orgChart1"/>
+    <dgm:cxn modelId="{B2306805-F620-CB48-8ED6-CDB3256A086F}" type="presParOf" srcId="{4F245BFA-086F-8E4A-98F5-0483F58F2AC2}" destId="{C224DD18-F2A5-454C-AD2D-0C4614E65C32}" srcOrd="2" destOrd="0" presId="urn:microsoft.com/office/officeart/2005/8/layout/orgChart1"/>
+    <dgm:cxn modelId="{CEFDE7DB-A828-3E46-80CD-4061E05C5F1E}" type="presParOf" srcId="{C224DD18-F2A5-454C-AD2D-0C4614E65C32}" destId="{6D86BD27-7022-2540-A893-EBB1BB3B468B}" srcOrd="0" destOrd="0" presId="urn:microsoft.com/office/officeart/2005/8/layout/orgChart1"/>
+    <dgm:cxn modelId="{DF8A5692-C0BF-4E40-845F-933E3077D879}" type="presParOf" srcId="{C224DD18-F2A5-454C-AD2D-0C4614E65C32}" destId="{4016B7D4-18A2-6E48-9358-552B3A9D4B0B}" srcOrd="1" destOrd="0" presId="urn:microsoft.com/office/officeart/2005/8/layout/orgChart1"/>
+    <dgm:cxn modelId="{89632452-982E-C44B-AA71-C1D9B72DACA8}" type="presParOf" srcId="{4016B7D4-18A2-6E48-9358-552B3A9D4B0B}" destId="{B88E81F9-689A-9F45-989C-AD4343404AC3}" srcOrd="0" destOrd="0" presId="urn:microsoft.com/office/officeart/2005/8/layout/orgChart1"/>
+    <dgm:cxn modelId="{7A86ABE0-74DC-5548-96E9-7C50F85806BD}" type="presParOf" srcId="{B88E81F9-689A-9F45-989C-AD4343404AC3}" destId="{205804AE-F860-214C-BC6A-B1FFB5C5874C}" srcOrd="0" destOrd="0" presId="urn:microsoft.com/office/officeart/2005/8/layout/orgChart1"/>
+    <dgm:cxn modelId="{3D608037-7D9E-CF47-ABFE-169550B43A51}" type="presParOf" srcId="{B88E81F9-689A-9F45-989C-AD4343404AC3}" destId="{BBC18504-D563-AF44-8516-BE95C5199EB4}" srcOrd="1" destOrd="0" presId="urn:microsoft.com/office/officeart/2005/8/layout/orgChart1"/>
+    <dgm:cxn modelId="{F632622B-D9B7-EF42-8C4A-4F0CFC829B93}" type="presParOf" srcId="{4016B7D4-18A2-6E48-9358-552B3A9D4B0B}" destId="{A25E422D-7A63-2B48-AF18-E91556BCC148}" srcOrd="1" destOrd="0" presId="urn:microsoft.com/office/officeart/2005/8/layout/orgChart1"/>
+    <dgm:cxn modelId="{9236BFD2-18FD-FD4F-BA51-00D4A6BB833C}" type="presParOf" srcId="{4016B7D4-18A2-6E48-9358-552B3A9D4B0B}" destId="{B36E5781-B0C8-0049-A69D-FDDFB2C50880}" srcOrd="2" destOrd="0" presId="urn:microsoft.com/office/officeart/2005/8/layout/orgChart1"/>
+    <dgm:cxn modelId="{244DCF09-BD7F-4045-8549-092717C95935}" type="presParOf" srcId="{C224DD18-F2A5-454C-AD2D-0C4614E65C32}" destId="{26170BDD-FB3C-294C-8692-65521328A1C6}" srcOrd="2" destOrd="0" presId="urn:microsoft.com/office/officeart/2005/8/layout/orgChart1"/>
+    <dgm:cxn modelId="{027DACAE-C3C1-4F47-BA0E-8D0C8F1B4214}" type="presParOf" srcId="{C224DD18-F2A5-454C-AD2D-0C4614E65C32}" destId="{CB89A7F9-D93E-544C-9B26-8AC044747355}" srcOrd="3" destOrd="0" presId="urn:microsoft.com/office/officeart/2005/8/layout/orgChart1"/>
+    <dgm:cxn modelId="{964CF972-4B15-9E4C-B225-8EB2B08EB69D}" type="presParOf" srcId="{CB89A7F9-D93E-544C-9B26-8AC044747355}" destId="{82CE32DD-B110-0344-A623-CA4847E4F299}" srcOrd="0" destOrd="0" presId="urn:microsoft.com/office/officeart/2005/8/layout/orgChart1"/>
+    <dgm:cxn modelId="{8715AF96-1D79-A94B-819D-18E82E8ED323}" type="presParOf" srcId="{82CE32DD-B110-0344-A623-CA4847E4F299}" destId="{2CBF5CFC-6793-4A43-A77C-E0C8EBF8041C}" srcOrd="0" destOrd="0" presId="urn:microsoft.com/office/officeart/2005/8/layout/orgChart1"/>
+    <dgm:cxn modelId="{97A25C35-BE9E-074B-AE9B-AFAF1428A9AE}" type="presParOf" srcId="{82CE32DD-B110-0344-A623-CA4847E4F299}" destId="{20AC85B9-242F-6144-BC97-D334B118CAF6}" srcOrd="1" destOrd="0" presId="urn:microsoft.com/office/officeart/2005/8/layout/orgChart1"/>
+    <dgm:cxn modelId="{D397C402-19D1-1A45-ADAF-C929ECFC5E44}" type="presParOf" srcId="{CB89A7F9-D93E-544C-9B26-8AC044747355}" destId="{058E9145-644C-044E-A022-2FC1E120B458}" srcOrd="1" destOrd="0" presId="urn:microsoft.com/office/officeart/2005/8/layout/orgChart1"/>
+    <dgm:cxn modelId="{B200F4B9-0A9A-E44C-90E2-9620E3185196}" type="presParOf" srcId="{CB89A7F9-D93E-544C-9B26-8AC044747355}" destId="{5AB87BB2-C15A-5246-AD26-6C42E2B0FB67}" srcOrd="2" destOrd="0" presId="urn:microsoft.com/office/officeart/2005/8/layout/orgChart1"/>
+    <dgm:cxn modelId="{BA4984F1-8463-1D44-86A1-E7F0B9FE7314}" type="presParOf" srcId="{8543F080-6405-084C-928C-F11924E78595}" destId="{6618449D-EDA0-6744-AEEB-411ED6B34488}" srcOrd="2" destOrd="0" presId="urn:microsoft.com/office/officeart/2005/8/layout/orgChart1"/>
+    <dgm:cxn modelId="{423F6E17-82E8-3D45-8839-FA3D43126D91}" type="presParOf" srcId="{8543F080-6405-084C-928C-F11924E78595}" destId="{5A70814E-A589-F54F-9BA7-29FF99AADF6D}" srcOrd="3" destOrd="0" presId="urn:microsoft.com/office/officeart/2005/8/layout/orgChart1"/>
+    <dgm:cxn modelId="{031D1857-BB72-A94D-86D5-CFFB9BE9B98B}" type="presParOf" srcId="{5A70814E-A589-F54F-9BA7-29FF99AADF6D}" destId="{B9D06180-4B1B-6A44-8029-0B09D6CE18D2}" srcOrd="0" destOrd="0" presId="urn:microsoft.com/office/officeart/2005/8/layout/orgChart1"/>
+    <dgm:cxn modelId="{12AE2F68-2102-7A4A-8F13-52D045785977}" type="presParOf" srcId="{B9D06180-4B1B-6A44-8029-0B09D6CE18D2}" destId="{3F1B7588-5F5B-F14D-BF32-D0B86CA66BF6}" srcOrd="0" destOrd="0" presId="urn:microsoft.com/office/officeart/2005/8/layout/orgChart1"/>
+    <dgm:cxn modelId="{348D3C51-34AD-DB4B-A1F4-0EDB8D72372F}" type="presParOf" srcId="{B9D06180-4B1B-6A44-8029-0B09D6CE18D2}" destId="{D182F65B-24DC-394A-9A9D-94D3582CAEA1}" srcOrd="1" destOrd="0" presId="urn:microsoft.com/office/officeart/2005/8/layout/orgChart1"/>
+    <dgm:cxn modelId="{138DB274-D844-DA46-984E-B8F88AFCFF8B}" type="presParOf" srcId="{5A70814E-A589-F54F-9BA7-29FF99AADF6D}" destId="{D8453D32-5F30-A245-B78D-A3BD9417E19C}" srcOrd="1" destOrd="0" presId="urn:microsoft.com/office/officeart/2005/8/layout/orgChart1"/>
+    <dgm:cxn modelId="{BFD641C8-B2C6-5E49-A225-06F9D30C3507}" type="presParOf" srcId="{5A70814E-A589-F54F-9BA7-29FF99AADF6D}" destId="{4175B700-3183-9346-9D67-679C95284241}" srcOrd="2" destOrd="0" presId="urn:microsoft.com/office/officeart/2005/8/layout/orgChart1"/>
+    <dgm:cxn modelId="{A786703B-1326-B648-A632-6451983D4B09}" type="presParOf" srcId="{4175B700-3183-9346-9D67-679C95284241}" destId="{29509E23-8F22-4B4B-BC07-B3485ADCEF10}" srcOrd="0" destOrd="0" presId="urn:microsoft.com/office/officeart/2005/8/layout/orgChart1"/>
+    <dgm:cxn modelId="{6577801B-56F3-A242-BB5B-7FF37DAC1F65}" type="presParOf" srcId="{4175B700-3183-9346-9D67-679C95284241}" destId="{976B2781-D720-4549-8311-9FBE75AD8B39}" srcOrd="1" destOrd="0" presId="urn:microsoft.com/office/officeart/2005/8/layout/orgChart1"/>
+    <dgm:cxn modelId="{7F5FBB51-D422-284C-B490-7EE38C18B851}" type="presParOf" srcId="{976B2781-D720-4549-8311-9FBE75AD8B39}" destId="{B922442B-253E-A547-95B9-5CE819E57664}" srcOrd="0" destOrd="0" presId="urn:microsoft.com/office/officeart/2005/8/layout/orgChart1"/>
+    <dgm:cxn modelId="{B936B44F-E286-7E46-B400-F78461FA1D43}" type="presParOf" srcId="{B922442B-253E-A547-95B9-5CE819E57664}" destId="{67D03EB7-8959-3A49-904F-C23B65264F2C}" srcOrd="0" destOrd="0" presId="urn:microsoft.com/office/officeart/2005/8/layout/orgChart1"/>
+    <dgm:cxn modelId="{C2FD7E76-D933-7D41-B666-766A3FC421E9}" type="presParOf" srcId="{B922442B-253E-A547-95B9-5CE819E57664}" destId="{D64F82C7-52F0-4B45-8364-EB937D747733}" srcOrd="1" destOrd="0" presId="urn:microsoft.com/office/officeart/2005/8/layout/orgChart1"/>
+    <dgm:cxn modelId="{64FF6ABA-D1AF-4548-8789-C304F23999BB}" type="presParOf" srcId="{976B2781-D720-4549-8311-9FBE75AD8B39}" destId="{DC806591-B722-2544-A4A8-5A8B16D554C0}" srcOrd="1" destOrd="0" presId="urn:microsoft.com/office/officeart/2005/8/layout/orgChart1"/>
+    <dgm:cxn modelId="{6F86F314-0523-F043-BC26-562B479C53A3}" type="presParOf" srcId="{976B2781-D720-4549-8311-9FBE75AD8B39}" destId="{66674E18-8E16-2646-942E-39FD47492F48}" srcOrd="2" destOrd="0" presId="urn:microsoft.com/office/officeart/2005/8/layout/orgChart1"/>
+    <dgm:cxn modelId="{2D40E5ED-D3C4-0F46-BAC8-6596FD4561E6}" type="presParOf" srcId="{4175B700-3183-9346-9D67-679C95284241}" destId="{DE12D51C-CDA5-594A-B36D-AC9E49E468F0}" srcOrd="2" destOrd="0" presId="urn:microsoft.com/office/officeart/2005/8/layout/orgChart1"/>
+    <dgm:cxn modelId="{E74D257C-1797-9048-BC58-499DE5ADE08E}" type="presParOf" srcId="{4175B700-3183-9346-9D67-679C95284241}" destId="{D6129DDE-2134-5E47-99A4-E7973A131B07}" srcOrd="3" destOrd="0" presId="urn:microsoft.com/office/officeart/2005/8/layout/orgChart1"/>
+    <dgm:cxn modelId="{A39B56BD-B216-7E48-80E8-9E2E8F014100}" type="presParOf" srcId="{D6129DDE-2134-5E47-99A4-E7973A131B07}" destId="{23956C65-8C67-764E-B430-9731EAF70F0B}" srcOrd="0" destOrd="0" presId="urn:microsoft.com/office/officeart/2005/8/layout/orgChart1"/>
+    <dgm:cxn modelId="{43C1C58E-3C77-1A40-B7F3-CFBEF3EFB94D}" type="presParOf" srcId="{23956C65-8C67-764E-B430-9731EAF70F0B}" destId="{86E672AC-64D9-7743-A245-4C98F2FB7D6D}" srcOrd="0" destOrd="0" presId="urn:microsoft.com/office/officeart/2005/8/layout/orgChart1"/>
+    <dgm:cxn modelId="{B1323EFD-B4EB-E749-A965-BB58EDDEE617}" type="presParOf" srcId="{23956C65-8C67-764E-B430-9731EAF70F0B}" destId="{98F9D4E1-6C74-BB41-8560-E59BE6A41F9F}" srcOrd="1" destOrd="0" presId="urn:microsoft.com/office/officeart/2005/8/layout/orgChart1"/>
+    <dgm:cxn modelId="{062B79DF-3F45-1148-8817-1B4478EC7990}" type="presParOf" srcId="{D6129DDE-2134-5E47-99A4-E7973A131B07}" destId="{FFC83F91-D714-A94D-B270-F1301C7E477B}" srcOrd="1" destOrd="0" presId="urn:microsoft.com/office/officeart/2005/8/layout/orgChart1"/>
+    <dgm:cxn modelId="{A96401F4-DF81-CB4F-928C-46B16D222543}" type="presParOf" srcId="{D6129DDE-2134-5E47-99A4-E7973A131B07}" destId="{28AF2772-34B9-D646-B90D-170E2C26198C}" srcOrd="2" destOrd="0" presId="urn:microsoft.com/office/officeart/2005/8/layout/orgChart1"/>
+    <dgm:cxn modelId="{5AAF20EA-8075-434D-B31E-B438C4FFC4C5}" type="presParOf" srcId="{1313E5F4-9273-BF40-9443-FC8CA7BCED2D}" destId="{79043C15-26D5-EA46-A12D-84039326A8B4}" srcOrd="2" destOrd="0" presId="urn:microsoft.com/office/officeart/2005/8/layout/orgChart1"/>
+    <dgm:cxn modelId="{BA446D3A-5560-A74F-BBA9-B53E720F382E}" type="presParOf" srcId="{1313E5F4-9273-BF40-9443-FC8CA7BCED2D}" destId="{B1ED2D1D-92D8-1244-B9B3-B3E69CD0E4E5}" srcOrd="3" destOrd="0" presId="urn:microsoft.com/office/officeart/2005/8/layout/orgChart1"/>
+    <dgm:cxn modelId="{A508BAE7-DB25-6941-862F-648226D71FCC}" type="presParOf" srcId="{B1ED2D1D-92D8-1244-B9B3-B3E69CD0E4E5}" destId="{11975579-73D8-1543-9C59-142F490A629A}" srcOrd="0" destOrd="0" presId="urn:microsoft.com/office/officeart/2005/8/layout/orgChart1"/>
+    <dgm:cxn modelId="{D2663044-369F-0A4A-B6DE-FEC94EACE244}" type="presParOf" srcId="{11975579-73D8-1543-9C59-142F490A629A}" destId="{F1409012-190F-9745-A0DB-1D229F54ADC9}" srcOrd="0" destOrd="0" presId="urn:microsoft.com/office/officeart/2005/8/layout/orgChart1"/>
+    <dgm:cxn modelId="{7E66E74C-47FE-7B4C-98D3-B85ADD5A02E9}" type="presParOf" srcId="{11975579-73D8-1543-9C59-142F490A629A}" destId="{2FE5219C-1A7A-274E-886A-472C69E572E7}" srcOrd="1" destOrd="0" presId="urn:microsoft.com/office/officeart/2005/8/layout/orgChart1"/>
+    <dgm:cxn modelId="{C7DCCFB9-1D29-D543-A4D0-840A13D09D5A}" type="presParOf" srcId="{B1ED2D1D-92D8-1244-B9B3-B3E69CD0E4E5}" destId="{EDD12299-CDF6-C64B-B413-A3CC15CE5BD6}" srcOrd="1" destOrd="0" presId="urn:microsoft.com/office/officeart/2005/8/layout/orgChart1"/>
+    <dgm:cxn modelId="{AE0CF00C-ACBD-D24D-8567-A2D90CDB0547}" type="presParOf" srcId="{B1ED2D1D-92D8-1244-B9B3-B3E69CD0E4E5}" destId="{5BD93CDD-3428-9346-9971-00F1C048DCBD}" srcOrd="2" destOrd="0" presId="urn:microsoft.com/office/officeart/2005/8/layout/orgChart1"/>
   </dgm:cxnLst>
   <dgm:bg/>
   <dgm:whole/>
@@ -2619,15 +2894,15 @@
       <dsp:cNvGrpSpPr/>
     </dsp:nvGrpSpPr>
     <dsp:grpSpPr/>
-    <dsp:sp modelId="{12E80F47-383C-F547-8C6E-A58FB4BC8E0E}">
+    <dsp:sp modelId="{79043C15-26D5-EA46-A12D-84039326A8B4}">
       <dsp:nvSpPr>
         <dsp:cNvPr id="0" name=""/>
         <dsp:cNvSpPr/>
       </dsp:nvSpPr>
       <dsp:spPr>
         <a:xfrm>
-          <a:off x="6191067" y="3507707"/>
-          <a:ext cx="248855" cy="1941070"/>
+          <a:off x="8170993" y="2425551"/>
+          <a:ext cx="91440" cy="394518"/>
         </a:xfrm>
         <a:custGeom>
           <a:avLst/>
@@ -2638,13 +2913,71 @@
           <a:pathLst>
             <a:path>
               <a:moveTo>
-                <a:pt x="0" y="0"/>
+                <a:pt x="45720" y="0"/>
               </a:moveTo>
               <a:lnTo>
-                <a:pt x="0" y="1941070"/>
+                <a:pt x="45720" y="394518"/>
               </a:lnTo>
               <a:lnTo>
-                <a:pt x="248855" y="1941070"/>
+                <a:pt x="135773" y="394518"/>
+              </a:lnTo>
+            </a:path>
+          </a:pathLst>
+        </a:custGeom>
+        <a:noFill/>
+        <a:ln w="25400" cap="flat" cmpd="sng" algn="ctr">
+          <a:solidFill>
+            <a:schemeClr val="accent1">
+              <a:shade val="60000"/>
+              <a:hueOff val="0"/>
+              <a:satOff val="0"/>
+              <a:lumOff val="0"/>
+              <a:alphaOff val="0"/>
+            </a:schemeClr>
+          </a:solidFill>
+          <a:prstDash val="solid"/>
+        </a:ln>
+        <a:effectLst/>
+      </dsp:spPr>
+      <dsp:style>
+        <a:lnRef idx="2">
+          <a:scrgbClr r="0" g="0" b="0"/>
+        </a:lnRef>
+        <a:fillRef idx="0">
+          <a:scrgbClr r="0" g="0" b="0"/>
+        </a:fillRef>
+        <a:effectRef idx="0">
+          <a:scrgbClr r="0" g="0" b="0"/>
+        </a:effectRef>
+        <a:fontRef idx="minor"/>
+      </dsp:style>
+    </dsp:sp>
+    <dsp:sp modelId="{DE12D51C-CDA5-594A-B36D-AC9E49E468F0}">
+      <dsp:nvSpPr>
+        <dsp:cNvPr id="0" name=""/>
+        <dsp:cNvSpPr/>
+      </dsp:nvSpPr>
+      <dsp:spPr>
+        <a:xfrm>
+          <a:off x="7133238" y="4252342"/>
+          <a:ext cx="91440" cy="394518"/>
+        </a:xfrm>
+        <a:custGeom>
+          <a:avLst/>
+          <a:gdLst/>
+          <a:ahLst/>
+          <a:cxnLst/>
+          <a:rect l="0" t="0" r="0" b="0"/>
+          <a:pathLst>
+            <a:path>
+              <a:moveTo>
+                <a:pt x="45720" y="0"/>
+              </a:moveTo>
+              <a:lnTo>
+                <a:pt x="45720" y="394518"/>
+              </a:lnTo>
+              <a:lnTo>
+                <a:pt x="135773" y="394518"/>
               </a:lnTo>
             </a:path>
           </a:pathLst>
@@ -2677,15 +3010,15 @@
         <a:fontRef idx="minor"/>
       </dsp:style>
     </dsp:sp>
-    <dsp:sp modelId="{630AA2EF-5A05-F94D-9D81-38F5252D5515}">
+    <dsp:sp modelId="{29509E23-8F22-4B4B-BC07-B3485ADCEF10}">
       <dsp:nvSpPr>
         <dsp:cNvPr id="0" name=""/>
         <dsp:cNvSpPr/>
       </dsp:nvSpPr>
       <dsp:spPr>
         <a:xfrm>
-          <a:off x="6191067" y="3507707"/>
-          <a:ext cx="248855" cy="763155"/>
+          <a:off x="7043185" y="4252342"/>
+          <a:ext cx="91440" cy="394518"/>
         </a:xfrm>
         <a:custGeom>
           <a:avLst/>
@@ -2696,13 +3029,13 @@
           <a:pathLst>
             <a:path>
               <a:moveTo>
-                <a:pt x="0" y="0"/>
+                <a:pt x="135773" y="0"/>
               </a:moveTo>
               <a:lnTo>
-                <a:pt x="0" y="763155"/>
+                <a:pt x="135773" y="394518"/>
               </a:lnTo>
               <a:lnTo>
-                <a:pt x="248855" y="763155"/>
+                <a:pt x="45720" y="394518"/>
               </a:lnTo>
             </a:path>
           </a:pathLst>
@@ -2735,15 +3068,15 @@
         <a:fontRef idx="minor"/>
       </dsp:style>
     </dsp:sp>
-    <dsp:sp modelId="{9BD65701-EA75-5547-972A-60049BBE031A}">
+    <dsp:sp modelId="{6618449D-EDA0-6744-AEEB-411ED6B34488}">
       <dsp:nvSpPr>
         <dsp:cNvPr id="0" name=""/>
         <dsp:cNvSpPr/>
       </dsp:nvSpPr>
       <dsp:spPr>
         <a:xfrm>
-          <a:off x="5850965" y="2329793"/>
-          <a:ext cx="1003715" cy="348397"/>
+          <a:off x="6141204" y="3643412"/>
+          <a:ext cx="608930" cy="394518"/>
         </a:xfrm>
         <a:custGeom>
           <a:avLst/>
@@ -2757,13 +3090,10 @@
                 <a:pt x="0" y="0"/>
               </a:moveTo>
               <a:lnTo>
-                <a:pt x="0" y="174198"/>
+                <a:pt x="0" y="394518"/>
               </a:lnTo>
               <a:lnTo>
-                <a:pt x="1003715" y="174198"/>
-              </a:lnTo>
-              <a:lnTo>
-                <a:pt x="1003715" y="348397"/>
+                <a:pt x="608930" y="394518"/>
               </a:lnTo>
             </a:path>
           </a:pathLst>
@@ -2796,15 +3126,15 @@
         <a:fontRef idx="minor"/>
       </dsp:style>
     </dsp:sp>
-    <dsp:sp modelId="{A0891B16-FFBF-2F41-BF1B-8F98A79E6775}">
+    <dsp:sp modelId="{26170BDD-FB3C-294C-8692-65521328A1C6}">
       <dsp:nvSpPr>
         <dsp:cNvPr id="0" name=""/>
         <dsp:cNvSpPr/>
       </dsp:nvSpPr>
       <dsp:spPr>
         <a:xfrm>
-          <a:off x="4183635" y="3507707"/>
-          <a:ext cx="248855" cy="1941070"/>
+          <a:off x="5057729" y="4252342"/>
+          <a:ext cx="91440" cy="394518"/>
         </a:xfrm>
         <a:custGeom>
           <a:avLst/>
@@ -2815,13 +3145,13 @@
           <a:pathLst>
             <a:path>
               <a:moveTo>
-                <a:pt x="0" y="0"/>
+                <a:pt x="45720" y="0"/>
               </a:moveTo>
               <a:lnTo>
-                <a:pt x="0" y="1941070"/>
+                <a:pt x="45720" y="394518"/>
               </a:lnTo>
               <a:lnTo>
-                <a:pt x="248855" y="1941070"/>
+                <a:pt x="135773" y="394518"/>
               </a:lnTo>
             </a:path>
           </a:pathLst>
@@ -2854,15 +3184,15 @@
         <a:fontRef idx="minor"/>
       </dsp:style>
     </dsp:sp>
-    <dsp:sp modelId="{16DBC556-40F8-3A44-B908-02D45F20C0D2}">
+    <dsp:sp modelId="{6D86BD27-7022-2540-A893-EBB1BB3B468B}">
       <dsp:nvSpPr>
         <dsp:cNvPr id="0" name=""/>
         <dsp:cNvSpPr/>
       </dsp:nvSpPr>
       <dsp:spPr>
         <a:xfrm>
-          <a:off x="4183635" y="3507707"/>
-          <a:ext cx="248855" cy="763155"/>
+          <a:off x="4967676" y="4252342"/>
+          <a:ext cx="91440" cy="394518"/>
         </a:xfrm>
         <a:custGeom>
           <a:avLst/>
@@ -2873,13 +3203,13 @@
           <a:pathLst>
             <a:path>
               <a:moveTo>
-                <a:pt x="0" y="0"/>
+                <a:pt x="135773" y="0"/>
               </a:moveTo>
               <a:lnTo>
-                <a:pt x="0" y="763155"/>
+                <a:pt x="135773" y="394518"/>
               </a:lnTo>
               <a:lnTo>
-                <a:pt x="248855" y="763155"/>
+                <a:pt x="45720" y="394518"/>
               </a:lnTo>
             </a:path>
           </a:pathLst>
@@ -2912,15 +3242,15 @@
         <a:fontRef idx="minor"/>
       </dsp:style>
     </dsp:sp>
-    <dsp:sp modelId="{C3336828-9D95-BD4A-BD90-C08166A72756}">
+    <dsp:sp modelId="{C3BA7C53-3238-9D45-BDBA-FEAE41DD5827}">
       <dsp:nvSpPr>
         <dsp:cNvPr id="0" name=""/>
         <dsp:cNvSpPr/>
       </dsp:nvSpPr>
       <dsp:spPr>
         <a:xfrm>
-          <a:off x="4847249" y="2329793"/>
-          <a:ext cx="1003715" cy="348397"/>
+          <a:off x="5532273" y="3643412"/>
+          <a:ext cx="608930" cy="394518"/>
         </a:xfrm>
         <a:custGeom>
           <a:avLst/>
@@ -2931,16 +3261,13 @@
           <a:pathLst>
             <a:path>
               <a:moveTo>
-                <a:pt x="1003715" y="0"/>
+                <a:pt x="608930" y="0"/>
               </a:moveTo>
               <a:lnTo>
-                <a:pt x="1003715" y="174198"/>
+                <a:pt x="608930" y="394518"/>
               </a:lnTo>
               <a:lnTo>
-                <a:pt x="0" y="174198"/>
-              </a:lnTo>
-              <a:lnTo>
-                <a:pt x="0" y="348397"/>
+                <a:pt x="0" y="394518"/>
               </a:lnTo>
             </a:path>
           </a:pathLst>
@@ -2973,15 +3300,15 @@
         <a:fontRef idx="minor"/>
       </dsp:style>
     </dsp:sp>
-    <dsp:sp modelId="{ED533780-CF74-A941-8170-586C60235AF5}">
+    <dsp:sp modelId="{1630E1C8-F0C1-3C44-ACC4-DDDFA21B2B76}">
       <dsp:nvSpPr>
         <dsp:cNvPr id="0" name=""/>
         <dsp:cNvSpPr/>
       </dsp:nvSpPr>
       <dsp:spPr>
         <a:xfrm>
-          <a:off x="3843533" y="1151878"/>
-          <a:ext cx="2007431" cy="348397"/>
+          <a:off x="4065694" y="3034481"/>
+          <a:ext cx="1646685" cy="394518"/>
         </a:xfrm>
         <a:custGeom>
           <a:avLst/>
@@ -2995,13 +3322,474 @@
                 <a:pt x="0" y="0"/>
               </a:moveTo>
               <a:lnTo>
-                <a:pt x="0" y="174198"/>
+                <a:pt x="0" y="394518"/>
               </a:lnTo>
               <a:lnTo>
-                <a:pt x="2007431" y="174198"/>
+                <a:pt x="1646685" y="394518"/>
+              </a:lnTo>
+            </a:path>
+          </a:pathLst>
+        </a:custGeom>
+        <a:noFill/>
+        <a:ln w="25400" cap="flat" cmpd="sng" algn="ctr">
+          <a:solidFill>
+            <a:schemeClr val="accent1">
+              <a:shade val="80000"/>
+              <a:hueOff val="0"/>
+              <a:satOff val="0"/>
+              <a:lumOff val="0"/>
+              <a:alphaOff val="0"/>
+            </a:schemeClr>
+          </a:solidFill>
+          <a:prstDash val="solid"/>
+        </a:ln>
+        <a:effectLst/>
+      </dsp:spPr>
+      <dsp:style>
+        <a:lnRef idx="2">
+          <a:scrgbClr r="0" g="0" b="0"/>
+        </a:lnRef>
+        <a:fillRef idx="0">
+          <a:scrgbClr r="0" g="0" b="0"/>
+        </a:fillRef>
+        <a:effectRef idx="0">
+          <a:scrgbClr r="0" g="0" b="0"/>
+        </a:effectRef>
+        <a:fontRef idx="minor"/>
+      </dsp:style>
+    </dsp:sp>
+    <dsp:sp modelId="{AFC7F75F-4A30-1F4A-BC38-B943937767BB}">
+      <dsp:nvSpPr>
+        <dsp:cNvPr id="0" name=""/>
+        <dsp:cNvSpPr/>
+      </dsp:nvSpPr>
+      <dsp:spPr>
+        <a:xfrm>
+          <a:off x="2982219" y="4252342"/>
+          <a:ext cx="91440" cy="394518"/>
+        </a:xfrm>
+        <a:custGeom>
+          <a:avLst/>
+          <a:gdLst/>
+          <a:ahLst/>
+          <a:cxnLst/>
+          <a:rect l="0" t="0" r="0" b="0"/>
+          <a:pathLst>
+            <a:path>
+              <a:moveTo>
+                <a:pt x="45720" y="0"/>
+              </a:moveTo>
+              <a:lnTo>
+                <a:pt x="45720" y="394518"/>
               </a:lnTo>
               <a:lnTo>
-                <a:pt x="2007431" y="348397"/>
+                <a:pt x="135773" y="394518"/>
+              </a:lnTo>
+            </a:path>
+          </a:pathLst>
+        </a:custGeom>
+        <a:noFill/>
+        <a:ln w="25400" cap="flat" cmpd="sng" algn="ctr">
+          <a:solidFill>
+            <a:schemeClr val="accent1">
+              <a:shade val="80000"/>
+              <a:hueOff val="0"/>
+              <a:satOff val="0"/>
+              <a:lumOff val="0"/>
+              <a:alphaOff val="0"/>
+            </a:schemeClr>
+          </a:solidFill>
+          <a:prstDash val="solid"/>
+        </a:ln>
+        <a:effectLst/>
+      </dsp:spPr>
+      <dsp:style>
+        <a:lnRef idx="2">
+          <a:scrgbClr r="0" g="0" b="0"/>
+        </a:lnRef>
+        <a:fillRef idx="0">
+          <a:scrgbClr r="0" g="0" b="0"/>
+        </a:fillRef>
+        <a:effectRef idx="0">
+          <a:scrgbClr r="0" g="0" b="0"/>
+        </a:effectRef>
+        <a:fontRef idx="minor"/>
+      </dsp:style>
+    </dsp:sp>
+    <dsp:sp modelId="{9D621E55-6F4A-CB41-8225-A5F10CE02B20}">
+      <dsp:nvSpPr>
+        <dsp:cNvPr id="0" name=""/>
+        <dsp:cNvSpPr/>
+      </dsp:nvSpPr>
+      <dsp:spPr>
+        <a:xfrm>
+          <a:off x="2892166" y="4252342"/>
+          <a:ext cx="91440" cy="394518"/>
+        </a:xfrm>
+        <a:custGeom>
+          <a:avLst/>
+          <a:gdLst/>
+          <a:ahLst/>
+          <a:cxnLst/>
+          <a:rect l="0" t="0" r="0" b="0"/>
+          <a:pathLst>
+            <a:path>
+              <a:moveTo>
+                <a:pt x="135773" y="0"/>
+              </a:moveTo>
+              <a:lnTo>
+                <a:pt x="135773" y="394518"/>
+              </a:lnTo>
+              <a:lnTo>
+                <a:pt x="45720" y="394518"/>
+              </a:lnTo>
+            </a:path>
+          </a:pathLst>
+        </a:custGeom>
+        <a:noFill/>
+        <a:ln w="25400" cap="flat" cmpd="sng" algn="ctr">
+          <a:solidFill>
+            <a:schemeClr val="accent1">
+              <a:shade val="80000"/>
+              <a:hueOff val="0"/>
+              <a:satOff val="0"/>
+              <a:lumOff val="0"/>
+              <a:alphaOff val="0"/>
+            </a:schemeClr>
+          </a:solidFill>
+          <a:prstDash val="solid"/>
+        </a:ln>
+        <a:effectLst/>
+      </dsp:spPr>
+      <dsp:style>
+        <a:lnRef idx="2">
+          <a:scrgbClr r="0" g="0" b="0"/>
+        </a:lnRef>
+        <a:fillRef idx="0">
+          <a:scrgbClr r="0" g="0" b="0"/>
+        </a:fillRef>
+        <a:effectRef idx="0">
+          <a:scrgbClr r="0" g="0" b="0"/>
+        </a:effectRef>
+        <a:fontRef idx="minor"/>
+      </dsp:style>
+    </dsp:sp>
+    <dsp:sp modelId="{42ECA393-5D05-E346-8740-9BEEB76D3D52}">
+      <dsp:nvSpPr>
+        <dsp:cNvPr id="0" name=""/>
+        <dsp:cNvSpPr/>
+      </dsp:nvSpPr>
+      <dsp:spPr>
+        <a:xfrm>
+          <a:off x="1990185" y="3643412"/>
+          <a:ext cx="608930" cy="394518"/>
+        </a:xfrm>
+        <a:custGeom>
+          <a:avLst/>
+          <a:gdLst/>
+          <a:ahLst/>
+          <a:cxnLst/>
+          <a:rect l="0" t="0" r="0" b="0"/>
+          <a:pathLst>
+            <a:path>
+              <a:moveTo>
+                <a:pt x="0" y="0"/>
+              </a:moveTo>
+              <a:lnTo>
+                <a:pt x="0" y="394518"/>
+              </a:lnTo>
+              <a:lnTo>
+                <a:pt x="608930" y="394518"/>
+              </a:lnTo>
+            </a:path>
+          </a:pathLst>
+        </a:custGeom>
+        <a:noFill/>
+        <a:ln w="25400" cap="flat" cmpd="sng" algn="ctr">
+          <a:solidFill>
+            <a:schemeClr val="accent1">
+              <a:shade val="80000"/>
+              <a:hueOff val="0"/>
+              <a:satOff val="0"/>
+              <a:lumOff val="0"/>
+              <a:alphaOff val="0"/>
+            </a:schemeClr>
+          </a:solidFill>
+          <a:prstDash val="solid"/>
+        </a:ln>
+        <a:effectLst/>
+      </dsp:spPr>
+      <dsp:style>
+        <a:lnRef idx="2">
+          <a:scrgbClr r="0" g="0" b="0"/>
+        </a:lnRef>
+        <a:fillRef idx="0">
+          <a:scrgbClr r="0" g="0" b="0"/>
+        </a:fillRef>
+        <a:effectRef idx="0">
+          <a:scrgbClr r="0" g="0" b="0"/>
+        </a:effectRef>
+        <a:fontRef idx="minor"/>
+      </dsp:style>
+    </dsp:sp>
+    <dsp:sp modelId="{80E459ED-BE95-1D46-A67A-278BB9BEA342}">
+      <dsp:nvSpPr>
+        <dsp:cNvPr id="0" name=""/>
+        <dsp:cNvSpPr/>
+      </dsp:nvSpPr>
+      <dsp:spPr>
+        <a:xfrm>
+          <a:off x="906710" y="4252342"/>
+          <a:ext cx="91440" cy="394518"/>
+        </a:xfrm>
+        <a:custGeom>
+          <a:avLst/>
+          <a:gdLst/>
+          <a:ahLst/>
+          <a:cxnLst/>
+          <a:rect l="0" t="0" r="0" b="0"/>
+          <a:pathLst>
+            <a:path>
+              <a:moveTo>
+                <a:pt x="45720" y="0"/>
+              </a:moveTo>
+              <a:lnTo>
+                <a:pt x="45720" y="394518"/>
+              </a:lnTo>
+              <a:lnTo>
+                <a:pt x="135773" y="394518"/>
+              </a:lnTo>
+            </a:path>
+          </a:pathLst>
+        </a:custGeom>
+        <a:noFill/>
+        <a:ln w="25400" cap="flat" cmpd="sng" algn="ctr">
+          <a:solidFill>
+            <a:schemeClr val="accent1">
+              <a:shade val="80000"/>
+              <a:hueOff val="0"/>
+              <a:satOff val="0"/>
+              <a:lumOff val="0"/>
+              <a:alphaOff val="0"/>
+            </a:schemeClr>
+          </a:solidFill>
+          <a:prstDash val="solid"/>
+        </a:ln>
+        <a:effectLst/>
+      </dsp:spPr>
+      <dsp:style>
+        <a:lnRef idx="2">
+          <a:scrgbClr r="0" g="0" b="0"/>
+        </a:lnRef>
+        <a:fillRef idx="0">
+          <a:scrgbClr r="0" g="0" b="0"/>
+        </a:fillRef>
+        <a:effectRef idx="0">
+          <a:scrgbClr r="0" g="0" b="0"/>
+        </a:effectRef>
+        <a:fontRef idx="minor"/>
+      </dsp:style>
+    </dsp:sp>
+    <dsp:sp modelId="{FD5C37A9-0F67-1046-A215-7EAEED073675}">
+      <dsp:nvSpPr>
+        <dsp:cNvPr id="0" name=""/>
+        <dsp:cNvSpPr/>
+      </dsp:nvSpPr>
+      <dsp:spPr>
+        <a:xfrm>
+          <a:off x="816657" y="4252342"/>
+          <a:ext cx="91440" cy="394518"/>
+        </a:xfrm>
+        <a:custGeom>
+          <a:avLst/>
+          <a:gdLst/>
+          <a:ahLst/>
+          <a:cxnLst/>
+          <a:rect l="0" t="0" r="0" b="0"/>
+          <a:pathLst>
+            <a:path>
+              <a:moveTo>
+                <a:pt x="135773" y="0"/>
+              </a:moveTo>
+              <a:lnTo>
+                <a:pt x="135773" y="394518"/>
+              </a:lnTo>
+              <a:lnTo>
+                <a:pt x="45720" y="394518"/>
+              </a:lnTo>
+            </a:path>
+          </a:pathLst>
+        </a:custGeom>
+        <a:noFill/>
+        <a:ln w="25400" cap="flat" cmpd="sng" algn="ctr">
+          <a:solidFill>
+            <a:schemeClr val="accent1">
+              <a:shade val="80000"/>
+              <a:hueOff val="0"/>
+              <a:satOff val="0"/>
+              <a:lumOff val="0"/>
+              <a:alphaOff val="0"/>
+            </a:schemeClr>
+          </a:solidFill>
+          <a:prstDash val="solid"/>
+        </a:ln>
+        <a:effectLst/>
+      </dsp:spPr>
+      <dsp:style>
+        <a:lnRef idx="2">
+          <a:scrgbClr r="0" g="0" b="0"/>
+        </a:lnRef>
+        <a:fillRef idx="0">
+          <a:scrgbClr r="0" g="0" b="0"/>
+        </a:fillRef>
+        <a:effectRef idx="0">
+          <a:scrgbClr r="0" g="0" b="0"/>
+        </a:effectRef>
+        <a:fontRef idx="minor"/>
+      </dsp:style>
+    </dsp:sp>
+    <dsp:sp modelId="{70AB6EBE-BC8F-5C4F-A4CA-B20C66055145}">
+      <dsp:nvSpPr>
+        <dsp:cNvPr id="0" name=""/>
+        <dsp:cNvSpPr/>
+      </dsp:nvSpPr>
+      <dsp:spPr>
+        <a:xfrm>
+          <a:off x="1381254" y="3643412"/>
+          <a:ext cx="608930" cy="394518"/>
+        </a:xfrm>
+        <a:custGeom>
+          <a:avLst/>
+          <a:gdLst/>
+          <a:ahLst/>
+          <a:cxnLst/>
+          <a:rect l="0" t="0" r="0" b="0"/>
+          <a:pathLst>
+            <a:path>
+              <a:moveTo>
+                <a:pt x="608930" y="0"/>
+              </a:moveTo>
+              <a:lnTo>
+                <a:pt x="608930" y="394518"/>
+              </a:lnTo>
+              <a:lnTo>
+                <a:pt x="0" y="394518"/>
+              </a:lnTo>
+            </a:path>
+          </a:pathLst>
+        </a:custGeom>
+        <a:noFill/>
+        <a:ln w="25400" cap="flat" cmpd="sng" algn="ctr">
+          <a:solidFill>
+            <a:schemeClr val="accent1">
+              <a:shade val="80000"/>
+              <a:hueOff val="0"/>
+              <a:satOff val="0"/>
+              <a:lumOff val="0"/>
+              <a:alphaOff val="0"/>
+            </a:schemeClr>
+          </a:solidFill>
+          <a:prstDash val="solid"/>
+        </a:ln>
+        <a:effectLst/>
+      </dsp:spPr>
+      <dsp:style>
+        <a:lnRef idx="2">
+          <a:scrgbClr r="0" g="0" b="0"/>
+        </a:lnRef>
+        <a:fillRef idx="0">
+          <a:scrgbClr r="0" g="0" b="0"/>
+        </a:fillRef>
+        <a:effectRef idx="0">
+          <a:scrgbClr r="0" g="0" b="0"/>
+        </a:effectRef>
+        <a:fontRef idx="minor"/>
+      </dsp:style>
+    </dsp:sp>
+    <dsp:sp modelId="{CE3CEA21-640C-7C40-9007-2EE58E05AC6C}">
+      <dsp:nvSpPr>
+        <dsp:cNvPr id="0" name=""/>
+        <dsp:cNvSpPr/>
+      </dsp:nvSpPr>
+      <dsp:spPr>
+        <a:xfrm>
+          <a:off x="2419009" y="3034481"/>
+          <a:ext cx="1646685" cy="394518"/>
+        </a:xfrm>
+        <a:custGeom>
+          <a:avLst/>
+          <a:gdLst/>
+          <a:ahLst/>
+          <a:cxnLst/>
+          <a:rect l="0" t="0" r="0" b="0"/>
+          <a:pathLst>
+            <a:path>
+              <a:moveTo>
+                <a:pt x="1646685" y="0"/>
+              </a:moveTo>
+              <a:lnTo>
+                <a:pt x="1646685" y="394518"/>
+              </a:lnTo>
+              <a:lnTo>
+                <a:pt x="0" y="394518"/>
+              </a:lnTo>
+            </a:path>
+          </a:pathLst>
+        </a:custGeom>
+        <a:noFill/>
+        <a:ln w="25400" cap="flat" cmpd="sng" algn="ctr">
+          <a:solidFill>
+            <a:schemeClr val="accent1">
+              <a:shade val="80000"/>
+              <a:hueOff val="0"/>
+              <a:satOff val="0"/>
+              <a:lumOff val="0"/>
+              <a:alphaOff val="0"/>
+            </a:schemeClr>
+          </a:solidFill>
+          <a:prstDash val="solid"/>
+        </a:ln>
+        <a:effectLst/>
+      </dsp:spPr>
+      <dsp:style>
+        <a:lnRef idx="2">
+          <a:scrgbClr r="0" g="0" b="0"/>
+        </a:lnRef>
+        <a:fillRef idx="0">
+          <a:scrgbClr r="0" g="0" b="0"/>
+        </a:fillRef>
+        <a:effectRef idx="0">
+          <a:scrgbClr r="0" g="0" b="0"/>
+        </a:effectRef>
+        <a:fontRef idx="minor"/>
+      </dsp:style>
+    </dsp:sp>
+    <dsp:sp modelId="{6FB136FC-0718-1B4C-AAEE-29D4A2CC5EE5}">
+      <dsp:nvSpPr>
+        <dsp:cNvPr id="0" name=""/>
+        <dsp:cNvSpPr/>
+      </dsp:nvSpPr>
+      <dsp:spPr>
+        <a:xfrm>
+          <a:off x="4494518" y="2425551"/>
+          <a:ext cx="3722194" cy="394518"/>
+        </a:xfrm>
+        <a:custGeom>
+          <a:avLst/>
+          <a:gdLst/>
+          <a:ahLst/>
+          <a:cxnLst/>
+          <a:rect l="0" t="0" r="0" b="0"/>
+          <a:pathLst>
+            <a:path>
+              <a:moveTo>
+                <a:pt x="3722194" y="0"/>
+              </a:moveTo>
+              <a:lnTo>
+                <a:pt x="3722194" y="394518"/>
+              </a:lnTo>
+              <a:lnTo>
+                <a:pt x="0" y="394518"/>
               </a:lnTo>
             </a:path>
           </a:pathLst>
@@ -3034,430 +3822,15 @@
         <a:fontRef idx="minor"/>
       </dsp:style>
     </dsp:sp>
-    <dsp:sp modelId="{005EF251-6722-C440-A97A-1A8AC3EB42E3}">
+    <dsp:sp modelId="{9D595FDA-2978-644A-ABD3-DDD82FA168FB}">
       <dsp:nvSpPr>
         <dsp:cNvPr id="0" name=""/>
         <dsp:cNvSpPr/>
       </dsp:nvSpPr>
       <dsp:spPr>
         <a:xfrm>
-          <a:off x="2176203" y="3507707"/>
-          <a:ext cx="248855" cy="1941070"/>
-        </a:xfrm>
-        <a:custGeom>
-          <a:avLst/>
-          <a:gdLst/>
-          <a:ahLst/>
-          <a:cxnLst/>
-          <a:rect l="0" t="0" r="0" b="0"/>
-          <a:pathLst>
-            <a:path>
-              <a:moveTo>
-                <a:pt x="0" y="0"/>
-              </a:moveTo>
-              <a:lnTo>
-                <a:pt x="0" y="1941070"/>
-              </a:lnTo>
-              <a:lnTo>
-                <a:pt x="248855" y="1941070"/>
-              </a:lnTo>
-            </a:path>
-          </a:pathLst>
-        </a:custGeom>
-        <a:noFill/>
-        <a:ln w="25400" cap="flat" cmpd="sng" algn="ctr">
-          <a:solidFill>
-            <a:schemeClr val="accent1">
-              <a:shade val="80000"/>
-              <a:hueOff val="0"/>
-              <a:satOff val="0"/>
-              <a:lumOff val="0"/>
-              <a:alphaOff val="0"/>
-            </a:schemeClr>
-          </a:solidFill>
-          <a:prstDash val="solid"/>
-        </a:ln>
-        <a:effectLst/>
-      </dsp:spPr>
-      <dsp:style>
-        <a:lnRef idx="2">
-          <a:scrgbClr r="0" g="0" b="0"/>
-        </a:lnRef>
-        <a:fillRef idx="0">
-          <a:scrgbClr r="0" g="0" b="0"/>
-        </a:fillRef>
-        <a:effectRef idx="0">
-          <a:scrgbClr r="0" g="0" b="0"/>
-        </a:effectRef>
-        <a:fontRef idx="minor"/>
-      </dsp:style>
-    </dsp:sp>
-    <dsp:sp modelId="{C1A5ED5B-F9D9-D248-A87C-BAEC45BFEB86}">
-      <dsp:nvSpPr>
-        <dsp:cNvPr id="0" name=""/>
-        <dsp:cNvSpPr/>
-      </dsp:nvSpPr>
-      <dsp:spPr>
-        <a:xfrm>
-          <a:off x="2176203" y="3507707"/>
-          <a:ext cx="248855" cy="763155"/>
-        </a:xfrm>
-        <a:custGeom>
-          <a:avLst/>
-          <a:gdLst/>
-          <a:ahLst/>
-          <a:cxnLst/>
-          <a:rect l="0" t="0" r="0" b="0"/>
-          <a:pathLst>
-            <a:path>
-              <a:moveTo>
-                <a:pt x="0" y="0"/>
-              </a:moveTo>
-              <a:lnTo>
-                <a:pt x="0" y="763155"/>
-              </a:lnTo>
-              <a:lnTo>
-                <a:pt x="248855" y="763155"/>
-              </a:lnTo>
-            </a:path>
-          </a:pathLst>
-        </a:custGeom>
-        <a:noFill/>
-        <a:ln w="25400" cap="flat" cmpd="sng" algn="ctr">
-          <a:solidFill>
-            <a:schemeClr val="accent1">
-              <a:shade val="80000"/>
-              <a:hueOff val="0"/>
-              <a:satOff val="0"/>
-              <a:lumOff val="0"/>
-              <a:alphaOff val="0"/>
-            </a:schemeClr>
-          </a:solidFill>
-          <a:prstDash val="solid"/>
-        </a:ln>
-        <a:effectLst/>
-      </dsp:spPr>
-      <dsp:style>
-        <a:lnRef idx="2">
-          <a:scrgbClr r="0" g="0" b="0"/>
-        </a:lnRef>
-        <a:fillRef idx="0">
-          <a:scrgbClr r="0" g="0" b="0"/>
-        </a:fillRef>
-        <a:effectRef idx="0">
-          <a:scrgbClr r="0" g="0" b="0"/>
-        </a:effectRef>
-        <a:fontRef idx="minor"/>
-      </dsp:style>
-    </dsp:sp>
-    <dsp:sp modelId="{B1F0EF1F-382A-9447-8F23-FD0C4C2126CF}">
-      <dsp:nvSpPr>
-        <dsp:cNvPr id="0" name=""/>
-        <dsp:cNvSpPr/>
-      </dsp:nvSpPr>
-      <dsp:spPr>
-        <a:xfrm>
-          <a:off x="1836101" y="2329793"/>
-          <a:ext cx="1003715" cy="348397"/>
-        </a:xfrm>
-        <a:custGeom>
-          <a:avLst/>
-          <a:gdLst/>
-          <a:ahLst/>
-          <a:cxnLst/>
-          <a:rect l="0" t="0" r="0" b="0"/>
-          <a:pathLst>
-            <a:path>
-              <a:moveTo>
-                <a:pt x="0" y="0"/>
-              </a:moveTo>
-              <a:lnTo>
-                <a:pt x="0" y="174198"/>
-              </a:lnTo>
-              <a:lnTo>
-                <a:pt x="1003715" y="174198"/>
-              </a:lnTo>
-              <a:lnTo>
-                <a:pt x="1003715" y="348397"/>
-              </a:lnTo>
-            </a:path>
-          </a:pathLst>
-        </a:custGeom>
-        <a:noFill/>
-        <a:ln w="25400" cap="flat" cmpd="sng" algn="ctr">
-          <a:solidFill>
-            <a:schemeClr val="accent1">
-              <a:shade val="80000"/>
-              <a:hueOff val="0"/>
-              <a:satOff val="0"/>
-              <a:lumOff val="0"/>
-              <a:alphaOff val="0"/>
-            </a:schemeClr>
-          </a:solidFill>
-          <a:prstDash val="solid"/>
-        </a:ln>
-        <a:effectLst/>
-      </dsp:spPr>
-      <dsp:style>
-        <a:lnRef idx="2">
-          <a:scrgbClr r="0" g="0" b="0"/>
-        </a:lnRef>
-        <a:fillRef idx="0">
-          <a:scrgbClr r="0" g="0" b="0"/>
-        </a:fillRef>
-        <a:effectRef idx="0">
-          <a:scrgbClr r="0" g="0" b="0"/>
-        </a:effectRef>
-        <a:fontRef idx="minor"/>
-      </dsp:style>
-    </dsp:sp>
-    <dsp:sp modelId="{AE16A76A-19E7-1A49-B006-CD828621F00F}">
-      <dsp:nvSpPr>
-        <dsp:cNvPr id="0" name=""/>
-        <dsp:cNvSpPr/>
-      </dsp:nvSpPr>
-      <dsp:spPr>
-        <a:xfrm>
-          <a:off x="168771" y="3507707"/>
-          <a:ext cx="248855" cy="1941070"/>
-        </a:xfrm>
-        <a:custGeom>
-          <a:avLst/>
-          <a:gdLst/>
-          <a:ahLst/>
-          <a:cxnLst/>
-          <a:rect l="0" t="0" r="0" b="0"/>
-          <a:pathLst>
-            <a:path>
-              <a:moveTo>
-                <a:pt x="0" y="0"/>
-              </a:moveTo>
-              <a:lnTo>
-                <a:pt x="0" y="1941070"/>
-              </a:lnTo>
-              <a:lnTo>
-                <a:pt x="248855" y="1941070"/>
-              </a:lnTo>
-            </a:path>
-          </a:pathLst>
-        </a:custGeom>
-        <a:noFill/>
-        <a:ln w="25400" cap="flat" cmpd="sng" algn="ctr">
-          <a:solidFill>
-            <a:schemeClr val="accent1">
-              <a:shade val="80000"/>
-              <a:hueOff val="0"/>
-              <a:satOff val="0"/>
-              <a:lumOff val="0"/>
-              <a:alphaOff val="0"/>
-            </a:schemeClr>
-          </a:solidFill>
-          <a:prstDash val="solid"/>
-        </a:ln>
-        <a:effectLst/>
-      </dsp:spPr>
-      <dsp:style>
-        <a:lnRef idx="2">
-          <a:scrgbClr r="0" g="0" b="0"/>
-        </a:lnRef>
-        <a:fillRef idx="0">
-          <a:scrgbClr r="0" g="0" b="0"/>
-        </a:fillRef>
-        <a:effectRef idx="0">
-          <a:scrgbClr r="0" g="0" b="0"/>
-        </a:effectRef>
-        <a:fontRef idx="minor"/>
-      </dsp:style>
-    </dsp:sp>
-    <dsp:sp modelId="{572D9688-9644-F24C-B170-8500A408C725}">
-      <dsp:nvSpPr>
-        <dsp:cNvPr id="0" name=""/>
-        <dsp:cNvSpPr/>
-      </dsp:nvSpPr>
-      <dsp:spPr>
-        <a:xfrm>
-          <a:off x="168771" y="3507707"/>
-          <a:ext cx="248855" cy="763155"/>
-        </a:xfrm>
-        <a:custGeom>
-          <a:avLst/>
-          <a:gdLst/>
-          <a:ahLst/>
-          <a:cxnLst/>
-          <a:rect l="0" t="0" r="0" b="0"/>
-          <a:pathLst>
-            <a:path>
-              <a:moveTo>
-                <a:pt x="0" y="0"/>
-              </a:moveTo>
-              <a:lnTo>
-                <a:pt x="0" y="763155"/>
-              </a:lnTo>
-              <a:lnTo>
-                <a:pt x="248855" y="763155"/>
-              </a:lnTo>
-            </a:path>
-          </a:pathLst>
-        </a:custGeom>
-        <a:noFill/>
-        <a:ln w="25400" cap="flat" cmpd="sng" algn="ctr">
-          <a:solidFill>
-            <a:schemeClr val="accent1">
-              <a:shade val="80000"/>
-              <a:hueOff val="0"/>
-              <a:satOff val="0"/>
-              <a:lumOff val="0"/>
-              <a:alphaOff val="0"/>
-            </a:schemeClr>
-          </a:solidFill>
-          <a:prstDash val="solid"/>
-        </a:ln>
-        <a:effectLst/>
-      </dsp:spPr>
-      <dsp:style>
-        <a:lnRef idx="2">
-          <a:scrgbClr r="0" g="0" b="0"/>
-        </a:lnRef>
-        <a:fillRef idx="0">
-          <a:scrgbClr r="0" g="0" b="0"/>
-        </a:fillRef>
-        <a:effectRef idx="0">
-          <a:scrgbClr r="0" g="0" b="0"/>
-        </a:effectRef>
-        <a:fontRef idx="minor"/>
-      </dsp:style>
-    </dsp:sp>
-    <dsp:sp modelId="{F84516CE-3C4B-9349-A408-F5488B9DB1D9}">
-      <dsp:nvSpPr>
-        <dsp:cNvPr id="0" name=""/>
-        <dsp:cNvSpPr/>
-      </dsp:nvSpPr>
-      <dsp:spPr>
-        <a:xfrm>
-          <a:off x="832385" y="2329793"/>
-          <a:ext cx="1003715" cy="348397"/>
-        </a:xfrm>
-        <a:custGeom>
-          <a:avLst/>
-          <a:gdLst/>
-          <a:ahLst/>
-          <a:cxnLst/>
-          <a:rect l="0" t="0" r="0" b="0"/>
-          <a:pathLst>
-            <a:path>
-              <a:moveTo>
-                <a:pt x="1003715" y="0"/>
-              </a:moveTo>
-              <a:lnTo>
-                <a:pt x="1003715" y="174198"/>
-              </a:lnTo>
-              <a:lnTo>
-                <a:pt x="0" y="174198"/>
-              </a:lnTo>
-              <a:lnTo>
-                <a:pt x="0" y="348397"/>
-              </a:lnTo>
-            </a:path>
-          </a:pathLst>
-        </a:custGeom>
-        <a:noFill/>
-        <a:ln w="25400" cap="flat" cmpd="sng" algn="ctr">
-          <a:solidFill>
-            <a:schemeClr val="accent1">
-              <a:shade val="80000"/>
-              <a:hueOff val="0"/>
-              <a:satOff val="0"/>
-              <a:lumOff val="0"/>
-              <a:alphaOff val="0"/>
-            </a:schemeClr>
-          </a:solidFill>
-          <a:prstDash val="solid"/>
-        </a:ln>
-        <a:effectLst/>
-      </dsp:spPr>
-      <dsp:style>
-        <a:lnRef idx="2">
-          <a:scrgbClr r="0" g="0" b="0"/>
-        </a:lnRef>
-        <a:fillRef idx="0">
-          <a:scrgbClr r="0" g="0" b="0"/>
-        </a:fillRef>
-        <a:effectRef idx="0">
-          <a:scrgbClr r="0" g="0" b="0"/>
-        </a:effectRef>
-        <a:fontRef idx="minor"/>
-      </dsp:style>
-    </dsp:sp>
-    <dsp:sp modelId="{9FD97A98-5551-8E42-9551-242017FCE71D}">
-      <dsp:nvSpPr>
-        <dsp:cNvPr id="0" name=""/>
-        <dsp:cNvSpPr/>
-      </dsp:nvSpPr>
-      <dsp:spPr>
-        <a:xfrm>
-          <a:off x="1836101" y="1151878"/>
-          <a:ext cx="2007431" cy="348397"/>
-        </a:xfrm>
-        <a:custGeom>
-          <a:avLst/>
-          <a:gdLst/>
-          <a:ahLst/>
-          <a:cxnLst/>
-          <a:rect l="0" t="0" r="0" b="0"/>
-          <a:pathLst>
-            <a:path>
-              <a:moveTo>
-                <a:pt x="2007431" y="0"/>
-              </a:moveTo>
-              <a:lnTo>
-                <a:pt x="2007431" y="174198"/>
-              </a:lnTo>
-              <a:lnTo>
-                <a:pt x="0" y="174198"/>
-              </a:lnTo>
-              <a:lnTo>
-                <a:pt x="0" y="348397"/>
-              </a:lnTo>
-            </a:path>
-          </a:pathLst>
-        </a:custGeom>
-        <a:noFill/>
-        <a:ln w="25400" cap="flat" cmpd="sng" algn="ctr">
-          <a:solidFill>
-            <a:schemeClr val="accent1">
-              <a:shade val="60000"/>
-              <a:hueOff val="0"/>
-              <a:satOff val="0"/>
-              <a:lumOff val="0"/>
-              <a:alphaOff val="0"/>
-            </a:schemeClr>
-          </a:solidFill>
-          <a:prstDash val="solid"/>
-        </a:ln>
-        <a:effectLst/>
-      </dsp:spPr>
-      <dsp:style>
-        <a:lnRef idx="2">
-          <a:scrgbClr r="0" g="0" b="0"/>
-        </a:lnRef>
-        <a:fillRef idx="0">
-          <a:scrgbClr r="0" g="0" b="0"/>
-        </a:fillRef>
-        <a:effectRef idx="0">
-          <a:scrgbClr r="0" g="0" b="0"/>
-        </a:effectRef>
-        <a:fontRef idx="minor"/>
-      </dsp:style>
-    </dsp:sp>
-    <dsp:sp modelId="{8A896361-BFD2-BC4B-8C51-8BE9045FDF7A}">
-      <dsp:nvSpPr>
-        <dsp:cNvPr id="0" name=""/>
-        <dsp:cNvSpPr/>
-      </dsp:nvSpPr>
-      <dsp:spPr>
-        <a:xfrm>
-          <a:off x="3014015" y="322361"/>
-          <a:ext cx="1659034" cy="829517"/>
+          <a:off x="7787889" y="1996726"/>
+          <a:ext cx="857648" cy="428824"/>
         </a:xfrm>
         <a:prstGeom prst="rect">
           <a:avLst/>
@@ -3504,12 +3877,12 @@
         </a:fontRef>
       </dsp:style>
       <dsp:txBody>
-        <a:bodyPr spcFirstLastPara="0" vert="horz" wrap="square" lIns="9525" tIns="9525" rIns="9525" bIns="9525" numCol="1" spcCol="1270" anchor="ctr" anchorCtr="0">
+        <a:bodyPr spcFirstLastPara="0" vert="horz" wrap="square" lIns="5080" tIns="5080" rIns="5080" bIns="5080" numCol="1" spcCol="1270" anchor="ctr" anchorCtr="0">
           <a:noAutofit/>
         </a:bodyPr>
         <a:lstStyle/>
         <a:p>
-          <a:pPr lvl="0" algn="ctr" defTabSz="666750">
+          <a:pPr lvl="0" algn="ctr" defTabSz="355600">
             <a:lnSpc>
               <a:spcPct val="90000"/>
             </a:lnSpc>
@@ -3521,12 +3894,12 @@
             </a:spcAft>
           </a:pPr>
           <a:r>
-            <a:rPr lang="en-US" sz="1500" kern="1200" dirty="0" smtClean="0"/>
-            <a:t>Vehicles</a:t>
+            <a:rPr lang="en-US" sz="800" kern="1200" dirty="0" smtClean="0"/>
+            <a:t>World</a:t>
           </a:r>
         </a:p>
         <a:p>
-          <a:pPr lvl="0" algn="ctr" defTabSz="666750">
+          <a:pPr lvl="0" algn="ctr" defTabSz="355600">
             <a:lnSpc>
               <a:spcPct val="90000"/>
             </a:lnSpc>
@@ -3538,12 +3911,12 @@
             </a:spcAft>
           </a:pPr>
           <a:r>
-            <a:rPr lang="en-US" sz="1200" kern="1200" dirty="0" smtClean="0"/>
+            <a:rPr lang="en-US" sz="800" kern="1200" dirty="0" smtClean="0"/>
             <a:t>-x</a:t>
           </a:r>
         </a:p>
         <a:p>
-          <a:pPr lvl="0" algn="ctr" defTabSz="666750">
+          <a:pPr lvl="0" algn="ctr" defTabSz="355600">
             <a:lnSpc>
               <a:spcPct val="90000"/>
             </a:lnSpc>
@@ -3555,26 +3928,26 @@
             </a:spcAft>
           </a:pPr>
           <a:r>
-            <a:rPr lang="en-US" sz="1200" kern="1200" dirty="0" smtClean="0"/>
+            <a:rPr lang="en-US" sz="800" kern="1200" smtClean="0"/>
             <a:t>-y</a:t>
           </a:r>
-          <a:endParaRPr lang="en-US" sz="1200" kern="1200" dirty="0"/>
+          <a:endParaRPr lang="en-US" sz="800" kern="1200" dirty="0"/>
         </a:p>
       </dsp:txBody>
       <dsp:txXfrm>
-        <a:off x="3014015" y="322361"/>
-        <a:ext cx="1659034" cy="829517"/>
+        <a:off x="7787889" y="1996726"/>
+        <a:ext cx="857648" cy="428824"/>
       </dsp:txXfrm>
     </dsp:sp>
-    <dsp:sp modelId="{F7874140-0CAF-5449-8A11-F0E202604FD6}">
+    <dsp:sp modelId="{F5775107-CCCA-CD4D-B179-09C029FD0160}">
       <dsp:nvSpPr>
         <dsp:cNvPr id="0" name=""/>
         <dsp:cNvSpPr/>
       </dsp:nvSpPr>
       <dsp:spPr>
         <a:xfrm>
-          <a:off x="1006584" y="1500275"/>
-          <a:ext cx="1659034" cy="829517"/>
+          <a:off x="3636870" y="2605657"/>
+          <a:ext cx="857648" cy="428824"/>
         </a:xfrm>
         <a:prstGeom prst="rect">
           <a:avLst/>
@@ -3621,12 +3994,12 @@
         </a:fontRef>
       </dsp:style>
       <dsp:txBody>
-        <a:bodyPr spcFirstLastPara="0" vert="horz" wrap="square" lIns="8255" tIns="8255" rIns="8255" bIns="8255" numCol="1" spcCol="1270" anchor="ctr" anchorCtr="0">
+        <a:bodyPr spcFirstLastPara="0" vert="horz" wrap="square" lIns="5080" tIns="5080" rIns="5080" bIns="5080" numCol="1" spcCol="1270" anchor="ctr" anchorCtr="0">
           <a:noAutofit/>
         </a:bodyPr>
         <a:lstStyle/>
         <a:p>
-          <a:pPr lvl="0" algn="ctr" defTabSz="577850">
+          <a:pPr lvl="0" algn="ctr" defTabSz="355600">
             <a:lnSpc>
               <a:spcPct val="90000"/>
             </a:lnSpc>
@@ -3638,34 +4011,60 @@
             </a:spcAft>
           </a:pPr>
           <a:r>
-            <a:rPr lang="en-US" sz="1300" kern="1200" dirty="0" smtClean="0"/>
-            <a:t>Air(</a:t>
+            <a:rPr lang="en-US" sz="800" kern="1200" dirty="0" smtClean="0"/>
+            <a:t>Vehicles</a:t>
           </a:r>
+        </a:p>
+        <a:p>
+          <a:pPr lvl="0" algn="ctr" defTabSz="355600">
+            <a:lnSpc>
+              <a:spcPct val="90000"/>
+            </a:lnSpc>
+            <a:spcBef>
+              <a:spcPct val="0"/>
+            </a:spcBef>
+            <a:spcAft>
+              <a:spcPct val="35000"/>
+            </a:spcAft>
+          </a:pPr>
           <a:r>
-            <a:rPr lang="en-US" sz="1300" kern="1200" dirty="0" err="1" smtClean="0"/>
-            <a:t>abstractClass</a:t>
+            <a:rPr lang="en-US" sz="800" kern="1200" dirty="0" smtClean="0"/>
+            <a:t>-x</a:t>
           </a:r>
+        </a:p>
+        <a:p>
+          <a:pPr lvl="0" algn="ctr" defTabSz="355600">
+            <a:lnSpc>
+              <a:spcPct val="90000"/>
+            </a:lnSpc>
+            <a:spcBef>
+              <a:spcPct val="0"/>
+            </a:spcBef>
+            <a:spcAft>
+              <a:spcPct val="35000"/>
+            </a:spcAft>
+          </a:pPr>
           <a:r>
-            <a:rPr lang="en-US" sz="1300" kern="1200" dirty="0" smtClean="0"/>
-            <a:t> ?)</a:t>
+            <a:rPr lang="en-US" sz="800" kern="1200" dirty="0" smtClean="0"/>
+            <a:t>-y</a:t>
           </a:r>
-          <a:endParaRPr lang="en-US" sz="1300" kern="1200" dirty="0"/>
+          <a:endParaRPr lang="en-US" sz="800" kern="1200" dirty="0"/>
         </a:p>
       </dsp:txBody>
       <dsp:txXfrm>
-        <a:off x="1006584" y="1500275"/>
-        <a:ext cx="1659034" cy="829517"/>
+        <a:off x="3636870" y="2605657"/>
+        <a:ext cx="857648" cy="428824"/>
       </dsp:txXfrm>
     </dsp:sp>
-    <dsp:sp modelId="{59BF2708-A71C-B24B-91C4-7B6586B34316}">
+    <dsp:sp modelId="{DBAEEE53-CD50-484D-8A44-02F9DE19D7A8}">
       <dsp:nvSpPr>
         <dsp:cNvPr id="0" name=""/>
         <dsp:cNvSpPr/>
       </dsp:nvSpPr>
       <dsp:spPr>
         <a:xfrm>
-          <a:off x="2868" y="2678190"/>
-          <a:ext cx="1659034" cy="829517"/>
+          <a:off x="1561361" y="3214587"/>
+          <a:ext cx="857648" cy="428824"/>
         </a:xfrm>
         <a:prstGeom prst="rect">
           <a:avLst/>
@@ -3712,12 +4111,12 @@
         </a:fontRef>
       </dsp:style>
       <dsp:txBody>
-        <a:bodyPr spcFirstLastPara="0" vert="horz" wrap="square" lIns="8255" tIns="8255" rIns="8255" bIns="8255" numCol="1" spcCol="1270" anchor="ctr" anchorCtr="0">
+        <a:bodyPr spcFirstLastPara="0" vert="horz" wrap="square" lIns="5080" tIns="5080" rIns="5080" bIns="5080" numCol="1" spcCol="1270" anchor="ctr" anchorCtr="0">
           <a:noAutofit/>
         </a:bodyPr>
         <a:lstStyle/>
         <a:p>
-          <a:pPr lvl="0" algn="ctr" defTabSz="577850">
+          <a:pPr lvl="0" algn="ctr" defTabSz="355600">
             <a:lnSpc>
               <a:spcPct val="90000"/>
             </a:lnSpc>
@@ -3729,26 +4128,43 @@
             </a:spcAft>
           </a:pPr>
           <a:r>
-            <a:rPr lang="en-US" sz="1300" kern="1200" dirty="0" smtClean="0"/>
-            <a:t>Plane</a:t>
+            <a:rPr lang="en-US" sz="800" kern="1200" dirty="0" smtClean="0"/>
+            <a:t>Air</a:t>
           </a:r>
-          <a:endParaRPr lang="en-US" sz="1300" kern="1200" dirty="0"/>
+        </a:p>
+        <a:p>
+          <a:pPr lvl="0" algn="ctr" defTabSz="355600">
+            <a:lnSpc>
+              <a:spcPct val="90000"/>
+            </a:lnSpc>
+            <a:spcBef>
+              <a:spcPct val="0"/>
+            </a:spcBef>
+            <a:spcAft>
+              <a:spcPct val="35000"/>
+            </a:spcAft>
+          </a:pPr>
+          <a:r>
+            <a:rPr lang="en-US" sz="800" kern="1200" dirty="0" smtClean="0"/>
+            <a:t>-fly</a:t>
+          </a:r>
+          <a:endParaRPr lang="en-US" sz="800" kern="1200" dirty="0"/>
         </a:p>
       </dsp:txBody>
       <dsp:txXfrm>
-        <a:off x="2868" y="2678190"/>
-        <a:ext cx="1659034" cy="829517"/>
+        <a:off x="1561361" y="3214587"/>
+        <a:ext cx="857648" cy="428824"/>
       </dsp:txXfrm>
     </dsp:sp>
-    <dsp:sp modelId="{30528875-2FA9-7A43-812C-F5207B3DA35C}">
+    <dsp:sp modelId="{DAADDBCF-1B61-AC4A-A4F4-FA1D9F05F2E7}">
       <dsp:nvSpPr>
         <dsp:cNvPr id="0" name=""/>
         <dsp:cNvSpPr/>
       </dsp:nvSpPr>
       <dsp:spPr>
         <a:xfrm>
-          <a:off x="417626" y="3856104"/>
-          <a:ext cx="1659034" cy="829517"/>
+          <a:off x="523606" y="3823518"/>
+          <a:ext cx="857648" cy="428824"/>
         </a:xfrm>
         <a:prstGeom prst="rect">
           <a:avLst/>
@@ -3795,12 +4211,12 @@
         </a:fontRef>
       </dsp:style>
       <dsp:txBody>
-        <a:bodyPr spcFirstLastPara="0" vert="horz" wrap="square" lIns="9525" tIns="9525" rIns="9525" bIns="9525" numCol="1" spcCol="1270" anchor="ctr" anchorCtr="0">
+        <a:bodyPr spcFirstLastPara="0" vert="horz" wrap="square" lIns="5080" tIns="5080" rIns="5080" bIns="5080" numCol="1" spcCol="1270" anchor="ctr" anchorCtr="0">
           <a:noAutofit/>
         </a:bodyPr>
         <a:lstStyle/>
         <a:p>
-          <a:pPr lvl="0" algn="ctr" defTabSz="666750">
+          <a:pPr lvl="0" algn="ctr" defTabSz="355600">
             <a:lnSpc>
               <a:spcPct val="90000"/>
             </a:lnSpc>
@@ -3812,12 +4228,12 @@
             </a:spcAft>
           </a:pPr>
           <a:r>
-            <a:rPr lang="en-US" sz="1500" kern="1200" dirty="0" smtClean="0"/>
-            <a:t>Plane1 ……</a:t>
+            <a:rPr lang="en-US" sz="800" kern="1200" dirty="0" smtClean="0"/>
+            <a:t>Plane</a:t>
           </a:r>
         </a:p>
         <a:p>
-          <a:pPr lvl="0" algn="ctr" defTabSz="666750">
+          <a:pPr lvl="0" algn="ctr" defTabSz="355600">
             <a:lnSpc>
               <a:spcPct val="90000"/>
             </a:lnSpc>
@@ -3829,12 +4245,12 @@
             </a:spcAft>
           </a:pPr>
           <a:r>
-            <a:rPr lang="en-US" sz="1200" kern="1200" dirty="0" smtClean="0"/>
-            <a:t>-age</a:t>
+            <a:rPr lang="en-US" sz="800" kern="1200" dirty="0" smtClean="0"/>
+            <a:t>-water </a:t>
           </a:r>
         </a:p>
         <a:p>
-          <a:pPr lvl="0" algn="ctr" defTabSz="666750">
+          <a:pPr lvl="0" algn="ctr" defTabSz="355600">
             <a:lnSpc>
               <a:spcPct val="90000"/>
             </a:lnSpc>
@@ -3846,26 +4262,26 @@
             </a:spcAft>
           </a:pPr>
           <a:r>
-            <a:rPr lang="en-US" sz="1200" kern="1200" dirty="0" smtClean="0"/>
-            <a:t>-condition</a:t>
+            <a:rPr lang="en-US" sz="800" kern="1200" dirty="0" smtClean="0"/>
+            <a:t>-fuel</a:t>
           </a:r>
-          <a:endParaRPr lang="en-US" sz="1200" kern="1200" dirty="0"/>
+          <a:endParaRPr lang="en-US" sz="800" kern="1200" dirty="0"/>
         </a:p>
       </dsp:txBody>
       <dsp:txXfrm>
-        <a:off x="417626" y="3856104"/>
-        <a:ext cx="1659034" cy="829517"/>
+        <a:off x="523606" y="3823518"/>
+        <a:ext cx="857648" cy="428824"/>
       </dsp:txXfrm>
     </dsp:sp>
-    <dsp:sp modelId="{9313986E-C68D-3741-B66E-4E51DE730B10}">
+    <dsp:sp modelId="{7C1C094A-A447-E94A-8902-CA183FD99F0B}">
       <dsp:nvSpPr>
         <dsp:cNvPr id="0" name=""/>
         <dsp:cNvSpPr/>
       </dsp:nvSpPr>
       <dsp:spPr>
         <a:xfrm>
-          <a:off x="417626" y="5034019"/>
-          <a:ext cx="1659034" cy="829517"/>
+          <a:off x="4728" y="4432448"/>
+          <a:ext cx="857648" cy="428824"/>
         </a:xfrm>
         <a:prstGeom prst="rect">
           <a:avLst/>
@@ -3912,12 +4328,12 @@
         </a:fontRef>
       </dsp:style>
       <dsp:txBody>
-        <a:bodyPr spcFirstLastPara="0" vert="horz" wrap="square" lIns="9525" tIns="9525" rIns="9525" bIns="9525" numCol="1" spcCol="1270" anchor="ctr" anchorCtr="0">
+        <a:bodyPr spcFirstLastPara="0" vert="horz" wrap="square" lIns="5080" tIns="5080" rIns="5080" bIns="5080" numCol="1" spcCol="1270" anchor="ctr" anchorCtr="0">
           <a:noAutofit/>
         </a:bodyPr>
         <a:lstStyle/>
         <a:p>
-          <a:pPr lvl="0" algn="ctr" defTabSz="666750">
+          <a:pPr lvl="0" algn="ctr" defTabSz="355600">
             <a:lnSpc>
               <a:spcPct val="90000"/>
             </a:lnSpc>
@@ -3929,17 +4345,12 @@
             </a:spcAft>
           </a:pPr>
           <a:r>
-            <a:rPr lang="en-US" sz="1500" kern="1200" dirty="0" smtClean="0"/>
-            <a:t>…….</a:t>
+            <a:rPr lang="en-US" sz="800" kern="1200" dirty="0" smtClean="0"/>
+            <a:t>Plane1 ……</a:t>
           </a:r>
-          <a:r>
-            <a:rPr lang="en-US" sz="1500" kern="1200" dirty="0" err="1" smtClean="0"/>
-            <a:t>PlaneN</a:t>
-          </a:r>
-          <a:endParaRPr lang="en-US" sz="1500" kern="1200" dirty="0" smtClean="0"/>
-        </a:p>
-        <a:p>
-          <a:pPr lvl="0" algn="ctr" defTabSz="666750">
+        </a:p>
+        <a:p>
+          <a:pPr lvl="0" algn="ctr" defTabSz="355600">
             <a:lnSpc>
               <a:spcPct val="90000"/>
             </a:lnSpc>
@@ -3951,12 +4362,12 @@
             </a:spcAft>
           </a:pPr>
           <a:r>
-            <a:rPr lang="en-US" sz="1200" kern="1200" dirty="0" smtClean="0"/>
+            <a:rPr lang="en-US" sz="800" kern="1200" dirty="0" smtClean="0"/>
             <a:t>-age</a:t>
           </a:r>
         </a:p>
         <a:p>
-          <a:pPr lvl="0" algn="ctr" defTabSz="666750">
+          <a:pPr lvl="0" algn="ctr" defTabSz="355600">
             <a:lnSpc>
               <a:spcPct val="90000"/>
             </a:lnSpc>
@@ -3968,26 +4379,26 @@
             </a:spcAft>
           </a:pPr>
           <a:r>
-            <a:rPr lang="en-US" sz="1200" kern="1200" dirty="0" smtClean="0"/>
+            <a:rPr lang="en-US" sz="800" kern="1200" dirty="0" smtClean="0"/>
             <a:t>-condition</a:t>
           </a:r>
-          <a:endParaRPr lang="en-US" sz="1200" kern="1200" dirty="0"/>
+          <a:endParaRPr lang="en-US" sz="800" kern="1200" dirty="0"/>
         </a:p>
       </dsp:txBody>
       <dsp:txXfrm>
-        <a:off x="417626" y="5034019"/>
-        <a:ext cx="1659034" cy="829517"/>
+        <a:off x="4728" y="4432448"/>
+        <a:ext cx="857648" cy="428824"/>
       </dsp:txXfrm>
     </dsp:sp>
-    <dsp:sp modelId="{D85A0727-3D88-F14F-A4DC-7D5AF564AB75}">
+    <dsp:sp modelId="{51E65A21-1844-ED4C-921C-3B476A3328F8}">
       <dsp:nvSpPr>
         <dsp:cNvPr id="0" name=""/>
         <dsp:cNvSpPr/>
       </dsp:nvSpPr>
       <dsp:spPr>
         <a:xfrm>
-          <a:off x="2010299" y="2678190"/>
-          <a:ext cx="1659034" cy="829517"/>
+          <a:off x="1042483" y="4432448"/>
+          <a:ext cx="857648" cy="428824"/>
         </a:xfrm>
         <a:prstGeom prst="rect">
           <a:avLst/>
@@ -4034,12 +4445,12 @@
         </a:fontRef>
       </dsp:style>
       <dsp:txBody>
-        <a:bodyPr spcFirstLastPara="0" vert="horz" wrap="square" lIns="8255" tIns="8255" rIns="8255" bIns="8255" numCol="1" spcCol="1270" anchor="ctr" anchorCtr="0">
+        <a:bodyPr spcFirstLastPara="0" vert="horz" wrap="square" lIns="5080" tIns="5080" rIns="5080" bIns="5080" numCol="1" spcCol="1270" anchor="ctr" anchorCtr="0">
           <a:noAutofit/>
         </a:bodyPr>
         <a:lstStyle/>
         <a:p>
-          <a:pPr lvl="0" algn="ctr" defTabSz="577850">
+          <a:pPr lvl="0" algn="ctr" defTabSz="355600">
             <a:lnSpc>
               <a:spcPct val="90000"/>
             </a:lnSpc>
@@ -4051,26 +4462,65 @@
             </a:spcAft>
           </a:pPr>
           <a:r>
-            <a:rPr lang="en-US" sz="1300" kern="1200" dirty="0" smtClean="0"/>
-            <a:t>Helicopter</a:t>
+            <a:rPr lang="en-US" sz="800" kern="1200" dirty="0" smtClean="0"/>
+            <a:t>…….</a:t>
           </a:r>
-          <a:endParaRPr lang="en-US" sz="1300" kern="1200" dirty="0"/>
+          <a:r>
+            <a:rPr lang="en-US" sz="800" kern="1200" dirty="0" err="1" smtClean="0"/>
+            <a:t>PlaneN</a:t>
+          </a:r>
+          <a:endParaRPr lang="en-US" sz="800" kern="1200" dirty="0" smtClean="0"/>
+        </a:p>
+        <a:p>
+          <a:pPr lvl="0" algn="ctr" defTabSz="355600">
+            <a:lnSpc>
+              <a:spcPct val="90000"/>
+            </a:lnSpc>
+            <a:spcBef>
+              <a:spcPct val="0"/>
+            </a:spcBef>
+            <a:spcAft>
+              <a:spcPct val="35000"/>
+            </a:spcAft>
+          </a:pPr>
+          <a:r>
+            <a:rPr lang="en-US" sz="800" kern="1200" dirty="0" smtClean="0"/>
+            <a:t>-age</a:t>
+          </a:r>
+        </a:p>
+        <a:p>
+          <a:pPr lvl="0" algn="ctr" defTabSz="355600">
+            <a:lnSpc>
+              <a:spcPct val="90000"/>
+            </a:lnSpc>
+            <a:spcBef>
+              <a:spcPct val="0"/>
+            </a:spcBef>
+            <a:spcAft>
+              <a:spcPct val="35000"/>
+            </a:spcAft>
+          </a:pPr>
+          <a:r>
+            <a:rPr lang="en-US" sz="800" kern="1200" dirty="0" smtClean="0"/>
+            <a:t>-condition</a:t>
+          </a:r>
+          <a:endParaRPr lang="en-US" sz="800" kern="1200" dirty="0"/>
         </a:p>
       </dsp:txBody>
       <dsp:txXfrm>
-        <a:off x="2010299" y="2678190"/>
-        <a:ext cx="1659034" cy="829517"/>
+        <a:off x="1042483" y="4432448"/>
+        <a:ext cx="857648" cy="428824"/>
       </dsp:txXfrm>
     </dsp:sp>
-    <dsp:sp modelId="{C82180CD-AF04-BB4E-A875-AC7B3717345B}">
+    <dsp:sp modelId="{DAB88339-9197-9842-8C37-E1DE96A93C68}">
       <dsp:nvSpPr>
         <dsp:cNvPr id="0" name=""/>
         <dsp:cNvSpPr/>
       </dsp:nvSpPr>
       <dsp:spPr>
         <a:xfrm>
-          <a:off x="2425058" y="3856104"/>
-          <a:ext cx="1659034" cy="829517"/>
+          <a:off x="2599115" y="3823518"/>
+          <a:ext cx="857648" cy="428824"/>
         </a:xfrm>
         <a:prstGeom prst="rect">
           <a:avLst/>
@@ -4117,12 +4567,12 @@
         </a:fontRef>
       </dsp:style>
       <dsp:txBody>
-        <a:bodyPr spcFirstLastPara="0" vert="horz" wrap="square" lIns="9525" tIns="9525" rIns="9525" bIns="9525" numCol="1" spcCol="1270" anchor="ctr" anchorCtr="0">
+        <a:bodyPr spcFirstLastPara="0" vert="horz" wrap="square" lIns="5080" tIns="5080" rIns="5080" bIns="5080" numCol="1" spcCol="1270" anchor="ctr" anchorCtr="0">
           <a:noAutofit/>
         </a:bodyPr>
         <a:lstStyle/>
         <a:p>
-          <a:pPr lvl="0" algn="ctr" defTabSz="666750">
+          <a:pPr lvl="0" algn="ctr" defTabSz="355600">
             <a:lnSpc>
               <a:spcPct val="90000"/>
             </a:lnSpc>
@@ -4134,12 +4584,12 @@
             </a:spcAft>
           </a:pPr>
           <a:r>
-            <a:rPr lang="en-US" sz="1500" kern="1200" dirty="0" smtClean="0"/>
-            <a:t>Helicopter1 …..</a:t>
+            <a:rPr lang="en-US" sz="800" kern="1200" dirty="0" smtClean="0"/>
+            <a:t>Helicopter</a:t>
           </a:r>
         </a:p>
         <a:p>
-          <a:pPr lvl="0" algn="ctr" defTabSz="666750">
+          <a:pPr lvl="0" algn="ctr" defTabSz="355600">
             <a:lnSpc>
               <a:spcPct val="90000"/>
             </a:lnSpc>
@@ -4151,12 +4601,12 @@
             </a:spcAft>
           </a:pPr>
           <a:r>
-            <a:rPr lang="en-US" sz="1200" kern="1200" dirty="0" smtClean="0"/>
-            <a:t>-age</a:t>
+            <a:rPr lang="en-US" sz="800" kern="1200" dirty="0" smtClean="0"/>
+            <a:t>-water </a:t>
           </a:r>
         </a:p>
         <a:p>
-          <a:pPr lvl="0" algn="ctr" defTabSz="666750">
+          <a:pPr lvl="0" algn="ctr" defTabSz="355600">
             <a:lnSpc>
               <a:spcPct val="90000"/>
             </a:lnSpc>
@@ -4168,26 +4618,26 @@
             </a:spcAft>
           </a:pPr>
           <a:r>
-            <a:rPr lang="en-US" sz="1200" kern="1200" dirty="0" smtClean="0"/>
-            <a:t>-condition</a:t>
+            <a:rPr lang="en-US" sz="800" kern="1200" dirty="0" smtClean="0"/>
+            <a:t>-fuel</a:t>
           </a:r>
-          <a:endParaRPr lang="en-US" sz="1200" kern="1200" dirty="0"/>
+          <a:endParaRPr lang="en-US" sz="800" kern="1200" dirty="0"/>
         </a:p>
       </dsp:txBody>
       <dsp:txXfrm>
-        <a:off x="2425058" y="3856104"/>
-        <a:ext cx="1659034" cy="829517"/>
+        <a:off x="2599115" y="3823518"/>
+        <a:ext cx="857648" cy="428824"/>
       </dsp:txXfrm>
     </dsp:sp>
-    <dsp:sp modelId="{46DA980C-37B7-0143-B3E2-3809AAA34A52}">
+    <dsp:sp modelId="{E58AC7C5-ABDD-6040-AA82-D20C922F74B3}">
       <dsp:nvSpPr>
         <dsp:cNvPr id="0" name=""/>
         <dsp:cNvSpPr/>
       </dsp:nvSpPr>
       <dsp:spPr>
         <a:xfrm>
-          <a:off x="2425058" y="5034019"/>
-          <a:ext cx="1659034" cy="829517"/>
+          <a:off x="2080238" y="4432448"/>
+          <a:ext cx="857648" cy="428824"/>
         </a:xfrm>
         <a:prstGeom prst="rect">
           <a:avLst/>
@@ -4234,12 +4684,12 @@
         </a:fontRef>
       </dsp:style>
       <dsp:txBody>
-        <a:bodyPr spcFirstLastPara="0" vert="horz" wrap="square" lIns="9525" tIns="9525" rIns="9525" bIns="9525" numCol="1" spcCol="1270" anchor="ctr" anchorCtr="0">
+        <a:bodyPr spcFirstLastPara="0" vert="horz" wrap="square" lIns="5080" tIns="5080" rIns="5080" bIns="5080" numCol="1" spcCol="1270" anchor="ctr" anchorCtr="0">
           <a:noAutofit/>
         </a:bodyPr>
         <a:lstStyle/>
         <a:p>
-          <a:pPr lvl="0" algn="ctr" defTabSz="666750">
+          <a:pPr lvl="0" algn="ctr" defTabSz="355600">
             <a:lnSpc>
               <a:spcPct val="90000"/>
             </a:lnSpc>
@@ -4251,17 +4701,12 @@
             </a:spcAft>
           </a:pPr>
           <a:r>
-            <a:rPr lang="en-US" sz="1500" kern="1200" dirty="0" smtClean="0"/>
-            <a:t>…..</a:t>
+            <a:rPr lang="en-US" sz="800" kern="1200" dirty="0" smtClean="0"/>
+            <a:t>Helicopter1 …..</a:t>
           </a:r>
-          <a:r>
-            <a:rPr lang="en-US" sz="1500" kern="1200" dirty="0" err="1" smtClean="0"/>
-            <a:t>HelicopterN</a:t>
-          </a:r>
-          <a:endParaRPr lang="en-US" sz="1500" kern="1200" dirty="0" smtClean="0"/>
-        </a:p>
-        <a:p>
-          <a:pPr lvl="0" algn="ctr" defTabSz="666750">
+        </a:p>
+        <a:p>
+          <a:pPr lvl="0" algn="ctr" defTabSz="355600">
             <a:lnSpc>
               <a:spcPct val="90000"/>
             </a:lnSpc>
@@ -4273,12 +4718,12 @@
             </a:spcAft>
           </a:pPr>
           <a:r>
-            <a:rPr lang="en-US" sz="1200" kern="1200" dirty="0" smtClean="0"/>
+            <a:rPr lang="en-US" sz="800" kern="1200" dirty="0" smtClean="0"/>
             <a:t>-age</a:t>
           </a:r>
         </a:p>
         <a:p>
-          <a:pPr lvl="0" algn="ctr" defTabSz="666750">
+          <a:pPr lvl="0" algn="ctr" defTabSz="355600">
             <a:lnSpc>
               <a:spcPct val="90000"/>
             </a:lnSpc>
@@ -4290,26 +4735,26 @@
             </a:spcAft>
           </a:pPr>
           <a:r>
-            <a:rPr lang="en-US" sz="1200" kern="1200" dirty="0" smtClean="0"/>
+            <a:rPr lang="en-US" sz="800" kern="1200" dirty="0" smtClean="0"/>
             <a:t>-condition</a:t>
           </a:r>
-          <a:endParaRPr lang="en-US" sz="1200" kern="1200" dirty="0"/>
+          <a:endParaRPr lang="en-US" sz="800" kern="1200" dirty="0"/>
         </a:p>
       </dsp:txBody>
       <dsp:txXfrm>
-        <a:off x="2425058" y="5034019"/>
-        <a:ext cx="1659034" cy="829517"/>
+        <a:off x="2080238" y="4432448"/>
+        <a:ext cx="857648" cy="428824"/>
       </dsp:txXfrm>
     </dsp:sp>
-    <dsp:sp modelId="{CB4B1E00-3F6F-0141-B853-64DAF0CF8052}">
+    <dsp:sp modelId="{AC89D4A8-011A-BD4C-BAF6-9B7CCB61BDDA}">
       <dsp:nvSpPr>
         <dsp:cNvPr id="0" name=""/>
         <dsp:cNvSpPr/>
       </dsp:nvSpPr>
       <dsp:spPr>
         <a:xfrm>
-          <a:off x="5021447" y="1500275"/>
-          <a:ext cx="1659034" cy="829517"/>
+          <a:off x="3117993" y="4432448"/>
+          <a:ext cx="857648" cy="428824"/>
         </a:xfrm>
         <a:prstGeom prst="rect">
           <a:avLst/>
@@ -4356,12 +4801,12 @@
         </a:fontRef>
       </dsp:style>
       <dsp:txBody>
-        <a:bodyPr spcFirstLastPara="0" vert="horz" wrap="square" lIns="8255" tIns="8255" rIns="8255" bIns="8255" numCol="1" spcCol="1270" anchor="ctr" anchorCtr="0">
+        <a:bodyPr spcFirstLastPara="0" vert="horz" wrap="square" lIns="5080" tIns="5080" rIns="5080" bIns="5080" numCol="1" spcCol="1270" anchor="ctr" anchorCtr="0">
           <a:noAutofit/>
         </a:bodyPr>
         <a:lstStyle/>
         <a:p>
-          <a:pPr lvl="0" algn="ctr" defTabSz="577850">
+          <a:pPr lvl="0" algn="ctr" defTabSz="355600">
             <a:lnSpc>
               <a:spcPct val="90000"/>
             </a:lnSpc>
@@ -4373,34 +4818,65 @@
             </a:spcAft>
           </a:pPr>
           <a:r>
-            <a:rPr lang="en-US" sz="1300" kern="1200" dirty="0" smtClean="0"/>
-            <a:t>Ground(</a:t>
+            <a:rPr lang="en-US" sz="800" kern="1200" dirty="0" smtClean="0"/>
+            <a:t>…..</a:t>
           </a:r>
           <a:r>
-            <a:rPr lang="en-US" sz="1300" kern="1200" dirty="0" err="1" smtClean="0"/>
-            <a:t>abstractClass</a:t>
+            <a:rPr lang="en-US" sz="800" kern="1200" dirty="0" err="1" smtClean="0"/>
+            <a:t>HelicopterN</a:t>
           </a:r>
+          <a:endParaRPr lang="en-US" sz="800" kern="1200" dirty="0" smtClean="0"/>
+        </a:p>
+        <a:p>
+          <a:pPr lvl="0" algn="ctr" defTabSz="355600">
+            <a:lnSpc>
+              <a:spcPct val="90000"/>
+            </a:lnSpc>
+            <a:spcBef>
+              <a:spcPct val="0"/>
+            </a:spcBef>
+            <a:spcAft>
+              <a:spcPct val="35000"/>
+            </a:spcAft>
+          </a:pPr>
           <a:r>
-            <a:rPr lang="en-US" sz="1300" kern="1200" dirty="0" smtClean="0"/>
-            <a:t> ?)</a:t>
+            <a:rPr lang="en-US" sz="800" kern="1200" dirty="0" smtClean="0"/>
+            <a:t>-age</a:t>
           </a:r>
-          <a:endParaRPr lang="en-US" sz="1300" kern="1200" dirty="0"/>
+        </a:p>
+        <a:p>
+          <a:pPr lvl="0" algn="ctr" defTabSz="355600">
+            <a:lnSpc>
+              <a:spcPct val="90000"/>
+            </a:lnSpc>
+            <a:spcBef>
+              <a:spcPct val="0"/>
+            </a:spcBef>
+            <a:spcAft>
+              <a:spcPct val="35000"/>
+            </a:spcAft>
+          </a:pPr>
+          <a:r>
+            <a:rPr lang="en-US" sz="800" kern="1200" dirty="0" smtClean="0"/>
+            <a:t>-condition</a:t>
+          </a:r>
+          <a:endParaRPr lang="en-US" sz="800" kern="1200" dirty="0"/>
         </a:p>
       </dsp:txBody>
       <dsp:txXfrm>
-        <a:off x="5021447" y="1500275"/>
-        <a:ext cx="1659034" cy="829517"/>
+        <a:off x="3117993" y="4432448"/>
+        <a:ext cx="857648" cy="428824"/>
       </dsp:txXfrm>
     </dsp:sp>
-    <dsp:sp modelId="{69300422-F611-5B41-BBDE-CF070902C6A9}">
+    <dsp:sp modelId="{DC3AA488-9688-C340-B9DB-2E72853D416D}">
       <dsp:nvSpPr>
         <dsp:cNvPr id="0" name=""/>
         <dsp:cNvSpPr/>
       </dsp:nvSpPr>
       <dsp:spPr>
         <a:xfrm>
-          <a:off x="4017731" y="2678190"/>
-          <a:ext cx="1659034" cy="829517"/>
+          <a:off x="5712379" y="3214587"/>
+          <a:ext cx="857648" cy="428824"/>
         </a:xfrm>
         <a:prstGeom prst="rect">
           <a:avLst/>
@@ -4447,12 +4923,12 @@
         </a:fontRef>
       </dsp:style>
       <dsp:txBody>
-        <a:bodyPr spcFirstLastPara="0" vert="horz" wrap="square" lIns="8255" tIns="8255" rIns="8255" bIns="8255" numCol="1" spcCol="1270" anchor="ctr" anchorCtr="0">
+        <a:bodyPr spcFirstLastPara="0" vert="horz" wrap="square" lIns="5080" tIns="5080" rIns="5080" bIns="5080" numCol="1" spcCol="1270" anchor="ctr" anchorCtr="0">
           <a:noAutofit/>
         </a:bodyPr>
         <a:lstStyle/>
         <a:p>
-          <a:pPr lvl="0" algn="ctr" defTabSz="577850">
+          <a:pPr lvl="0" algn="ctr" defTabSz="355600">
             <a:lnSpc>
               <a:spcPct val="90000"/>
             </a:lnSpc>
@@ -4464,26 +4940,43 @@
             </a:spcAft>
           </a:pPr>
           <a:r>
-            <a:rPr lang="en-US" sz="1300" kern="1200" dirty="0" smtClean="0"/>
-            <a:t>Cars</a:t>
+            <a:rPr lang="en-US" sz="800" kern="1200" dirty="0" smtClean="0"/>
+            <a:t>Ground</a:t>
           </a:r>
-          <a:endParaRPr lang="en-US" sz="1300" kern="1200" dirty="0"/>
+        </a:p>
+        <a:p>
+          <a:pPr lvl="0" algn="ctr" defTabSz="355600">
+            <a:lnSpc>
+              <a:spcPct val="90000"/>
+            </a:lnSpc>
+            <a:spcBef>
+              <a:spcPct val="0"/>
+            </a:spcBef>
+            <a:spcAft>
+              <a:spcPct val="35000"/>
+            </a:spcAft>
+          </a:pPr>
+          <a:r>
+            <a:rPr lang="en-US" sz="800" kern="1200" dirty="0" smtClean="0"/>
+            <a:t>-move</a:t>
+          </a:r>
+          <a:endParaRPr lang="en-US" sz="800" kern="1200" dirty="0"/>
         </a:p>
       </dsp:txBody>
       <dsp:txXfrm>
-        <a:off x="4017731" y="2678190"/>
-        <a:ext cx="1659034" cy="829517"/>
+        <a:off x="5712379" y="3214587"/>
+        <a:ext cx="857648" cy="428824"/>
       </dsp:txXfrm>
     </dsp:sp>
-    <dsp:sp modelId="{D1696313-5BB4-334C-A900-ED415A2FEEFC}">
+    <dsp:sp modelId="{4F8792A5-E9D7-C949-9CD4-0CADE2E03D80}">
       <dsp:nvSpPr>
         <dsp:cNvPr id="0" name=""/>
         <dsp:cNvSpPr/>
       </dsp:nvSpPr>
       <dsp:spPr>
         <a:xfrm>
-          <a:off x="4432490" y="3856104"/>
-          <a:ext cx="1659034" cy="829517"/>
+          <a:off x="4674625" y="3823518"/>
+          <a:ext cx="857648" cy="428824"/>
         </a:xfrm>
         <a:prstGeom prst="rect">
           <a:avLst/>
@@ -4530,12 +5023,12 @@
         </a:fontRef>
       </dsp:style>
       <dsp:txBody>
-        <a:bodyPr spcFirstLastPara="0" vert="horz" wrap="square" lIns="9525" tIns="9525" rIns="9525" bIns="9525" numCol="1" spcCol="1270" anchor="ctr" anchorCtr="0">
+        <a:bodyPr spcFirstLastPara="0" vert="horz" wrap="square" lIns="5080" tIns="5080" rIns="5080" bIns="5080" numCol="1" spcCol="1270" anchor="ctr" anchorCtr="0">
           <a:noAutofit/>
         </a:bodyPr>
         <a:lstStyle/>
         <a:p>
-          <a:pPr lvl="0" algn="ctr" defTabSz="666750">
+          <a:pPr lvl="0" algn="ctr" defTabSz="355600">
             <a:lnSpc>
               <a:spcPct val="90000"/>
             </a:lnSpc>
@@ -4547,12 +5040,12 @@
             </a:spcAft>
           </a:pPr>
           <a:r>
-            <a:rPr lang="en-US" sz="1500" kern="1200" dirty="0" smtClean="0"/>
-            <a:t>Car1 ……</a:t>
+            <a:rPr lang="en-US" sz="800" kern="1200" dirty="0" smtClean="0"/>
+            <a:t>Cars</a:t>
           </a:r>
         </a:p>
         <a:p>
-          <a:pPr lvl="0" algn="ctr" defTabSz="666750">
+          <a:pPr lvl="0" algn="ctr" defTabSz="355600">
             <a:lnSpc>
               <a:spcPct val="90000"/>
             </a:lnSpc>
@@ -4564,12 +5057,12 @@
             </a:spcAft>
           </a:pPr>
           <a:r>
-            <a:rPr lang="en-US" sz="1200" kern="1200" dirty="0" smtClean="0"/>
-            <a:t>-age</a:t>
+            <a:rPr lang="en-US" sz="800" kern="1200" dirty="0" smtClean="0"/>
+            <a:t>-water </a:t>
           </a:r>
         </a:p>
         <a:p>
-          <a:pPr lvl="0" algn="ctr" defTabSz="666750">
+          <a:pPr lvl="0" algn="ctr" defTabSz="355600">
             <a:lnSpc>
               <a:spcPct val="90000"/>
             </a:lnSpc>
@@ -4581,26 +5074,26 @@
             </a:spcAft>
           </a:pPr>
           <a:r>
-            <a:rPr lang="en-US" sz="1200" kern="1200" dirty="0" smtClean="0"/>
-            <a:t>-condition</a:t>
+            <a:rPr lang="en-US" sz="800" kern="1200" dirty="0" smtClean="0"/>
+            <a:t>-fuel</a:t>
           </a:r>
-          <a:endParaRPr lang="en-US" sz="1200" kern="1200" dirty="0"/>
+          <a:endParaRPr lang="en-US" sz="800" kern="1200" dirty="0"/>
         </a:p>
       </dsp:txBody>
       <dsp:txXfrm>
-        <a:off x="4432490" y="3856104"/>
-        <a:ext cx="1659034" cy="829517"/>
+        <a:off x="4674625" y="3823518"/>
+        <a:ext cx="857648" cy="428824"/>
       </dsp:txXfrm>
     </dsp:sp>
-    <dsp:sp modelId="{CD247A22-0258-C548-9690-59C6A2BA20A0}">
+    <dsp:sp modelId="{205804AE-F860-214C-BC6A-B1FFB5C5874C}">
       <dsp:nvSpPr>
         <dsp:cNvPr id="0" name=""/>
         <dsp:cNvSpPr/>
       </dsp:nvSpPr>
       <dsp:spPr>
         <a:xfrm>
-          <a:off x="4432490" y="5034019"/>
-          <a:ext cx="1659034" cy="829517"/>
+          <a:off x="4155747" y="4432448"/>
+          <a:ext cx="857648" cy="428824"/>
         </a:xfrm>
         <a:prstGeom prst="rect">
           <a:avLst/>
@@ -4647,12 +5140,12 @@
         </a:fontRef>
       </dsp:style>
       <dsp:txBody>
-        <a:bodyPr spcFirstLastPara="0" vert="horz" wrap="square" lIns="9525" tIns="9525" rIns="9525" bIns="9525" numCol="1" spcCol="1270" anchor="ctr" anchorCtr="0">
+        <a:bodyPr spcFirstLastPara="0" vert="horz" wrap="square" lIns="5080" tIns="5080" rIns="5080" bIns="5080" numCol="1" spcCol="1270" anchor="ctr" anchorCtr="0">
           <a:noAutofit/>
         </a:bodyPr>
         <a:lstStyle/>
         <a:p>
-          <a:pPr lvl="0" algn="ctr" defTabSz="666750">
+          <a:pPr lvl="0" algn="ctr" defTabSz="355600">
             <a:lnSpc>
               <a:spcPct val="90000"/>
             </a:lnSpc>
@@ -4664,17 +5157,12 @@
             </a:spcAft>
           </a:pPr>
           <a:r>
-            <a:rPr lang="en-US" sz="1500" kern="1200" dirty="0" smtClean="0"/>
-            <a:t>….. </a:t>
+            <a:rPr lang="en-US" sz="800" kern="1200" dirty="0" smtClean="0"/>
+            <a:t>Car1 ……</a:t>
           </a:r>
-          <a:r>
-            <a:rPr lang="en-US" sz="1500" kern="1200" dirty="0" err="1" smtClean="0"/>
-            <a:t>CarN</a:t>
-          </a:r>
-          <a:endParaRPr lang="en-US" sz="1500" kern="1200" dirty="0" smtClean="0"/>
-        </a:p>
-        <a:p>
-          <a:pPr lvl="0" algn="ctr" defTabSz="666750">
+        </a:p>
+        <a:p>
+          <a:pPr lvl="0" algn="ctr" defTabSz="355600">
             <a:lnSpc>
               <a:spcPct val="90000"/>
             </a:lnSpc>
@@ -4686,12 +5174,12 @@
             </a:spcAft>
           </a:pPr>
           <a:r>
-            <a:rPr lang="en-US" sz="1200" kern="1200" dirty="0" smtClean="0"/>
+            <a:rPr lang="en-US" sz="800" kern="1200" dirty="0" smtClean="0"/>
             <a:t>-age</a:t>
           </a:r>
         </a:p>
         <a:p>
-          <a:pPr lvl="0" algn="ctr" defTabSz="666750">
+          <a:pPr lvl="0" algn="ctr" defTabSz="355600">
             <a:lnSpc>
               <a:spcPct val="90000"/>
             </a:lnSpc>
@@ -4703,26 +5191,26 @@
             </a:spcAft>
           </a:pPr>
           <a:r>
-            <a:rPr lang="en-US" sz="1200" kern="1200" dirty="0" smtClean="0"/>
+            <a:rPr lang="en-US" sz="800" kern="1200" dirty="0" smtClean="0"/>
             <a:t>-condition</a:t>
           </a:r>
-          <a:endParaRPr lang="en-US" sz="1200" kern="1200" dirty="0"/>
+          <a:endParaRPr lang="en-US" sz="800" kern="1200" dirty="0"/>
         </a:p>
       </dsp:txBody>
       <dsp:txXfrm>
-        <a:off x="4432490" y="5034019"/>
-        <a:ext cx="1659034" cy="829517"/>
+        <a:off x="4155747" y="4432448"/>
+        <a:ext cx="857648" cy="428824"/>
       </dsp:txXfrm>
     </dsp:sp>
-    <dsp:sp modelId="{3DC9F3B8-5FCF-0943-AEE8-52463F5D94C4}">
+    <dsp:sp modelId="{2CBF5CFC-6793-4A43-A77C-E0C8EBF8041C}">
       <dsp:nvSpPr>
         <dsp:cNvPr id="0" name=""/>
         <dsp:cNvSpPr/>
       </dsp:nvSpPr>
       <dsp:spPr>
         <a:xfrm>
-          <a:off x="6025163" y="2678190"/>
-          <a:ext cx="1659034" cy="829517"/>
+          <a:off x="5193502" y="4432448"/>
+          <a:ext cx="857648" cy="428824"/>
         </a:xfrm>
         <a:prstGeom prst="rect">
           <a:avLst/>
@@ -4769,12 +5257,12 @@
         </a:fontRef>
       </dsp:style>
       <dsp:txBody>
-        <a:bodyPr spcFirstLastPara="0" vert="horz" wrap="square" lIns="8255" tIns="8255" rIns="8255" bIns="8255" numCol="1" spcCol="1270" anchor="ctr" anchorCtr="0">
+        <a:bodyPr spcFirstLastPara="0" vert="horz" wrap="square" lIns="5080" tIns="5080" rIns="5080" bIns="5080" numCol="1" spcCol="1270" anchor="ctr" anchorCtr="0">
           <a:noAutofit/>
         </a:bodyPr>
         <a:lstStyle/>
         <a:p>
-          <a:pPr lvl="0" algn="ctr" defTabSz="577850">
+          <a:pPr lvl="0" algn="ctr" defTabSz="355600">
             <a:lnSpc>
               <a:spcPct val="90000"/>
             </a:lnSpc>
@@ -4786,26 +5274,65 @@
             </a:spcAft>
           </a:pPr>
           <a:r>
-            <a:rPr lang="en-US" sz="1300" kern="1200" dirty="0" smtClean="0"/>
-            <a:t>Trucks</a:t>
+            <a:rPr lang="en-US" sz="800" kern="1200" dirty="0" smtClean="0"/>
+            <a:t>….. </a:t>
           </a:r>
-          <a:endParaRPr lang="en-US" sz="1300" kern="1200" dirty="0"/>
+          <a:r>
+            <a:rPr lang="en-US" sz="800" kern="1200" dirty="0" err="1" smtClean="0"/>
+            <a:t>CarN</a:t>
+          </a:r>
+          <a:endParaRPr lang="en-US" sz="800" kern="1200" dirty="0" smtClean="0"/>
+        </a:p>
+        <a:p>
+          <a:pPr lvl="0" algn="ctr" defTabSz="355600">
+            <a:lnSpc>
+              <a:spcPct val="90000"/>
+            </a:lnSpc>
+            <a:spcBef>
+              <a:spcPct val="0"/>
+            </a:spcBef>
+            <a:spcAft>
+              <a:spcPct val="35000"/>
+            </a:spcAft>
+          </a:pPr>
+          <a:r>
+            <a:rPr lang="en-US" sz="800" kern="1200" dirty="0" smtClean="0"/>
+            <a:t>-age</a:t>
+          </a:r>
+        </a:p>
+        <a:p>
+          <a:pPr lvl="0" algn="ctr" defTabSz="355600">
+            <a:lnSpc>
+              <a:spcPct val="90000"/>
+            </a:lnSpc>
+            <a:spcBef>
+              <a:spcPct val="0"/>
+            </a:spcBef>
+            <a:spcAft>
+              <a:spcPct val="35000"/>
+            </a:spcAft>
+          </a:pPr>
+          <a:r>
+            <a:rPr lang="en-US" sz="800" kern="1200" dirty="0" smtClean="0"/>
+            <a:t>-condition</a:t>
+          </a:r>
+          <a:endParaRPr lang="en-US" sz="800" kern="1200" dirty="0"/>
         </a:p>
       </dsp:txBody>
       <dsp:txXfrm>
-        <a:off x="6025163" y="2678190"/>
-        <a:ext cx="1659034" cy="829517"/>
+        <a:off x="5193502" y="4432448"/>
+        <a:ext cx="857648" cy="428824"/>
       </dsp:txXfrm>
     </dsp:sp>
-    <dsp:sp modelId="{89E120FF-B3C4-B245-B292-AC85BF79CF44}">
+    <dsp:sp modelId="{3F1B7588-5F5B-F14D-BF32-D0B86CA66BF6}">
       <dsp:nvSpPr>
         <dsp:cNvPr id="0" name=""/>
         <dsp:cNvSpPr/>
       </dsp:nvSpPr>
       <dsp:spPr>
         <a:xfrm>
-          <a:off x="6439922" y="3856104"/>
-          <a:ext cx="1659034" cy="829517"/>
+          <a:off x="6750134" y="3823518"/>
+          <a:ext cx="857648" cy="428824"/>
         </a:xfrm>
         <a:prstGeom prst="rect">
           <a:avLst/>
@@ -4852,12 +5379,12 @@
         </a:fontRef>
       </dsp:style>
       <dsp:txBody>
-        <a:bodyPr spcFirstLastPara="0" vert="horz" wrap="square" lIns="9525" tIns="9525" rIns="9525" bIns="9525" numCol="1" spcCol="1270" anchor="ctr" anchorCtr="0">
+        <a:bodyPr spcFirstLastPara="0" vert="horz" wrap="square" lIns="5080" tIns="5080" rIns="5080" bIns="5080" numCol="1" spcCol="1270" anchor="ctr" anchorCtr="0">
           <a:noAutofit/>
         </a:bodyPr>
         <a:lstStyle/>
         <a:p>
-          <a:pPr lvl="0" algn="ctr" defTabSz="666750">
+          <a:pPr lvl="0" algn="ctr" defTabSz="355600">
             <a:lnSpc>
               <a:spcPct val="90000"/>
             </a:lnSpc>
@@ -4869,12 +5396,12 @@
             </a:spcAft>
           </a:pPr>
           <a:r>
-            <a:rPr lang="en-US" sz="1500" kern="1200" dirty="0" smtClean="0"/>
-            <a:t>Truck1 …..</a:t>
+            <a:rPr lang="en-US" sz="800" kern="1200" dirty="0" smtClean="0"/>
+            <a:t>Trucks</a:t>
           </a:r>
         </a:p>
         <a:p>
-          <a:pPr lvl="0" algn="ctr" defTabSz="666750">
+          <a:pPr lvl="0" algn="ctr" defTabSz="355600">
             <a:lnSpc>
               <a:spcPct val="90000"/>
             </a:lnSpc>
@@ -4886,12 +5413,12 @@
             </a:spcAft>
           </a:pPr>
           <a:r>
-            <a:rPr lang="en-US" sz="1200" kern="1200" dirty="0" smtClean="0"/>
-            <a:t>-age</a:t>
+            <a:rPr lang="en-US" sz="800" kern="1200" dirty="0" smtClean="0"/>
+            <a:t>-water </a:t>
           </a:r>
         </a:p>
         <a:p>
-          <a:pPr lvl="0" algn="ctr" defTabSz="666750">
+          <a:pPr lvl="0" algn="ctr" defTabSz="355600">
             <a:lnSpc>
               <a:spcPct val="90000"/>
             </a:lnSpc>
@@ -4903,26 +5430,26 @@
             </a:spcAft>
           </a:pPr>
           <a:r>
-            <a:rPr lang="en-US" sz="1200" kern="1200" dirty="0" smtClean="0"/>
-            <a:t>-condition</a:t>
+            <a:rPr lang="en-US" sz="800" kern="1200" dirty="0" smtClean="0"/>
+            <a:t>-fuel</a:t>
           </a:r>
-          <a:endParaRPr lang="en-US" sz="1200" kern="1200" dirty="0"/>
+          <a:endParaRPr lang="en-US" sz="800" kern="1200" dirty="0"/>
         </a:p>
       </dsp:txBody>
       <dsp:txXfrm>
-        <a:off x="6439922" y="3856104"/>
-        <a:ext cx="1659034" cy="829517"/>
+        <a:off x="6750134" y="3823518"/>
+        <a:ext cx="857648" cy="428824"/>
       </dsp:txXfrm>
     </dsp:sp>
-    <dsp:sp modelId="{55AF4930-3CD8-5C4E-A716-2B71937E55AD}">
+    <dsp:sp modelId="{67D03EB7-8959-3A49-904F-C23B65264F2C}">
       <dsp:nvSpPr>
         <dsp:cNvPr id="0" name=""/>
         <dsp:cNvSpPr/>
       </dsp:nvSpPr>
       <dsp:spPr>
         <a:xfrm>
-          <a:off x="6439922" y="5034019"/>
-          <a:ext cx="1659034" cy="829517"/>
+          <a:off x="6231257" y="4432448"/>
+          <a:ext cx="857648" cy="428824"/>
         </a:xfrm>
         <a:prstGeom prst="rect">
           <a:avLst/>
@@ -4969,12 +5496,12 @@
         </a:fontRef>
       </dsp:style>
       <dsp:txBody>
-        <a:bodyPr spcFirstLastPara="0" vert="horz" wrap="square" lIns="9525" tIns="9525" rIns="9525" bIns="9525" numCol="1" spcCol="1270" anchor="ctr" anchorCtr="0">
+        <a:bodyPr spcFirstLastPara="0" vert="horz" wrap="square" lIns="5080" tIns="5080" rIns="5080" bIns="5080" numCol="1" spcCol="1270" anchor="ctr" anchorCtr="0">
           <a:noAutofit/>
         </a:bodyPr>
         <a:lstStyle/>
         <a:p>
-          <a:pPr lvl="0" algn="ctr" defTabSz="666750">
+          <a:pPr lvl="0" algn="ctr" defTabSz="355600">
             <a:lnSpc>
               <a:spcPct val="90000"/>
             </a:lnSpc>
@@ -4986,17 +5513,12 @@
             </a:spcAft>
           </a:pPr>
           <a:r>
-            <a:rPr lang="en-US" sz="1500" kern="1200" dirty="0" smtClean="0"/>
-            <a:t>..... </a:t>
+            <a:rPr lang="en-US" sz="800" kern="1200" dirty="0" smtClean="0"/>
+            <a:t>Truck1 …..</a:t>
           </a:r>
-          <a:r>
-            <a:rPr lang="en-US" sz="1500" kern="1200" dirty="0" err="1" smtClean="0"/>
-            <a:t>TruckN</a:t>
-          </a:r>
-          <a:endParaRPr lang="en-US" sz="1500" kern="1200" dirty="0" smtClean="0"/>
-        </a:p>
-        <a:p>
-          <a:pPr lvl="0" algn="ctr" defTabSz="666750">
+        </a:p>
+        <a:p>
+          <a:pPr lvl="0" algn="ctr" defTabSz="355600">
             <a:lnSpc>
               <a:spcPct val="90000"/>
             </a:lnSpc>
@@ -5008,12 +5530,12 @@
             </a:spcAft>
           </a:pPr>
           <a:r>
-            <a:rPr lang="en-US" sz="1200" kern="1200" dirty="0" smtClean="0"/>
+            <a:rPr lang="en-US" sz="800" kern="1200" dirty="0" smtClean="0"/>
             <a:t>-age</a:t>
           </a:r>
         </a:p>
         <a:p>
-          <a:pPr lvl="0" algn="ctr" defTabSz="666750">
+          <a:pPr lvl="0" algn="ctr" defTabSz="355600">
             <a:lnSpc>
               <a:spcPct val="90000"/>
             </a:lnSpc>
@@ -5025,15 +5547,254 @@
             </a:spcAft>
           </a:pPr>
           <a:r>
-            <a:rPr lang="en-US" sz="1200" kern="1200" dirty="0" smtClean="0"/>
+            <a:rPr lang="en-US" sz="800" kern="1200" dirty="0" smtClean="0"/>
             <a:t>-condition</a:t>
           </a:r>
-          <a:endParaRPr lang="en-US" sz="1200" kern="1200" dirty="0"/>
+          <a:endParaRPr lang="en-US" sz="800" kern="1200" dirty="0"/>
         </a:p>
       </dsp:txBody>
       <dsp:txXfrm>
-        <a:off x="6439922" y="5034019"/>
-        <a:ext cx="1659034" cy="829517"/>
+        <a:off x="6231257" y="4432448"/>
+        <a:ext cx="857648" cy="428824"/>
+      </dsp:txXfrm>
+    </dsp:sp>
+    <dsp:sp modelId="{86E672AC-64D9-7743-A245-4C98F2FB7D6D}">
+      <dsp:nvSpPr>
+        <dsp:cNvPr id="0" name=""/>
+        <dsp:cNvSpPr/>
+      </dsp:nvSpPr>
+      <dsp:spPr>
+        <a:xfrm>
+          <a:off x="7269011" y="4432448"/>
+          <a:ext cx="857648" cy="428824"/>
+        </a:xfrm>
+        <a:prstGeom prst="rect">
+          <a:avLst/>
+        </a:prstGeom>
+        <a:solidFill>
+          <a:schemeClr val="accent1">
+            <a:hueOff val="0"/>
+            <a:satOff val="0"/>
+            <a:lumOff val="0"/>
+            <a:alphaOff val="0"/>
+          </a:schemeClr>
+        </a:solidFill>
+        <a:ln w="38100" cap="flat" cmpd="sng" algn="ctr">
+          <a:solidFill>
+            <a:schemeClr val="lt1">
+              <a:hueOff val="0"/>
+              <a:satOff val="0"/>
+              <a:lumOff val="0"/>
+              <a:alphaOff val="0"/>
+            </a:schemeClr>
+          </a:solidFill>
+          <a:prstDash val="solid"/>
+        </a:ln>
+        <a:effectLst>
+          <a:outerShdw blurRad="40000" dist="20000" dir="5400000" rotWithShape="0">
+            <a:srgbClr val="000000">
+              <a:alpha val="38000"/>
+            </a:srgbClr>
+          </a:outerShdw>
+        </a:effectLst>
+      </dsp:spPr>
+      <dsp:style>
+        <a:lnRef idx="3">
+          <a:scrgbClr r="0" g="0" b="0"/>
+        </a:lnRef>
+        <a:fillRef idx="1">
+          <a:scrgbClr r="0" g="0" b="0"/>
+        </a:fillRef>
+        <a:effectRef idx="1">
+          <a:scrgbClr r="0" g="0" b="0"/>
+        </a:effectRef>
+        <a:fontRef idx="minor">
+          <a:schemeClr val="lt1"/>
+        </a:fontRef>
+      </dsp:style>
+      <dsp:txBody>
+        <a:bodyPr spcFirstLastPara="0" vert="horz" wrap="square" lIns="5080" tIns="5080" rIns="5080" bIns="5080" numCol="1" spcCol="1270" anchor="ctr" anchorCtr="0">
+          <a:noAutofit/>
+        </a:bodyPr>
+        <a:lstStyle/>
+        <a:p>
+          <a:pPr lvl="0" algn="ctr" defTabSz="355600">
+            <a:lnSpc>
+              <a:spcPct val="90000"/>
+            </a:lnSpc>
+            <a:spcBef>
+              <a:spcPct val="0"/>
+            </a:spcBef>
+            <a:spcAft>
+              <a:spcPct val="35000"/>
+            </a:spcAft>
+          </a:pPr>
+          <a:r>
+            <a:rPr lang="en-US" sz="800" kern="1200" dirty="0" smtClean="0"/>
+            <a:t>..... </a:t>
+          </a:r>
+          <a:r>
+            <a:rPr lang="en-US" sz="800" kern="1200" dirty="0" err="1" smtClean="0"/>
+            <a:t>TruckN</a:t>
+          </a:r>
+          <a:endParaRPr lang="en-US" sz="800" kern="1200" dirty="0" smtClean="0"/>
+        </a:p>
+        <a:p>
+          <a:pPr lvl="0" algn="ctr" defTabSz="355600">
+            <a:lnSpc>
+              <a:spcPct val="90000"/>
+            </a:lnSpc>
+            <a:spcBef>
+              <a:spcPct val="0"/>
+            </a:spcBef>
+            <a:spcAft>
+              <a:spcPct val="35000"/>
+            </a:spcAft>
+          </a:pPr>
+          <a:r>
+            <a:rPr lang="en-US" sz="800" kern="1200" dirty="0" smtClean="0"/>
+            <a:t>-age</a:t>
+          </a:r>
+        </a:p>
+        <a:p>
+          <a:pPr lvl="0" algn="ctr" defTabSz="355600">
+            <a:lnSpc>
+              <a:spcPct val="90000"/>
+            </a:lnSpc>
+            <a:spcBef>
+              <a:spcPct val="0"/>
+            </a:spcBef>
+            <a:spcAft>
+              <a:spcPct val="35000"/>
+            </a:spcAft>
+          </a:pPr>
+          <a:r>
+            <a:rPr lang="en-US" sz="800" kern="1200" dirty="0" smtClean="0"/>
+            <a:t>-condition</a:t>
+          </a:r>
+          <a:endParaRPr lang="en-US" sz="800" kern="1200" dirty="0"/>
+        </a:p>
+      </dsp:txBody>
+      <dsp:txXfrm>
+        <a:off x="7269011" y="4432448"/>
+        <a:ext cx="857648" cy="428824"/>
+      </dsp:txXfrm>
+    </dsp:sp>
+    <dsp:sp modelId="{F1409012-190F-9745-A0DB-1D229F54ADC9}">
+      <dsp:nvSpPr>
+        <dsp:cNvPr id="0" name=""/>
+        <dsp:cNvSpPr/>
+      </dsp:nvSpPr>
+      <dsp:spPr>
+        <a:xfrm>
+          <a:off x="8306766" y="2605657"/>
+          <a:ext cx="857648" cy="428824"/>
+        </a:xfrm>
+        <a:prstGeom prst="rect">
+          <a:avLst/>
+        </a:prstGeom>
+        <a:solidFill>
+          <a:schemeClr val="accent1">
+            <a:hueOff val="0"/>
+            <a:satOff val="0"/>
+            <a:lumOff val="0"/>
+            <a:alphaOff val="0"/>
+          </a:schemeClr>
+        </a:solidFill>
+        <a:ln w="38100" cap="flat" cmpd="sng" algn="ctr">
+          <a:solidFill>
+            <a:schemeClr val="lt1">
+              <a:hueOff val="0"/>
+              <a:satOff val="0"/>
+              <a:lumOff val="0"/>
+              <a:alphaOff val="0"/>
+            </a:schemeClr>
+          </a:solidFill>
+          <a:prstDash val="solid"/>
+        </a:ln>
+        <a:effectLst>
+          <a:outerShdw blurRad="40000" dist="20000" dir="5400000" rotWithShape="0">
+            <a:srgbClr val="000000">
+              <a:alpha val="38000"/>
+            </a:srgbClr>
+          </a:outerShdw>
+        </a:effectLst>
+      </dsp:spPr>
+      <dsp:style>
+        <a:lnRef idx="3">
+          <a:scrgbClr r="0" g="0" b="0"/>
+        </a:lnRef>
+        <a:fillRef idx="1">
+          <a:scrgbClr r="0" g="0" b="0"/>
+        </a:fillRef>
+        <a:effectRef idx="1">
+          <a:scrgbClr r="0" g="0" b="0"/>
+        </a:effectRef>
+        <a:fontRef idx="minor">
+          <a:schemeClr val="lt1"/>
+        </a:fontRef>
+      </dsp:style>
+      <dsp:txBody>
+        <a:bodyPr spcFirstLastPara="0" vert="horz" wrap="square" lIns="5080" tIns="5080" rIns="5080" bIns="5080" numCol="1" spcCol="1270" anchor="ctr" anchorCtr="0">
+          <a:noAutofit/>
+        </a:bodyPr>
+        <a:lstStyle/>
+        <a:p>
+          <a:pPr lvl="0" algn="ctr" defTabSz="355600">
+            <a:lnSpc>
+              <a:spcPct val="90000"/>
+            </a:lnSpc>
+            <a:spcBef>
+              <a:spcPct val="0"/>
+            </a:spcBef>
+            <a:spcAft>
+              <a:spcPct val="35000"/>
+            </a:spcAft>
+          </a:pPr>
+          <a:r>
+            <a:rPr lang="en-US" sz="800" kern="1200" dirty="0" smtClean="0"/>
+            <a:t>Fire</a:t>
+          </a:r>
+        </a:p>
+        <a:p>
+          <a:pPr lvl="0" algn="ctr" defTabSz="355600">
+            <a:lnSpc>
+              <a:spcPct val="90000"/>
+            </a:lnSpc>
+            <a:spcBef>
+              <a:spcPct val="0"/>
+            </a:spcBef>
+            <a:spcAft>
+              <a:spcPct val="35000"/>
+            </a:spcAft>
+          </a:pPr>
+          <a:r>
+            <a:rPr lang="en-US" sz="800" kern="1200" dirty="0" smtClean="0"/>
+            <a:t>-x</a:t>
+          </a:r>
+        </a:p>
+        <a:p>
+          <a:pPr lvl="0" algn="ctr" defTabSz="355600">
+            <a:lnSpc>
+              <a:spcPct val="90000"/>
+            </a:lnSpc>
+            <a:spcBef>
+              <a:spcPct val="0"/>
+            </a:spcBef>
+            <a:spcAft>
+              <a:spcPct val="35000"/>
+            </a:spcAft>
+          </a:pPr>
+          <a:r>
+            <a:rPr lang="en-US" sz="800" kern="1200" dirty="0" smtClean="0"/>
+            <a:t>-y</a:t>
+          </a:r>
+          <a:endParaRPr lang="en-US" sz="800" kern="1200" dirty="0"/>
+        </a:p>
+      </dsp:txBody>
+      <dsp:txXfrm>
+        <a:off x="8306766" y="2605657"/>
+        <a:ext cx="857648" cy="428824"/>
       </dsp:txXfrm>
     </dsp:sp>
   </dsp:spTree>
@@ -7401,7 +8162,7 @@
           <a:p>
             <a:fld id="{87B3EAE0-1D56-1740-BC02-B746B30F1973}" type="datetimeFigureOut">
               <a:rPr lang="en-US" smtClean="0"/>
-              <a:t>11/15/12</a:t>
+              <a:t>11/23/12</a:t>
             </a:fld>
             <a:endParaRPr lang="en-US"/>
           </a:p>
@@ -7571,7 +8332,7 @@
           <a:p>
             <a:fld id="{87B3EAE0-1D56-1740-BC02-B746B30F1973}" type="datetimeFigureOut">
               <a:rPr lang="en-US" smtClean="0"/>
-              <a:t>11/15/12</a:t>
+              <a:t>11/23/12</a:t>
             </a:fld>
             <a:endParaRPr lang="en-US"/>
           </a:p>
@@ -7751,7 +8512,7 @@
           <a:p>
             <a:fld id="{87B3EAE0-1D56-1740-BC02-B746B30F1973}" type="datetimeFigureOut">
               <a:rPr lang="en-US" smtClean="0"/>
-              <a:t>11/15/12</a:t>
+              <a:t>11/23/12</a:t>
             </a:fld>
             <a:endParaRPr lang="en-US"/>
           </a:p>
@@ -7921,7 +8682,7 @@
           <a:p>
             <a:fld id="{87B3EAE0-1D56-1740-BC02-B746B30F1973}" type="datetimeFigureOut">
               <a:rPr lang="en-US" smtClean="0"/>
-              <a:t>11/15/12</a:t>
+              <a:t>11/23/12</a:t>
             </a:fld>
             <a:endParaRPr lang="en-US"/>
           </a:p>
@@ -8167,7 +8928,7 @@
           <a:p>
             <a:fld id="{87B3EAE0-1D56-1740-BC02-B746B30F1973}" type="datetimeFigureOut">
               <a:rPr lang="en-US" smtClean="0"/>
-              <a:t>11/15/12</a:t>
+              <a:t>11/23/12</a:t>
             </a:fld>
             <a:endParaRPr lang="en-US"/>
           </a:p>
@@ -8455,7 +9216,7 @@
           <a:p>
             <a:fld id="{87B3EAE0-1D56-1740-BC02-B746B30F1973}" type="datetimeFigureOut">
               <a:rPr lang="en-US" smtClean="0"/>
-              <a:t>11/15/12</a:t>
+              <a:t>11/23/12</a:t>
             </a:fld>
             <a:endParaRPr lang="en-US"/>
           </a:p>
@@ -8877,7 +9638,7 @@
           <a:p>
             <a:fld id="{87B3EAE0-1D56-1740-BC02-B746B30F1973}" type="datetimeFigureOut">
               <a:rPr lang="en-US" smtClean="0"/>
-              <a:t>11/15/12</a:t>
+              <a:t>11/23/12</a:t>
             </a:fld>
             <a:endParaRPr lang="en-US"/>
           </a:p>
@@ -8995,7 +9756,7 @@
           <a:p>
             <a:fld id="{87B3EAE0-1D56-1740-BC02-B746B30F1973}" type="datetimeFigureOut">
               <a:rPr lang="en-US" smtClean="0"/>
-              <a:t>11/15/12</a:t>
+              <a:t>11/23/12</a:t>
             </a:fld>
             <a:endParaRPr lang="en-US"/>
           </a:p>
@@ -9090,7 +9851,7 @@
           <a:p>
             <a:fld id="{87B3EAE0-1D56-1740-BC02-B746B30F1973}" type="datetimeFigureOut">
               <a:rPr lang="en-US" smtClean="0"/>
-              <a:t>11/15/12</a:t>
+              <a:t>11/23/12</a:t>
             </a:fld>
             <a:endParaRPr lang="en-US"/>
           </a:p>
@@ -9367,7 +10128,7 @@
           <a:p>
             <a:fld id="{87B3EAE0-1D56-1740-BC02-B746B30F1973}" type="datetimeFigureOut">
               <a:rPr lang="en-US" smtClean="0"/>
-              <a:t>11/15/12</a:t>
+              <a:t>11/23/12</a:t>
             </a:fld>
             <a:endParaRPr lang="en-US"/>
           </a:p>
@@ -9620,7 +10381,7 @@
           <a:p>
             <a:fld id="{87B3EAE0-1D56-1740-BC02-B746B30F1973}" type="datetimeFigureOut">
               <a:rPr lang="en-US" smtClean="0"/>
-              <a:t>11/15/12</a:t>
+              <a:t>11/23/12</a:t>
             </a:fld>
             <a:endParaRPr lang="en-US"/>
           </a:p>
@@ -9833,7 +10594,7 @@
           <a:p>
             <a:fld id="{87B3EAE0-1D56-1740-BC02-B746B30F1973}" type="datetimeFigureOut">
               <a:rPr lang="en-US" smtClean="0"/>
-              <a:t>11/15/12</a:t>
+              <a:t>11/23/12</a:t>
             </a:fld>
             <a:endParaRPr lang="en-US"/>
           </a:p>
@@ -10215,14 +10976,14 @@
           <p:nvPr>
             <p:extLst>
               <p:ext uri="{D42A27DB-BD31-4B8C-83A1-F6EECF244321}">
-                <p14:modId xmlns:p14="http://schemas.microsoft.com/office/powerpoint/2010/main" val="3912825344"/>
+                <p14:modId xmlns:p14="http://schemas.microsoft.com/office/powerpoint/2010/main" val="867246030"/>
               </p:ext>
             </p:extLst>
           </p:nvPr>
         </p:nvGraphicFramePr>
         <p:xfrm>
-          <a:off x="563338" y="194590"/>
-          <a:ext cx="8101825" cy="6185898"/>
+          <a:off x="-25144" y="0"/>
+          <a:ext cx="9169144" cy="6858000"/>
         </p:xfrm>
         <a:graphic>
           <a:graphicData uri="http://schemas.openxmlformats.org/drawingml/2006/diagram">
@@ -10233,7 +10994,7 @@
     </p:spTree>
     <p:extLst>
       <p:ext uri="{BB962C8B-B14F-4D97-AF65-F5344CB8AC3E}">
-        <p14:creationId xmlns:p14="http://schemas.microsoft.com/office/powerpoint/2010/main" val="482962193"/>
+        <p14:creationId xmlns:p14="http://schemas.microsoft.com/office/powerpoint/2010/main" val="3208036375"/>
       </p:ext>
     </p:extLst>
   </p:cSld>

--- a/University project 2012-2013/hierarchyClass.pptx
+++ b/University project 2012-2013/hierarchyClass.pptx
@@ -1028,10 +1028,6 @@
           </a:r>
         </a:p>
         <a:p>
-          <a:r>
-            <a:rPr lang="en-US" dirty="0" smtClean="0"/>
-            <a:t>-fly</a:t>
-          </a:r>
           <a:endParaRPr lang="en-US" dirty="0"/>
         </a:p>
       </dgm:t>
@@ -1071,10 +1067,6 @@
           </a:r>
         </a:p>
         <a:p>
-          <a:r>
-            <a:rPr lang="en-US" dirty="0" smtClean="0"/>
-            <a:t>-move</a:t>
-          </a:r>
           <a:endParaRPr lang="en-US" dirty="0"/>
         </a:p>
       </dgm:t>
@@ -4144,10 +4136,6 @@
               <a:spcPct val="35000"/>
             </a:spcAft>
           </a:pPr>
-          <a:r>
-            <a:rPr lang="en-US" sz="800" kern="1200" dirty="0" smtClean="0"/>
-            <a:t>-fly</a:t>
-          </a:r>
           <a:endParaRPr lang="en-US" sz="800" kern="1200" dirty="0"/>
         </a:p>
       </dsp:txBody>
@@ -4956,10 +4944,6 @@
               <a:spcPct val="35000"/>
             </a:spcAft>
           </a:pPr>
-          <a:r>
-            <a:rPr lang="en-US" sz="800" kern="1200" dirty="0" smtClean="0"/>
-            <a:t>-move</a:t>
-          </a:r>
           <a:endParaRPr lang="en-US" sz="800" kern="1200" dirty="0"/>
         </a:p>
       </dsp:txBody>
@@ -10976,7 +10960,7 @@
           <p:nvPr>
             <p:extLst>
               <p:ext uri="{D42A27DB-BD31-4B8C-83A1-F6EECF244321}">
-                <p14:modId xmlns:p14="http://schemas.microsoft.com/office/powerpoint/2010/main" val="867246030"/>
+                <p14:modId xmlns:p14="http://schemas.microsoft.com/office/powerpoint/2010/main" val="3511011550"/>
               </p:ext>
             </p:extLst>
           </p:nvPr>
